--- a/3. Back-end/1. JavaCore/5. String, String Builder, String Buffer.pptx
+++ b/3. Back-end/1. JavaCore/5. String, String Builder, String Buffer.pptx
@@ -8,7 +8,9 @@
     <p:sldId id="256" r:id="rId2"/>
     <p:sldId id="257" r:id="rId3"/>
     <p:sldId id="258" r:id="rId4"/>
-    <p:sldId id="259" r:id="rId5"/>
+    <p:sldId id="260" r:id="rId5"/>
+    <p:sldId id="259" r:id="rId6"/>
+    <p:sldId id="261" r:id="rId7"/>
   </p:sldIdLst>
   <p:sldSz cx="9144000" cy="6858000" type="screen4x3"/>
   <p:notesSz cx="6858000" cy="9144000"/>
@@ -3478,6 +3480,26 @@
               <a:rPr lang="en-US" dirty="0" err="1" smtClean="0"/>
               <a:t>liệu</a:t>
             </a:r>
+            <a:r>
+              <a:rPr lang="en-US" dirty="0" smtClean="0"/>
+              <a:t> </a:t>
+            </a:r>
+            <a:r>
+              <a:rPr lang="en-US" dirty="0" err="1" smtClean="0"/>
+              <a:t>nguyên</a:t>
+            </a:r>
+            <a:r>
+              <a:rPr lang="en-US" dirty="0" smtClean="0"/>
+              <a:t> </a:t>
+            </a:r>
+            <a:r>
+              <a:rPr lang="en-US" dirty="0" err="1" smtClean="0"/>
+              <a:t>thủy</a:t>
+            </a:r>
+            <a:r>
+              <a:rPr lang="en-US" dirty="0" smtClean="0"/>
+              <a:t> Java</a:t>
+            </a:r>
             <a:endParaRPr lang="en-US" dirty="0" smtClean="0"/>
           </a:p>
           <a:p>
@@ -3524,6 +3546,10 @@
             <a:r>
               <a:rPr lang="en-US" dirty="0" err="1" smtClean="0"/>
               <a:t>tự</a:t>
+            </a:r>
+            <a:r>
+              <a:rPr lang="en-US" dirty="0" smtClean="0"/>
+              <a:t> (characters)</a:t>
             </a:r>
             <a:endParaRPr lang="en-US" dirty="0" smtClean="0"/>
           </a:p>
@@ -3702,6 +3728,265 @@
           <a:lstStyle/>
           <a:p>
             <a:r>
+              <a:rPr lang="en-US" dirty="0" err="1" smtClean="0"/>
+              <a:t>Mảng</a:t>
+            </a:r>
+            <a:r>
+              <a:rPr lang="en-US" dirty="0" smtClean="0"/>
+              <a:t> char[] Java</a:t>
+            </a:r>
+            <a:endParaRPr lang="en-GB" dirty="0"/>
+          </a:p>
+        </p:txBody>
+      </p:sp>
+      <p:sp>
+        <p:nvSpPr>
+          <p:cNvPr id="4" name="Down Arrow 3"/>
+          <p:cNvSpPr/>
+          <p:nvPr/>
+        </p:nvSpPr>
+        <p:spPr>
+          <a:xfrm>
+            <a:off x="4275161" y="3048000"/>
+            <a:ext cx="381000" cy="1066800"/>
+          </a:xfrm>
+          <a:prstGeom prst="downArrow">
+            <a:avLst/>
+          </a:prstGeom>
+        </p:spPr>
+        <p:style>
+          <a:lnRef idx="2">
+            <a:schemeClr val="accent1">
+              <a:shade val="50000"/>
+            </a:schemeClr>
+          </a:lnRef>
+          <a:fillRef idx="1">
+            <a:schemeClr val="accent1"/>
+          </a:fillRef>
+          <a:effectRef idx="0">
+            <a:schemeClr val="accent1"/>
+          </a:effectRef>
+          <a:fontRef idx="minor">
+            <a:schemeClr val="lt1"/>
+          </a:fontRef>
+        </p:style>
+        <p:txBody>
+          <a:bodyPr rtlCol="0" anchor="ctr"/>
+          <a:lstStyle/>
+          <a:p>
+            <a:pPr algn="ctr"/>
+            <a:endParaRPr lang="en-GB"/>
+          </a:p>
+        </p:txBody>
+      </p:sp>
+      <p:pic>
+        <p:nvPicPr>
+          <p:cNvPr id="1027" name="Picture 3"/>
+          <p:cNvPicPr>
+            <a:picLocks noChangeAspect="1" noChangeArrowheads="1"/>
+          </p:cNvPicPr>
+          <p:nvPr/>
+        </p:nvPicPr>
+        <p:blipFill>
+          <a:blip r:embed="rId2">
+            <a:extLst>
+              <a:ext uri="{28A0092B-C50C-407E-A947-70E740481C1C}">
+                <a14:useLocalDpi xmlns:a14="http://schemas.microsoft.com/office/drawing/2010/main" val="0"/>
+              </a:ext>
+            </a:extLst>
+          </a:blip>
+          <a:srcRect/>
+          <a:stretch>
+            <a:fillRect/>
+          </a:stretch>
+        </p:blipFill>
+        <p:spPr bwMode="auto">
+          <a:xfrm>
+            <a:off x="3948930" y="4164543"/>
+            <a:ext cx="1033462" cy="616451"/>
+          </a:xfrm>
+          <a:prstGeom prst="rect">
+            <a:avLst/>
+          </a:prstGeom>
+          <a:ln/>
+        </p:spPr>
+        <p:style>
+          <a:lnRef idx="2">
+            <a:schemeClr val="accent3"/>
+          </a:lnRef>
+          <a:fillRef idx="1">
+            <a:schemeClr val="lt1"/>
+          </a:fillRef>
+          <a:effectRef idx="0">
+            <a:schemeClr val="accent3"/>
+          </a:effectRef>
+          <a:fontRef idx="minor">
+            <a:schemeClr val="dk1"/>
+          </a:fontRef>
+        </p:style>
+      </p:pic>
+      <p:pic>
+        <p:nvPicPr>
+          <p:cNvPr id="1028" name="Picture 4"/>
+          <p:cNvPicPr>
+            <a:picLocks noChangeAspect="1" noChangeArrowheads="1"/>
+          </p:cNvPicPr>
+          <p:nvPr/>
+        </p:nvPicPr>
+        <p:blipFill>
+          <a:blip r:embed="rId3">
+            <a:extLst>
+              <a:ext uri="{28A0092B-C50C-407E-A947-70E740481C1C}">
+                <a14:useLocalDpi xmlns:a14="http://schemas.microsoft.com/office/drawing/2010/main" val="0"/>
+              </a:ext>
+            </a:extLst>
+          </a:blip>
+          <a:srcRect/>
+          <a:stretch>
+            <a:fillRect/>
+          </a:stretch>
+        </p:blipFill>
+        <p:spPr bwMode="auto">
+          <a:xfrm>
+            <a:off x="2165373" y="1905000"/>
+            <a:ext cx="4600575" cy="1000125"/>
+          </a:xfrm>
+          <a:prstGeom prst="rect">
+            <a:avLst/>
+          </a:prstGeom>
+          <a:ln/>
+        </p:spPr>
+        <p:style>
+          <a:lnRef idx="2">
+            <a:schemeClr val="accent3"/>
+          </a:lnRef>
+          <a:fillRef idx="1">
+            <a:schemeClr val="lt1"/>
+          </a:fillRef>
+          <a:effectRef idx="0">
+            <a:schemeClr val="accent3"/>
+          </a:effectRef>
+          <a:fontRef idx="minor">
+            <a:schemeClr val="dk1"/>
+          </a:fontRef>
+        </p:style>
+      </p:pic>
+      <p:sp>
+        <p:nvSpPr>
+          <p:cNvPr id="5" name="TextBox 4"/>
+          <p:cNvSpPr txBox="1"/>
+          <p:nvPr/>
+        </p:nvSpPr>
+        <p:spPr>
+          <a:xfrm>
+            <a:off x="2702741" y="5423356"/>
+            <a:ext cx="3906839" cy="430887"/>
+          </a:xfrm>
+          <a:prstGeom prst="rect">
+            <a:avLst/>
+          </a:prstGeom>
+          <a:noFill/>
+        </p:spPr>
+        <p:txBody>
+          <a:bodyPr wrap="none" rtlCol="0">
+            <a:spAutoFit/>
+          </a:bodyPr>
+          <a:lstStyle/>
+          <a:p>
+            <a:r>
+              <a:rPr lang="en-US" sz="2200" dirty="0" err="1" smtClean="0"/>
+              <a:t>Một</a:t>
+            </a:r>
+            <a:r>
+              <a:rPr lang="en-US" sz="2200" dirty="0" smtClean="0"/>
+              <a:t> </a:t>
+            </a:r>
+            <a:r>
+              <a:rPr lang="en-US" sz="2200" dirty="0" err="1" smtClean="0"/>
+              <a:t>mảng</a:t>
+            </a:r>
+            <a:r>
+              <a:rPr lang="en-US" sz="2200" dirty="0" smtClean="0"/>
+              <a:t> char[] </a:t>
+            </a:r>
+            <a:r>
+              <a:rPr lang="en-US" sz="2200" dirty="0" err="1" smtClean="0"/>
+              <a:t>biểu</a:t>
+            </a:r>
+            <a:r>
+              <a:rPr lang="en-US" sz="2200" dirty="0" smtClean="0"/>
+              <a:t> </a:t>
+            </a:r>
+            <a:r>
+              <a:rPr lang="en-US" sz="2200" dirty="0" err="1" smtClean="0"/>
+              <a:t>thị</a:t>
+            </a:r>
+            <a:r>
+              <a:rPr lang="en-US" sz="2200" dirty="0" smtClean="0"/>
+              <a:t> </a:t>
+            </a:r>
+            <a:r>
+              <a:rPr lang="en-US" sz="2200" dirty="0" err="1" smtClean="0"/>
+              <a:t>một</a:t>
+            </a:r>
+            <a:r>
+              <a:rPr lang="en-US" sz="2200" dirty="0" smtClean="0"/>
+              <a:t> </a:t>
+            </a:r>
+            <a:r>
+              <a:rPr lang="en-US" sz="2200" dirty="0" err="1" smtClean="0"/>
+              <a:t>từ</a:t>
+            </a:r>
+            <a:endParaRPr lang="en-GB" sz="2200" dirty="0"/>
+          </a:p>
+        </p:txBody>
+      </p:sp>
+    </p:spTree>
+    <p:extLst>
+      <p:ext uri="{BB962C8B-B14F-4D97-AF65-F5344CB8AC3E}">
+        <p14:creationId xmlns:p14="http://schemas.microsoft.com/office/powerpoint/2010/main" val="2604653120"/>
+      </p:ext>
+    </p:extLst>
+  </p:cSld>
+  <p:clrMapOvr>
+    <a:masterClrMapping/>
+  </p:clrMapOvr>
+</p:sld>
+</file>
+
+<file path=ppt/slides/slide5.xml><?xml version="1.0" encoding="utf-8"?>
+<p:sld xmlns:a="http://schemas.openxmlformats.org/drawingml/2006/main" xmlns:r="http://schemas.openxmlformats.org/officeDocument/2006/relationships" xmlns:p="http://schemas.openxmlformats.org/presentationml/2006/main">
+  <p:cSld>
+    <p:spTree>
+      <p:nvGrpSpPr>
+        <p:cNvPr id="1" name=""/>
+        <p:cNvGrpSpPr/>
+        <p:nvPr/>
+      </p:nvGrpSpPr>
+      <p:grpSpPr>
+        <a:xfrm>
+          <a:off x="0" y="0"/>
+          <a:ext cx="0" cy="0"/>
+          <a:chOff x="0" y="0"/>
+          <a:chExt cx="0" cy="0"/>
+        </a:xfrm>
+      </p:grpSpPr>
+      <p:sp>
+        <p:nvSpPr>
+          <p:cNvPr id="2" name="Title 1"/>
+          <p:cNvSpPr>
+            <a:spLocks noGrp="1"/>
+          </p:cNvSpPr>
+          <p:nvPr>
+            <p:ph type="title"/>
+          </p:nvPr>
+        </p:nvSpPr>
+        <p:spPr/>
+        <p:txBody>
+          <a:bodyPr/>
+          <a:lstStyle/>
+          <a:p>
+            <a:r>
               <a:rPr lang="en-US" dirty="0" smtClean="0"/>
               <a:t>String </a:t>
             </a:r>
@@ -3788,7 +4073,165 @@
               <a:rPr lang="en-US" b="1" dirty="0" smtClean="0"/>
               <a:t>char</a:t>
             </a:r>
-            <a:endParaRPr lang="en-GB" b="1" dirty="0"/>
+          </a:p>
+          <a:p>
+            <a:r>
+              <a:rPr lang="en-US" dirty="0" err="1" smtClean="0"/>
+              <a:t>Là</a:t>
+            </a:r>
+            <a:r>
+              <a:rPr lang="en-US" dirty="0" smtClean="0"/>
+              <a:t> </a:t>
+            </a:r>
+            <a:r>
+              <a:rPr lang="en-US" dirty="0"/>
+              <a:t>class final </a:t>
+            </a:r>
+            <a:r>
+              <a:rPr lang="en-US" dirty="0" smtClean="0"/>
+              <a:t>(</a:t>
+            </a:r>
+            <a:r>
+              <a:rPr lang="en-US" dirty="0"/>
+              <a:t>Immutable</a:t>
+            </a:r>
+            <a:r>
+              <a:rPr lang="en-US" dirty="0" smtClean="0"/>
+              <a:t>) – </a:t>
+            </a:r>
+            <a:r>
+              <a:rPr lang="en-US" dirty="0" err="1" smtClean="0"/>
+              <a:t>biến</a:t>
+            </a:r>
+            <a:r>
+              <a:rPr lang="en-US" dirty="0" smtClean="0"/>
+              <a:t> </a:t>
+            </a:r>
+            <a:r>
+              <a:rPr lang="en-US" dirty="0" err="1" smtClean="0"/>
+              <a:t>khởi</a:t>
+            </a:r>
+            <a:r>
+              <a:rPr lang="en-US" dirty="0" smtClean="0"/>
+              <a:t> </a:t>
+            </a:r>
+            <a:r>
+              <a:rPr lang="en-US" dirty="0" err="1" smtClean="0"/>
+              <a:t>tạo</a:t>
+            </a:r>
+            <a:r>
+              <a:rPr lang="en-US" dirty="0"/>
+              <a:t> </a:t>
+            </a:r>
+            <a:r>
+              <a:rPr lang="en-US" dirty="0" err="1" smtClean="0"/>
+              <a:t>giá</a:t>
+            </a:r>
+            <a:r>
+              <a:rPr lang="en-US" dirty="0" smtClean="0"/>
+              <a:t> </a:t>
+            </a:r>
+            <a:r>
+              <a:rPr lang="en-US" dirty="0" err="1" smtClean="0"/>
+              <a:t>trị</a:t>
+            </a:r>
+            <a:r>
+              <a:rPr lang="en-US" dirty="0" smtClean="0"/>
+              <a:t> </a:t>
+            </a:r>
+            <a:r>
+              <a:rPr lang="en-US" dirty="0" err="1" smtClean="0"/>
+              <a:t>không</a:t>
+            </a:r>
+            <a:r>
+              <a:rPr lang="en-US" dirty="0" smtClean="0"/>
+              <a:t> </a:t>
+            </a:r>
+            <a:r>
+              <a:rPr lang="en-US" dirty="0" err="1" smtClean="0"/>
+              <a:t>thể</a:t>
+            </a:r>
+            <a:r>
+              <a:rPr lang="en-US" dirty="0" smtClean="0"/>
+              <a:t> </a:t>
+            </a:r>
+            <a:r>
+              <a:rPr lang="en-US" dirty="0" err="1" smtClean="0"/>
+              <a:t>thay</a:t>
+            </a:r>
+            <a:r>
+              <a:rPr lang="en-US" dirty="0" smtClean="0"/>
+              <a:t> </a:t>
+            </a:r>
+            <a:r>
+              <a:rPr lang="en-US" dirty="0" err="1" smtClean="0"/>
+              <a:t>đổi</a:t>
+            </a:r>
+            <a:endParaRPr lang="en-US" dirty="0" smtClean="0"/>
+          </a:p>
+          <a:p>
+            <a:r>
+              <a:rPr lang="en-US" dirty="0" err="1" smtClean="0"/>
+              <a:t>Cách</a:t>
+            </a:r>
+            <a:r>
+              <a:rPr lang="en-US" dirty="0" smtClean="0"/>
+              <a:t> </a:t>
+            </a:r>
+            <a:r>
+              <a:rPr lang="en-US" dirty="0" err="1" smtClean="0"/>
+              <a:t>khởi</a:t>
+            </a:r>
+            <a:r>
+              <a:rPr lang="en-US" dirty="0" smtClean="0"/>
+              <a:t> </a:t>
+            </a:r>
+            <a:r>
+              <a:rPr lang="en-US" dirty="0" err="1" smtClean="0"/>
+              <a:t>tạo</a:t>
+            </a:r>
+            <a:endParaRPr lang="en-US" dirty="0" smtClean="0"/>
+          </a:p>
+          <a:p>
+            <a:pPr lvl="1"/>
+            <a:r>
+              <a:rPr lang="en-US" dirty="0" err="1" smtClean="0"/>
+              <a:t>Từ</a:t>
+            </a:r>
+            <a:r>
+              <a:rPr lang="en-US" dirty="0" smtClean="0"/>
+              <a:t> </a:t>
+            </a:r>
+            <a:r>
+              <a:rPr lang="en-US" dirty="0" err="1" smtClean="0"/>
+              <a:t>một</a:t>
+            </a:r>
+            <a:r>
+              <a:rPr lang="en-US" dirty="0" smtClean="0"/>
+              <a:t> </a:t>
+            </a:r>
+            <a:r>
+              <a:rPr lang="en-US" dirty="0" err="1" smtClean="0"/>
+              <a:t>mảng</a:t>
+            </a:r>
+            <a:r>
+              <a:rPr lang="en-US" dirty="0" smtClean="0"/>
+              <a:t> char[]</a:t>
+            </a:r>
+          </a:p>
+          <a:p>
+            <a:pPr lvl="1"/>
+            <a:r>
+              <a:rPr lang="en-US" dirty="0" smtClean="0"/>
+              <a:t>String name = “T3H”</a:t>
+            </a:r>
+          </a:p>
+          <a:p>
+            <a:pPr lvl="1"/>
+            <a:r>
+              <a:rPr lang="en-US" dirty="0" smtClean="0"/>
+              <a:t>String name = new String(“T3H”)</a:t>
+            </a:r>
           </a:p>
         </p:txBody>
       </p:sp>
@@ -3796,6 +4239,74 @@
     <p:extLst>
       <p:ext uri="{BB962C8B-B14F-4D97-AF65-F5344CB8AC3E}">
         <p14:creationId xmlns:p14="http://schemas.microsoft.com/office/powerpoint/2010/main" val="2905114567"/>
+      </p:ext>
+    </p:extLst>
+  </p:cSld>
+  <p:clrMapOvr>
+    <a:masterClrMapping/>
+  </p:clrMapOvr>
+</p:sld>
+</file>
+
+<file path=ppt/slides/slide6.xml><?xml version="1.0" encoding="utf-8"?>
+<p:sld xmlns:a="http://schemas.openxmlformats.org/drawingml/2006/main" xmlns:r="http://schemas.openxmlformats.org/officeDocument/2006/relationships" xmlns:p="http://schemas.openxmlformats.org/presentationml/2006/main">
+  <p:cSld>
+    <p:spTree>
+      <p:nvGrpSpPr>
+        <p:cNvPr id="1" name=""/>
+        <p:cNvGrpSpPr/>
+        <p:nvPr/>
+      </p:nvGrpSpPr>
+      <p:grpSpPr>
+        <a:xfrm>
+          <a:off x="0" y="0"/>
+          <a:ext cx="0" cy="0"/>
+          <a:chOff x="0" y="0"/>
+          <a:chExt cx="0" cy="0"/>
+        </a:xfrm>
+      </p:grpSpPr>
+      <p:sp>
+        <p:nvSpPr>
+          <p:cNvPr id="2" name="Title 1"/>
+          <p:cNvSpPr>
+            <a:spLocks noGrp="1"/>
+          </p:cNvSpPr>
+          <p:nvPr>
+            <p:ph type="title"/>
+          </p:nvPr>
+        </p:nvSpPr>
+        <p:spPr/>
+        <p:txBody>
+          <a:bodyPr/>
+          <a:lstStyle/>
+          <a:p>
+            <a:endParaRPr lang="en-GB"/>
+          </a:p>
+        </p:txBody>
+      </p:sp>
+      <p:sp>
+        <p:nvSpPr>
+          <p:cNvPr id="3" name="Content Placeholder 2"/>
+          <p:cNvSpPr>
+            <a:spLocks noGrp="1"/>
+          </p:cNvSpPr>
+          <p:nvPr>
+            <p:ph idx="1"/>
+          </p:nvPr>
+        </p:nvSpPr>
+        <p:spPr/>
+        <p:txBody>
+          <a:bodyPr/>
+          <a:lstStyle/>
+          <a:p>
+            <a:endParaRPr lang="en-GB"/>
+          </a:p>
+        </p:txBody>
+      </p:sp>
+    </p:spTree>
+    <p:extLst>
+      <p:ext uri="{BB962C8B-B14F-4D97-AF65-F5344CB8AC3E}">
+        <p14:creationId xmlns:p14="http://schemas.microsoft.com/office/powerpoint/2010/main" val="1863117605"/>
       </p:ext>
     </p:extLst>
   </p:cSld>

--- a/3. Back-end/1. JavaCore/5. String, String Builder, String Buffer.pptx
+++ b/3. Back-end/1. JavaCore/5. String, String Builder, String Buffer.pptx
@@ -11,6 +11,7 @@
     <p:sldId id="260" r:id="rId5"/>
     <p:sldId id="259" r:id="rId6"/>
     <p:sldId id="261" r:id="rId7"/>
+    <p:sldId id="262" r:id="rId8"/>
   </p:sldIdLst>
   <p:sldSz cx="9144000" cy="6858000" type="screen4x3"/>
   <p:notesSz cx="6858000" cy="9144000"/>
@@ -3500,7 +3501,6 @@
               <a:rPr lang="en-US" dirty="0" smtClean="0"/>
               <a:t> Java</a:t>
             </a:r>
-            <a:endParaRPr lang="en-US" dirty="0" smtClean="0"/>
           </a:p>
           <a:p>
             <a:r>
@@ -3551,7 +3551,6 @@
               <a:rPr lang="en-US" dirty="0" smtClean="0"/>
               <a:t> (characters)</a:t>
             </a:r>
-            <a:endParaRPr lang="en-US" dirty="0" smtClean="0"/>
           </a:p>
           <a:p>
             <a:endParaRPr lang="en-GB" dirty="0"/>
@@ -4014,8 +4013,53 @@
         </p:nvSpPr>
         <p:spPr/>
         <p:txBody>
-          <a:bodyPr/>
-          <a:lstStyle/>
+          <a:bodyPr>
+            <a:normAutofit/>
+          </a:bodyPr>
+          <a:lstStyle/>
+          <a:p>
+            <a:r>
+              <a:rPr lang="en-US" dirty="0" smtClean="0"/>
+              <a:t>String </a:t>
+            </a:r>
+            <a:r>
+              <a:rPr lang="en-US" dirty="0" err="1" smtClean="0"/>
+              <a:t>là</a:t>
+            </a:r>
+            <a:r>
+              <a:rPr lang="en-US" dirty="0" smtClean="0"/>
+              <a:t> object </a:t>
+            </a:r>
+            <a:r>
+              <a:rPr lang="en-US" dirty="0" err="1" smtClean="0"/>
+              <a:t>kiểu</a:t>
+            </a:r>
+            <a:r>
+              <a:rPr lang="en-US" dirty="0" smtClean="0"/>
+              <a:t> </a:t>
+            </a:r>
+            <a:r>
+              <a:rPr lang="en-US" dirty="0" err="1" smtClean="0"/>
+              <a:t>dữ</a:t>
+            </a:r>
+            <a:r>
+              <a:rPr lang="en-US" dirty="0" smtClean="0"/>
+              <a:t> </a:t>
+            </a:r>
+            <a:r>
+              <a:rPr lang="en-US" dirty="0" err="1" smtClean="0"/>
+              <a:t>liệu</a:t>
+            </a:r>
+            <a:r>
+              <a:rPr lang="en-US" dirty="0" smtClean="0"/>
+              <a:t> </a:t>
+            </a:r>
+            <a:r>
+              <a:rPr lang="en-US" dirty="0" err="1" smtClean="0"/>
+              <a:t>ReferenceType</a:t>
+            </a:r>
+            <a:endParaRPr lang="en-US" dirty="0" smtClean="0"/>
+          </a:p>
           <a:p>
             <a:r>
               <a:rPr lang="en-US" dirty="0" smtClean="0"/>
@@ -4076,18 +4120,6 @@
           </a:p>
           <a:p>
             <a:r>
-              <a:rPr lang="en-US" dirty="0" err="1" smtClean="0"/>
-              <a:t>Là</a:t>
-            </a:r>
-            <a:r>
-              <a:rPr lang="en-US" dirty="0" smtClean="0"/>
-              <a:t> </a:t>
-            </a:r>
-            <a:r>
-              <a:rPr lang="en-US" dirty="0"/>
-              <a:t>class final </a:t>
-            </a:r>
-            <a:r>
               <a:rPr lang="en-US" dirty="0" smtClean="0"/>
               <a:t>(</a:t>
             </a:r>
@@ -4171,66 +4203,32 @@
           </a:p>
           <a:p>
             <a:r>
-              <a:rPr lang="en-US" dirty="0" err="1" smtClean="0"/>
-              <a:t>Cách</a:t>
-            </a:r>
-            <a:r>
-              <a:rPr lang="en-US" dirty="0" smtClean="0"/>
-              <a:t> </a:t>
-            </a:r>
-            <a:r>
-              <a:rPr lang="en-US" dirty="0" err="1" smtClean="0"/>
-              <a:t>khởi</a:t>
-            </a:r>
-            <a:r>
-              <a:rPr lang="en-US" dirty="0" smtClean="0"/>
-              <a:t> </a:t>
-            </a:r>
-            <a:r>
-              <a:rPr lang="en-US" dirty="0" err="1" smtClean="0"/>
-              <a:t>tạo</a:t>
-            </a:r>
-            <a:endParaRPr lang="en-US" dirty="0" smtClean="0"/>
-          </a:p>
-          <a:p>
-            <a:pPr lvl="1"/>
-            <a:r>
-              <a:rPr lang="en-US" dirty="0" err="1" smtClean="0"/>
-              <a:t>Từ</a:t>
-            </a:r>
-            <a:r>
-              <a:rPr lang="en-US" dirty="0" smtClean="0"/>
-              <a:t> </a:t>
-            </a:r>
-            <a:r>
-              <a:rPr lang="en-US" dirty="0" err="1" smtClean="0"/>
-              <a:t>một</a:t>
-            </a:r>
-            <a:r>
-              <a:rPr lang="en-US" dirty="0" smtClean="0"/>
-              <a:t> </a:t>
-            </a:r>
-            <a:r>
-              <a:rPr lang="en-US" dirty="0" err="1" smtClean="0"/>
-              <a:t>mảng</a:t>
-            </a:r>
-            <a:r>
-              <a:rPr lang="en-US" dirty="0" smtClean="0"/>
-              <a:t> char[]</a:t>
-            </a:r>
-          </a:p>
-          <a:p>
-            <a:pPr lvl="1"/>
-            <a:r>
-              <a:rPr lang="en-US" dirty="0" smtClean="0"/>
-              <a:t>String name = “T3H”</a:t>
-            </a:r>
-          </a:p>
-          <a:p>
-            <a:pPr lvl="1"/>
-            <a:r>
-              <a:rPr lang="en-US" dirty="0" smtClean="0"/>
-              <a:t>String name = new String(“T3H”)</a:t>
+              <a:rPr lang="en-US" dirty="0" err="1"/>
+              <a:t>Là</a:t>
+            </a:r>
+            <a:r>
+              <a:rPr lang="en-US" dirty="0"/>
+              <a:t> class </a:t>
+            </a:r>
+            <a:r>
+              <a:rPr lang="en-US" dirty="0" smtClean="0"/>
+              <a:t>final =&gt; </a:t>
+            </a:r>
+            <a:r>
+              <a:rPr lang="en-US" dirty="0" err="1" smtClean="0"/>
+              <a:t>Không</a:t>
+            </a:r>
+            <a:r>
+              <a:rPr lang="en-US" dirty="0" smtClean="0"/>
+              <a:t> </a:t>
+            </a:r>
+            <a:r>
+              <a:rPr lang="en-US" dirty="0" err="1" smtClean="0"/>
+              <a:t>có</a:t>
+            </a:r>
+            <a:r>
+              <a:rPr lang="en-US" dirty="0" smtClean="0"/>
+              <a:t> subclass</a:t>
             </a:r>
           </a:p>
         </p:txBody>
@@ -4280,7 +4278,23 @@
           <a:bodyPr/>
           <a:lstStyle/>
           <a:p>
-            <a:endParaRPr lang="en-GB"/>
+            <a:r>
+              <a:rPr lang="en-US" dirty="0" err="1" smtClean="0"/>
+              <a:t>Khởi</a:t>
+            </a:r>
+            <a:r>
+              <a:rPr lang="en-US" dirty="0" smtClean="0"/>
+              <a:t> </a:t>
+            </a:r>
+            <a:r>
+              <a:rPr lang="en-US" dirty="0" err="1" smtClean="0"/>
+              <a:t>tạo</a:t>
+            </a:r>
+            <a:r>
+              <a:rPr lang="en-US" dirty="0" smtClean="0"/>
+              <a:t> String</a:t>
+            </a:r>
+            <a:endParaRPr lang="en-GB" dirty="0"/>
           </a:p>
         </p:txBody>
       </p:sp>
@@ -4294,12 +4308,238 @@
             <p:ph idx="1"/>
           </p:nvPr>
         </p:nvSpPr>
-        <p:spPr/>
-        <p:txBody>
-          <a:bodyPr/>
-          <a:lstStyle/>
-          <a:p>
-            <a:endParaRPr lang="en-GB"/>
+        <p:spPr>
+          <a:xfrm>
+            <a:off x="457200" y="1600201"/>
+            <a:ext cx="8229600" cy="3200400"/>
+          </a:xfrm>
+        </p:spPr>
+        <p:txBody>
+          <a:bodyPr/>
+          <a:lstStyle/>
+          <a:p>
+            <a:r>
+              <a:rPr lang="en-US" dirty="0" err="1"/>
+              <a:t>Cách</a:t>
+            </a:r>
+            <a:r>
+              <a:rPr lang="en-US" dirty="0"/>
+              <a:t> </a:t>
+            </a:r>
+            <a:r>
+              <a:rPr lang="en-US" dirty="0" err="1"/>
+              <a:t>khởi</a:t>
+            </a:r>
+            <a:r>
+              <a:rPr lang="en-US" dirty="0"/>
+              <a:t> </a:t>
+            </a:r>
+            <a:r>
+              <a:rPr lang="en-US" dirty="0" err="1"/>
+              <a:t>tạo</a:t>
+            </a:r>
+            <a:endParaRPr lang="en-US" dirty="0"/>
+          </a:p>
+          <a:p>
+            <a:pPr lvl="1"/>
+            <a:r>
+              <a:rPr lang="en-US" dirty="0" err="1"/>
+              <a:t>Từ</a:t>
+            </a:r>
+            <a:r>
+              <a:rPr lang="en-US" dirty="0"/>
+              <a:t> </a:t>
+            </a:r>
+            <a:r>
+              <a:rPr lang="en-US" dirty="0" err="1"/>
+              <a:t>một</a:t>
+            </a:r>
+            <a:r>
+              <a:rPr lang="en-US" dirty="0"/>
+              <a:t> </a:t>
+            </a:r>
+            <a:r>
+              <a:rPr lang="en-US" dirty="0" err="1"/>
+              <a:t>mảng</a:t>
+            </a:r>
+            <a:r>
+              <a:rPr lang="en-US" dirty="0"/>
+              <a:t> char[]</a:t>
+            </a:r>
+          </a:p>
+          <a:p>
+            <a:pPr lvl="1"/>
+            <a:r>
+              <a:rPr lang="en-US" dirty="0"/>
+              <a:t>String name = “T3H</a:t>
+            </a:r>
+            <a:r>
+              <a:rPr lang="en-US" dirty="0" smtClean="0"/>
+              <a:t>” (String </a:t>
+            </a:r>
+            <a:r>
+              <a:rPr lang="en-GB" dirty="0" smtClean="0"/>
+              <a:t>literal</a:t>
+            </a:r>
+            <a:r>
+              <a:rPr lang="en-US" dirty="0" smtClean="0"/>
+              <a:t>)</a:t>
+            </a:r>
+            <a:endParaRPr lang="en-US" dirty="0"/>
+          </a:p>
+          <a:p>
+            <a:pPr lvl="1"/>
+            <a:r>
+              <a:rPr lang="en-US" dirty="0"/>
+              <a:t>String name = new String(“T3H</a:t>
+            </a:r>
+            <a:r>
+              <a:rPr lang="en-US" dirty="0" smtClean="0"/>
+              <a:t>”)</a:t>
+            </a:r>
+          </a:p>
+          <a:p>
+            <a:pPr lvl="1"/>
+            <a:r>
+              <a:rPr lang="en-US" dirty="0" smtClean="0"/>
+              <a:t>String x = name; </a:t>
+            </a:r>
+            <a:endParaRPr lang="en-US" dirty="0"/>
+          </a:p>
+          <a:p>
+            <a:endParaRPr lang="en-GB" dirty="0"/>
+          </a:p>
+        </p:txBody>
+      </p:sp>
+      <p:sp>
+        <p:nvSpPr>
+          <p:cNvPr id="4" name="TextBox 3"/>
+          <p:cNvSpPr txBox="1"/>
+          <p:nvPr/>
+        </p:nvSpPr>
+        <p:spPr>
+          <a:xfrm>
+            <a:off x="1066800" y="5029200"/>
+            <a:ext cx="7248716" cy="769441"/>
+          </a:xfrm>
+          <a:prstGeom prst="rect">
+            <a:avLst/>
+          </a:prstGeom>
+          <a:noFill/>
+        </p:spPr>
+        <p:txBody>
+          <a:bodyPr wrap="none" rtlCol="0">
+            <a:spAutoFit/>
+          </a:bodyPr>
+          <a:lstStyle/>
+          <a:p>
+            <a:r>
+              <a:rPr lang="en-US" sz="2200" dirty="0" err="1" smtClean="0"/>
+              <a:t>Biến</a:t>
+            </a:r>
+            <a:r>
+              <a:rPr lang="en-US" sz="2200" dirty="0" smtClean="0"/>
+              <a:t> x </a:t>
+            </a:r>
+            <a:r>
+              <a:rPr lang="en-US" sz="2200" dirty="0" err="1" smtClean="0"/>
+              <a:t>phải</a:t>
+            </a:r>
+            <a:r>
+              <a:rPr lang="en-US" sz="2200" dirty="0" smtClean="0"/>
+              <a:t> </a:t>
+            </a:r>
+            <a:r>
+              <a:rPr lang="en-US" sz="2200" dirty="0" err="1" smtClean="0"/>
+              <a:t>khởi</a:t>
+            </a:r>
+            <a:r>
+              <a:rPr lang="en-US" sz="2200" dirty="0" smtClean="0"/>
+              <a:t> </a:t>
+            </a:r>
+            <a:r>
+              <a:rPr lang="en-US" sz="2200" dirty="0" err="1" smtClean="0"/>
+              <a:t>tạo</a:t>
+            </a:r>
+            <a:r>
+              <a:rPr lang="en-US" sz="2200" dirty="0" smtClean="0"/>
+              <a:t> Instance </a:t>
+            </a:r>
+            <a:r>
+              <a:rPr lang="en-US" sz="2200" dirty="0" err="1" smtClean="0"/>
+              <a:t>mới</a:t>
+            </a:r>
+            <a:r>
+              <a:rPr lang="en-US" sz="2200" dirty="0" smtClean="0"/>
+              <a:t> (new String) – </a:t>
+            </a:r>
+            <a:r>
+              <a:rPr lang="en-US" sz="2200" dirty="0" err="1" smtClean="0"/>
+              <a:t>Vì</a:t>
+            </a:r>
+            <a:r>
+              <a:rPr lang="en-US" sz="2200" dirty="0" smtClean="0"/>
+              <a:t> Immutable</a:t>
+            </a:r>
+          </a:p>
+          <a:p>
+            <a:r>
+              <a:rPr lang="en-US" sz="2200" dirty="0" err="1" smtClean="0"/>
+              <a:t>Biễn</a:t>
+            </a:r>
+            <a:r>
+              <a:rPr lang="en-US" sz="2200" dirty="0" smtClean="0"/>
+              <a:t> x </a:t>
+            </a:r>
+            <a:r>
+              <a:rPr lang="en-US" sz="2200" dirty="0" err="1" smtClean="0"/>
+              <a:t>lấy</a:t>
+            </a:r>
+            <a:r>
+              <a:rPr lang="en-US" sz="2200" dirty="0" smtClean="0"/>
+              <a:t> </a:t>
+            </a:r>
+            <a:r>
+              <a:rPr lang="en-US" sz="2200" dirty="0" err="1" smtClean="0"/>
+              <a:t>giá</a:t>
+            </a:r>
+            <a:r>
+              <a:rPr lang="en-US" sz="2200" dirty="0" smtClean="0"/>
+              <a:t> </a:t>
+            </a:r>
+            <a:r>
+              <a:rPr lang="en-US" sz="2200" dirty="0" err="1" smtClean="0"/>
+              <a:t>trị</a:t>
+            </a:r>
+            <a:r>
+              <a:rPr lang="en-US" sz="2200" dirty="0" smtClean="0"/>
+              <a:t> </a:t>
+            </a:r>
+            <a:r>
+              <a:rPr lang="en-US" sz="2200" dirty="0" err="1" smtClean="0"/>
+              <a:t>thông</a:t>
+            </a:r>
+            <a:r>
+              <a:rPr lang="en-US" sz="2200" dirty="0" smtClean="0"/>
+              <a:t> qua </a:t>
+            </a:r>
+            <a:r>
+              <a:rPr lang="en-US" sz="2200" dirty="0" err="1" smtClean="0"/>
+              <a:t>tham</a:t>
+            </a:r>
+            <a:r>
+              <a:rPr lang="en-US" sz="2200" dirty="0" smtClean="0"/>
+              <a:t> </a:t>
+            </a:r>
+            <a:r>
+              <a:rPr lang="en-US" sz="2200" dirty="0" err="1" smtClean="0"/>
+              <a:t>chiếu</a:t>
+            </a:r>
+            <a:r>
+              <a:rPr lang="en-US" sz="2200" dirty="0" smtClean="0"/>
+              <a:t> qua name</a:t>
+            </a:r>
+            <a:endParaRPr lang="en-GB" sz="2200" dirty="0"/>
           </a:p>
         </p:txBody>
       </p:sp>
@@ -4307,6 +4547,415 @@
     <p:extLst>
       <p:ext uri="{BB962C8B-B14F-4D97-AF65-F5344CB8AC3E}">
         <p14:creationId xmlns:p14="http://schemas.microsoft.com/office/powerpoint/2010/main" val="1863117605"/>
+      </p:ext>
+    </p:extLst>
+  </p:cSld>
+  <p:clrMapOvr>
+    <a:masterClrMapping/>
+  </p:clrMapOvr>
+</p:sld>
+</file>
+
+<file path=ppt/slides/slide7.xml><?xml version="1.0" encoding="utf-8"?>
+<p:sld xmlns:a="http://schemas.openxmlformats.org/drawingml/2006/main" xmlns:r="http://schemas.openxmlformats.org/officeDocument/2006/relationships" xmlns:p="http://schemas.openxmlformats.org/presentationml/2006/main">
+  <p:cSld>
+    <p:spTree>
+      <p:nvGrpSpPr>
+        <p:cNvPr id="1" name=""/>
+        <p:cNvGrpSpPr/>
+        <p:nvPr/>
+      </p:nvGrpSpPr>
+      <p:grpSpPr>
+        <a:xfrm>
+          <a:off x="0" y="0"/>
+          <a:ext cx="0" cy="0"/>
+          <a:chOff x="0" y="0"/>
+          <a:chExt cx="0" cy="0"/>
+        </a:xfrm>
+      </p:grpSpPr>
+      <p:sp>
+        <p:nvSpPr>
+          <p:cNvPr id="2" name="Title 1"/>
+          <p:cNvSpPr>
+            <a:spLocks noGrp="1"/>
+          </p:cNvSpPr>
+          <p:nvPr>
+            <p:ph type="title"/>
+          </p:nvPr>
+        </p:nvSpPr>
+        <p:spPr/>
+        <p:txBody>
+          <a:bodyPr/>
+          <a:lstStyle/>
+          <a:p>
+            <a:r>
+              <a:rPr lang="en-US" dirty="0" err="1"/>
+              <a:t>Khởi</a:t>
+            </a:r>
+            <a:r>
+              <a:rPr lang="en-US" dirty="0"/>
+              <a:t> </a:t>
+            </a:r>
+            <a:r>
+              <a:rPr lang="en-US" dirty="0" err="1"/>
+              <a:t>tạo</a:t>
+            </a:r>
+            <a:r>
+              <a:rPr lang="en-US" dirty="0"/>
+              <a:t> </a:t>
+            </a:r>
+            <a:r>
+              <a:rPr lang="en-US" dirty="0" smtClean="0"/>
+              <a:t>String - </a:t>
+            </a:r>
+            <a:r>
+              <a:rPr lang="en-GB" dirty="0" smtClean="0"/>
+              <a:t>String </a:t>
+            </a:r>
+            <a:r>
+              <a:rPr lang="en-GB" dirty="0"/>
+              <a:t>literal </a:t>
+            </a:r>
+            <a:endParaRPr lang="en-GB" dirty="0"/>
+          </a:p>
+        </p:txBody>
+      </p:sp>
+      <p:pic>
+        <p:nvPicPr>
+          <p:cNvPr id="2050" name="Picture 2" descr="Image result for string, stringbuilder"/>
+          <p:cNvPicPr>
+            <a:picLocks noChangeAspect="1" noChangeArrowheads="1"/>
+          </p:cNvPicPr>
+          <p:nvPr/>
+        </p:nvPicPr>
+        <p:blipFill>
+          <a:blip r:embed="rId2">
+            <a:extLst>
+              <a:ext uri="{28A0092B-C50C-407E-A947-70E740481C1C}">
+                <a14:useLocalDpi xmlns:a14="http://schemas.microsoft.com/office/drawing/2010/main" val="0"/>
+              </a:ext>
+            </a:extLst>
+          </a:blip>
+          <a:srcRect/>
+          <a:stretch>
+            <a:fillRect/>
+          </a:stretch>
+        </p:blipFill>
+        <p:spPr bwMode="auto">
+          <a:xfrm>
+            <a:off x="2086970" y="1524000"/>
+            <a:ext cx="4965843" cy="3048000"/>
+          </a:xfrm>
+          <a:prstGeom prst="rect">
+            <a:avLst/>
+          </a:prstGeom>
+        </p:spPr>
+        <p:style>
+          <a:lnRef idx="2">
+            <a:schemeClr val="accent3"/>
+          </a:lnRef>
+          <a:fillRef idx="1">
+            <a:schemeClr val="lt1"/>
+          </a:fillRef>
+          <a:effectRef idx="0">
+            <a:schemeClr val="accent3"/>
+          </a:effectRef>
+          <a:fontRef idx="minor">
+            <a:schemeClr val="dk1"/>
+          </a:fontRef>
+        </p:style>
+      </p:pic>
+      <p:sp>
+        <p:nvSpPr>
+          <p:cNvPr id="4" name="TextBox 3"/>
+          <p:cNvSpPr txBox="1"/>
+          <p:nvPr/>
+        </p:nvSpPr>
+        <p:spPr>
+          <a:xfrm>
+            <a:off x="427154" y="5257800"/>
+            <a:ext cx="8486939" cy="1138773"/>
+          </a:xfrm>
+          <a:prstGeom prst="rect">
+            <a:avLst/>
+          </a:prstGeom>
+          <a:noFill/>
+        </p:spPr>
+        <p:txBody>
+          <a:bodyPr wrap="none" rtlCol="0">
+            <a:spAutoFit/>
+          </a:bodyPr>
+          <a:lstStyle/>
+          <a:p>
+            <a:pPr marL="342900" indent="-342900">
+              <a:buFont typeface="Arial" pitchFamily="34" charset="0"/>
+              <a:buChar char="•"/>
+            </a:pPr>
+            <a:r>
+              <a:rPr lang="en-GB" sz="2200" dirty="0"/>
+              <a:t>String literal </a:t>
+            </a:r>
+            <a:r>
+              <a:rPr lang="en-GB" sz="2200" dirty="0" err="1" smtClean="0"/>
+              <a:t>là</a:t>
+            </a:r>
+            <a:r>
+              <a:rPr lang="en-GB" sz="2200" dirty="0" smtClean="0"/>
+              <a:t> </a:t>
+            </a:r>
+            <a:r>
+              <a:rPr lang="en-GB" sz="2200" dirty="0" err="1" smtClean="0"/>
+              <a:t>khai</a:t>
+            </a:r>
+            <a:r>
+              <a:rPr lang="en-GB" sz="2200" dirty="0" smtClean="0"/>
+              <a:t> </a:t>
+            </a:r>
+            <a:r>
+              <a:rPr lang="en-GB" sz="2200" dirty="0" err="1" smtClean="0"/>
+              <a:t>báo</a:t>
+            </a:r>
+            <a:r>
+              <a:rPr lang="en-GB" sz="2200" dirty="0" smtClean="0"/>
+              <a:t> </a:t>
+            </a:r>
+            <a:r>
+              <a:rPr lang="en-GB" sz="2200" dirty="0" err="1" smtClean="0"/>
+              <a:t>trực</a:t>
+            </a:r>
+            <a:r>
+              <a:rPr lang="en-GB" sz="2200" dirty="0" smtClean="0"/>
+              <a:t> </a:t>
+            </a:r>
+            <a:r>
+              <a:rPr lang="en-GB" sz="2200" dirty="0" err="1" smtClean="0"/>
+              <a:t>tiếp</a:t>
+            </a:r>
+            <a:r>
+              <a:rPr lang="en-GB" sz="2200" dirty="0" smtClean="0"/>
+              <a:t> </a:t>
+            </a:r>
+            <a:r>
+              <a:rPr lang="en-GB" sz="2200" dirty="0" err="1" smtClean="0"/>
+              <a:t>giá</a:t>
+            </a:r>
+            <a:r>
+              <a:rPr lang="en-GB" sz="2200" dirty="0" smtClean="0"/>
+              <a:t> </a:t>
+            </a:r>
+            <a:r>
+              <a:rPr lang="en-GB" sz="2200" dirty="0" err="1" smtClean="0"/>
+              <a:t>trị</a:t>
+            </a:r>
+            <a:r>
+              <a:rPr lang="en-GB" sz="2200" dirty="0" smtClean="0"/>
+              <a:t> </a:t>
+            </a:r>
+            <a:r>
+              <a:rPr lang="en-GB" sz="2200" dirty="0" err="1" smtClean="0"/>
+              <a:t>không</a:t>
+            </a:r>
+            <a:r>
+              <a:rPr lang="en-GB" sz="2200" dirty="0" smtClean="0"/>
+              <a:t> qua new</a:t>
+            </a:r>
+            <a:endParaRPr lang="en-US" sz="2200" dirty="0" smtClean="0"/>
+          </a:p>
+          <a:p>
+            <a:pPr marL="342900" indent="-342900">
+              <a:buFont typeface="Arial" pitchFamily="34" charset="0"/>
+              <a:buChar char="•"/>
+            </a:pPr>
+            <a:r>
+              <a:rPr lang="en-US" sz="2200" dirty="0" err="1" smtClean="0"/>
+              <a:t>Gía</a:t>
+            </a:r>
+            <a:r>
+              <a:rPr lang="en-US" sz="2200" dirty="0" smtClean="0"/>
+              <a:t> </a:t>
+            </a:r>
+            <a:r>
+              <a:rPr lang="en-US" sz="2200" dirty="0" err="1" smtClean="0"/>
+              <a:t>trị</a:t>
+            </a:r>
+            <a:r>
+              <a:rPr lang="en-US" sz="2200" dirty="0" smtClean="0"/>
+              <a:t> </a:t>
+            </a:r>
+            <a:r>
+              <a:rPr lang="en-US" sz="2200" dirty="0" err="1" smtClean="0"/>
+              <a:t>biến</a:t>
+            </a:r>
+            <a:r>
+              <a:rPr lang="en-US" sz="2200" dirty="0" smtClean="0"/>
+              <a:t> string 1 </a:t>
+            </a:r>
+            <a:r>
+              <a:rPr lang="en-US" sz="2200" dirty="0" err="1" smtClean="0"/>
+              <a:t>và</a:t>
+            </a:r>
+            <a:r>
+              <a:rPr lang="en-US" sz="2200" dirty="0" smtClean="0"/>
+              <a:t> string 2 </a:t>
+            </a:r>
+            <a:r>
+              <a:rPr lang="en-US" sz="2200" dirty="0" err="1" smtClean="0"/>
+              <a:t>là</a:t>
+            </a:r>
+            <a:r>
+              <a:rPr lang="en-US" sz="2200" dirty="0" smtClean="0"/>
+              <a:t> </a:t>
+            </a:r>
+            <a:r>
+              <a:rPr lang="en-US" sz="2200" dirty="0" err="1" smtClean="0"/>
+              <a:t>giống</a:t>
+            </a:r>
+            <a:r>
+              <a:rPr lang="en-US" sz="2200" dirty="0" smtClean="0"/>
+              <a:t> </a:t>
+            </a:r>
+            <a:r>
+              <a:rPr lang="en-US" sz="2200" dirty="0" err="1" smtClean="0"/>
+              <a:t>nhau</a:t>
+            </a:r>
+            <a:r>
+              <a:rPr lang="en-US" sz="2200" dirty="0" smtClean="0"/>
+              <a:t> = “Hello String!”</a:t>
+            </a:r>
+          </a:p>
+          <a:p>
+            <a:pPr marL="342900" indent="-342900">
+              <a:buFont typeface="Arial" pitchFamily="34" charset="0"/>
+              <a:buChar char="•"/>
+            </a:pPr>
+            <a:r>
+              <a:rPr lang="en-US" sz="2200" dirty="0" smtClean="0"/>
+              <a:t>Java </a:t>
+            </a:r>
+            <a:r>
+              <a:rPr lang="en-US" sz="2200" dirty="0" err="1" smtClean="0"/>
+              <a:t>tối</a:t>
+            </a:r>
+            <a:r>
+              <a:rPr lang="en-US" sz="2200" dirty="0" smtClean="0"/>
+              <a:t> </a:t>
+            </a:r>
+            <a:r>
+              <a:rPr lang="en-US" sz="2200" dirty="0" err="1" smtClean="0"/>
+              <a:t>ưu</a:t>
+            </a:r>
+            <a:r>
+              <a:rPr lang="en-US" sz="2200" dirty="0" smtClean="0"/>
+              <a:t> </a:t>
+            </a:r>
+            <a:r>
+              <a:rPr lang="en-US" sz="2200" dirty="0" err="1" smtClean="0"/>
+              <a:t>bộ</a:t>
+            </a:r>
+            <a:r>
+              <a:rPr lang="en-US" sz="2200" dirty="0" smtClean="0"/>
+              <a:t> </a:t>
+            </a:r>
+            <a:r>
+              <a:rPr lang="en-US" sz="2200" dirty="0" err="1" smtClean="0"/>
+              <a:t>nhớ</a:t>
+            </a:r>
+            <a:r>
+              <a:rPr lang="en-US" sz="2200" dirty="0" smtClean="0"/>
+              <a:t> </a:t>
+            </a:r>
+            <a:r>
+              <a:rPr lang="en-US" sz="2200" dirty="0" err="1" smtClean="0"/>
+              <a:t>bằng</a:t>
+            </a:r>
+            <a:r>
+              <a:rPr lang="en-US" sz="2200" dirty="0" smtClean="0"/>
+              <a:t> </a:t>
+            </a:r>
+            <a:r>
+              <a:rPr lang="en-US" sz="2200" dirty="0" err="1" smtClean="0"/>
+              <a:t>cách</a:t>
+            </a:r>
+            <a:r>
+              <a:rPr lang="en-US" sz="2200" dirty="0" smtClean="0"/>
+              <a:t> </a:t>
+            </a:r>
+            <a:r>
+              <a:rPr lang="en-US" sz="2200" dirty="0" err="1" smtClean="0"/>
+              <a:t>sử</a:t>
+            </a:r>
+            <a:r>
+              <a:rPr lang="en-US" sz="2200" dirty="0" smtClean="0"/>
+              <a:t> </a:t>
+            </a:r>
+            <a:r>
+              <a:rPr lang="en-US" sz="2200" dirty="0" err="1" smtClean="0"/>
+              <a:t>dụng</a:t>
+            </a:r>
+            <a:r>
+              <a:rPr lang="en-US" sz="2200" dirty="0" smtClean="0"/>
+              <a:t> </a:t>
+            </a:r>
+            <a:r>
+              <a:rPr lang="en-US" sz="2200" dirty="0" err="1" smtClean="0"/>
+              <a:t>vùng</a:t>
+            </a:r>
+            <a:r>
+              <a:rPr lang="en-US" sz="2200" dirty="0" smtClean="0"/>
+              <a:t> </a:t>
+            </a:r>
+            <a:r>
+              <a:rPr lang="en-US" sz="2200" dirty="0" err="1" smtClean="0"/>
+              <a:t>nhớ</a:t>
+            </a:r>
+            <a:r>
+              <a:rPr lang="en-US" sz="2200" dirty="0" smtClean="0"/>
+              <a:t> </a:t>
+            </a:r>
+            <a:r>
+              <a:rPr lang="en-US" sz="2200" dirty="0" err="1" smtClean="0"/>
+              <a:t>cho</a:t>
+            </a:r>
+            <a:r>
+              <a:rPr lang="en-US" sz="2200" dirty="0" smtClean="0"/>
+              <a:t> </a:t>
+            </a:r>
+            <a:r>
+              <a:rPr lang="en-US" sz="2200" dirty="0" err="1" smtClean="0"/>
+              <a:t>cả</a:t>
+            </a:r>
+            <a:r>
+              <a:rPr lang="en-US" sz="2200" dirty="0" smtClean="0"/>
+              <a:t> </a:t>
+            </a:r>
+            <a:r>
+              <a:rPr lang="en-US" sz="2200" dirty="0" err="1" smtClean="0"/>
+              <a:t>hai</a:t>
+            </a:r>
+            <a:r>
+              <a:rPr lang="en-US" sz="2200" dirty="0" smtClean="0"/>
+              <a:t> </a:t>
+            </a:r>
+            <a:r>
+              <a:rPr lang="en-US" sz="2200" dirty="0" err="1" smtClean="0"/>
+              <a:t>biến</a:t>
+            </a:r>
+            <a:r>
+              <a:rPr lang="en-US" sz="2200" dirty="0" smtClean="0"/>
+              <a:t> </a:t>
+            </a:r>
+            <a:r>
+              <a:rPr lang="en-US" sz="2200" dirty="0" err="1" smtClean="0"/>
+              <a:t>trên</a:t>
+            </a:r>
+            <a:endParaRPr lang="en-GB" sz="2200" dirty="0"/>
+          </a:p>
+        </p:txBody>
+      </p:sp>
+    </p:spTree>
+    <p:extLst>
+      <p:ext uri="{BB962C8B-B14F-4D97-AF65-F5344CB8AC3E}">
+        <p14:creationId xmlns:p14="http://schemas.microsoft.com/office/powerpoint/2010/main" val="3869572982"/>
       </p:ext>
     </p:extLst>
   </p:cSld>

--- a/3. Back-end/1. JavaCore/5. String, String Builder, String Buffer.pptx
+++ b/3. Back-end/1. JavaCore/5. String, String Builder, String Buffer.pptx
@@ -11,7 +11,22 @@
     <p:sldId id="260" r:id="rId5"/>
     <p:sldId id="259" r:id="rId6"/>
     <p:sldId id="261" r:id="rId7"/>
-    <p:sldId id="262" r:id="rId8"/>
+    <p:sldId id="269" r:id="rId8"/>
+    <p:sldId id="262" r:id="rId9"/>
+    <p:sldId id="266" r:id="rId10"/>
+    <p:sldId id="267" r:id="rId11"/>
+    <p:sldId id="263" r:id="rId12"/>
+    <p:sldId id="268" r:id="rId13"/>
+    <p:sldId id="271" r:id="rId14"/>
+    <p:sldId id="272" r:id="rId15"/>
+    <p:sldId id="275" r:id="rId16"/>
+    <p:sldId id="264" r:id="rId17"/>
+    <p:sldId id="270" r:id="rId18"/>
+    <p:sldId id="265" r:id="rId19"/>
+    <p:sldId id="277" r:id="rId20"/>
+    <p:sldId id="274" r:id="rId21"/>
+    <p:sldId id="276" r:id="rId22"/>
+    <p:sldId id="273" r:id="rId23"/>
   </p:sldIdLst>
   <p:sldSz cx="9144000" cy="6858000" type="screen4x3"/>
   <p:notesSz cx="6858000" cy="9144000"/>
@@ -295,7 +310,7 @@
             <a:fld id="{1D8BD707-D9CF-40AE-B4C6-C98DA3205C09}" type="datetimeFigureOut">
               <a:rPr lang="en-US" smtClean="0"/>
               <a:pPr/>
-              <a:t>7/5/2018</a:t>
+              <a:t>7/10/2018</a:t>
             </a:fld>
             <a:endParaRPr lang="en-US"/>
           </a:p>
@@ -462,7 +477,7 @@
             <a:fld id="{1D8BD707-D9CF-40AE-B4C6-C98DA3205C09}" type="datetimeFigureOut">
               <a:rPr lang="en-US" smtClean="0"/>
               <a:pPr/>
-              <a:t>7/5/2018</a:t>
+              <a:t>7/10/2018</a:t>
             </a:fld>
             <a:endParaRPr lang="en-US"/>
           </a:p>
@@ -639,7 +654,7 @@
             <a:fld id="{1D8BD707-D9CF-40AE-B4C6-C98DA3205C09}" type="datetimeFigureOut">
               <a:rPr lang="en-US" smtClean="0"/>
               <a:pPr/>
-              <a:t>7/5/2018</a:t>
+              <a:t>7/10/2018</a:t>
             </a:fld>
             <a:endParaRPr lang="en-US"/>
           </a:p>
@@ -806,7 +821,7 @@
             <a:fld id="{1D8BD707-D9CF-40AE-B4C6-C98DA3205C09}" type="datetimeFigureOut">
               <a:rPr lang="en-US" smtClean="0"/>
               <a:pPr/>
-              <a:t>7/5/2018</a:t>
+              <a:t>7/10/2018</a:t>
             </a:fld>
             <a:endParaRPr lang="en-US"/>
           </a:p>
@@ -1049,7 +1064,7 @@
             <a:fld id="{1D8BD707-D9CF-40AE-B4C6-C98DA3205C09}" type="datetimeFigureOut">
               <a:rPr lang="en-US" smtClean="0"/>
               <a:pPr/>
-              <a:t>7/5/2018</a:t>
+              <a:t>7/10/2018</a:t>
             </a:fld>
             <a:endParaRPr lang="en-US"/>
           </a:p>
@@ -1334,7 +1349,7 @@
             <a:fld id="{1D8BD707-D9CF-40AE-B4C6-C98DA3205C09}" type="datetimeFigureOut">
               <a:rPr lang="en-US" smtClean="0"/>
               <a:pPr/>
-              <a:t>7/5/2018</a:t>
+              <a:t>7/10/2018</a:t>
             </a:fld>
             <a:endParaRPr lang="en-US"/>
           </a:p>
@@ -1753,7 +1768,7 @@
             <a:fld id="{1D8BD707-D9CF-40AE-B4C6-C98DA3205C09}" type="datetimeFigureOut">
               <a:rPr lang="en-US" smtClean="0"/>
               <a:pPr/>
-              <a:t>7/5/2018</a:t>
+              <a:t>7/10/2018</a:t>
             </a:fld>
             <a:endParaRPr lang="en-US"/>
           </a:p>
@@ -1868,7 +1883,7 @@
             <a:fld id="{1D8BD707-D9CF-40AE-B4C6-C98DA3205C09}" type="datetimeFigureOut">
               <a:rPr lang="en-US" smtClean="0"/>
               <a:pPr/>
-              <a:t>7/5/2018</a:t>
+              <a:t>7/10/2018</a:t>
             </a:fld>
             <a:endParaRPr lang="en-US"/>
           </a:p>
@@ -1960,7 +1975,7 @@
             <a:fld id="{1D8BD707-D9CF-40AE-B4C6-C98DA3205C09}" type="datetimeFigureOut">
               <a:rPr lang="en-US" smtClean="0"/>
               <a:pPr/>
-              <a:t>7/5/2018</a:t>
+              <a:t>7/10/2018</a:t>
             </a:fld>
             <a:endParaRPr lang="en-US"/>
           </a:p>
@@ -2234,7 +2249,7 @@
             <a:fld id="{1D8BD707-D9CF-40AE-B4C6-C98DA3205C09}" type="datetimeFigureOut">
               <a:rPr lang="en-US" smtClean="0"/>
               <a:pPr/>
-              <a:t>7/5/2018</a:t>
+              <a:t>7/10/2018</a:t>
             </a:fld>
             <a:endParaRPr lang="en-US"/>
           </a:p>
@@ -2484,7 +2499,7 @@
             <a:fld id="{1D8BD707-D9CF-40AE-B4C6-C98DA3205C09}" type="datetimeFigureOut">
               <a:rPr lang="en-US" smtClean="0"/>
               <a:pPr/>
-              <a:t>7/5/2018</a:t>
+              <a:t>7/10/2018</a:t>
             </a:fld>
             <a:endParaRPr lang="en-US"/>
           </a:p>
@@ -2694,7 +2709,7 @@
             <a:fld id="{1D8BD707-D9CF-40AE-B4C6-C98DA3205C09}" type="datetimeFigureOut">
               <a:rPr lang="en-US" smtClean="0"/>
               <a:pPr/>
-              <a:t>7/5/2018</a:t>
+              <a:t>7/10/2018</a:t>
             </a:fld>
             <a:endParaRPr lang="en-US"/>
           </a:p>
@@ -3081,8 +3096,12 @@
           <a:lstStyle/>
           <a:p>
             <a:r>
-              <a:rPr lang="en-US" dirty="0" smtClean="0"/>
-              <a:t>String </a:t>
+              <a:rPr lang="en-US" b="1" dirty="0" smtClean="0"/>
+              <a:t>String</a:t>
+            </a:r>
+            <a:r>
+              <a:rPr lang="en-US" dirty="0" smtClean="0"/>
+              <a:t> </a:t>
             </a:r>
             <a:r>
               <a:rPr lang="en-US" dirty="0" err="1" smtClean="0"/>
@@ -3151,10 +3170,3065 @@
           </a:p>
         </p:txBody>
       </p:sp>
+      <p:sp>
+        <p:nvSpPr>
+          <p:cNvPr id="4" name="AutoShape 2" descr="Image result for má»¥c tiÃªu"/>
+          <p:cNvSpPr>
+            <a:spLocks noChangeAspect="1" noChangeArrowheads="1"/>
+          </p:cNvSpPr>
+          <p:nvPr/>
+        </p:nvSpPr>
+        <p:spPr bwMode="auto">
+          <a:xfrm>
+            <a:off x="155575" y="-144463"/>
+            <a:ext cx="304800" cy="304801"/>
+          </a:xfrm>
+          <a:prstGeom prst="rect">
+            <a:avLst/>
+          </a:prstGeom>
+          <a:noFill/>
+          <a:extLst>
+            <a:ext uri="{909E8E84-426E-40DD-AFC4-6F175D3DCCD1}">
+              <a14:hiddenFill xmlns:a14="http://schemas.microsoft.com/office/drawing/2010/main">
+                <a:solidFill>
+                  <a:srgbClr val="FFFFFF"/>
+                </a:solidFill>
+              </a14:hiddenFill>
+            </a:ext>
+          </a:extLst>
+        </p:spPr>
+        <p:txBody>
+          <a:bodyPr vert="horz" wrap="square" lIns="91440" tIns="45720" rIns="91440" bIns="45720" numCol="1" anchor="t" anchorCtr="0" compatLnSpc="1">
+            <a:prstTxWarp prst="textNoShape">
+              <a:avLst/>
+            </a:prstTxWarp>
+          </a:bodyPr>
+          <a:lstStyle/>
+          <a:p>
+            <a:endParaRPr lang="en-GB"/>
+          </a:p>
+        </p:txBody>
+      </p:sp>
     </p:spTree>
     <p:extLst>
       <p:ext uri="{BB962C8B-B14F-4D97-AF65-F5344CB8AC3E}">
         <p14:creationId xmlns:p14="http://schemas.microsoft.com/office/powerpoint/2010/main" val="948196479"/>
+      </p:ext>
+    </p:extLst>
+  </p:cSld>
+  <p:clrMapOvr>
+    <a:masterClrMapping/>
+  </p:clrMapOvr>
+</p:sld>
+</file>
+
+<file path=ppt/slides/slide10.xml><?xml version="1.0" encoding="utf-8"?>
+<p:sld xmlns:a="http://schemas.openxmlformats.org/drawingml/2006/main" xmlns:r="http://schemas.openxmlformats.org/officeDocument/2006/relationships" xmlns:p="http://schemas.openxmlformats.org/presentationml/2006/main">
+  <p:cSld>
+    <p:spTree>
+      <p:nvGrpSpPr>
+        <p:cNvPr id="1" name=""/>
+        <p:cNvGrpSpPr/>
+        <p:nvPr/>
+      </p:nvGrpSpPr>
+      <p:grpSpPr>
+        <a:xfrm>
+          <a:off x="0" y="0"/>
+          <a:ext cx="0" cy="0"/>
+          <a:chOff x="0" y="0"/>
+          <a:chExt cx="0" cy="0"/>
+        </a:xfrm>
+      </p:grpSpPr>
+      <p:sp>
+        <p:nvSpPr>
+          <p:cNvPr id="2" name="Title 1"/>
+          <p:cNvSpPr>
+            <a:spLocks noGrp="1"/>
+          </p:cNvSpPr>
+          <p:nvPr>
+            <p:ph type="title"/>
+          </p:nvPr>
+        </p:nvSpPr>
+        <p:spPr/>
+        <p:txBody>
+          <a:bodyPr/>
+          <a:lstStyle/>
+          <a:p>
+            <a:r>
+              <a:rPr lang="en-US" dirty="0"/>
+              <a:t>String - new </a:t>
+            </a:r>
+            <a:r>
+              <a:rPr lang="en-US" dirty="0" err="1"/>
+              <a:t>vs</a:t>
+            </a:r>
+            <a:r>
+              <a:rPr lang="en-US" dirty="0"/>
+              <a:t> literal(1)</a:t>
+            </a:r>
+            <a:endParaRPr lang="en-GB" dirty="0"/>
+          </a:p>
+        </p:txBody>
+      </p:sp>
+      <p:sp>
+        <p:nvSpPr>
+          <p:cNvPr id="5" name="TextBox 4"/>
+          <p:cNvSpPr txBox="1"/>
+          <p:nvPr/>
+        </p:nvSpPr>
+        <p:spPr>
+          <a:xfrm>
+            <a:off x="1201003" y="5434506"/>
+            <a:ext cx="1816908" cy="369332"/>
+          </a:xfrm>
+          <a:prstGeom prst="rect">
+            <a:avLst/>
+          </a:prstGeom>
+          <a:noFill/>
+        </p:spPr>
+        <p:txBody>
+          <a:bodyPr wrap="none" rtlCol="0">
+            <a:spAutoFit/>
+          </a:bodyPr>
+          <a:lstStyle/>
+          <a:p>
+            <a:r>
+              <a:rPr lang="en-US" dirty="0" err="1" smtClean="0"/>
+              <a:t>Kiểu</a:t>
+            </a:r>
+            <a:r>
+              <a:rPr lang="en-US" dirty="0" smtClean="0"/>
+              <a:t> </a:t>
+            </a:r>
+            <a:r>
+              <a:rPr lang="en-US" dirty="0" err="1" smtClean="0"/>
+              <a:t>nguyên</a:t>
+            </a:r>
+            <a:r>
+              <a:rPr lang="en-US" dirty="0" smtClean="0"/>
+              <a:t> </a:t>
+            </a:r>
+            <a:r>
+              <a:rPr lang="en-US" dirty="0" err="1" smtClean="0"/>
+              <a:t>thủy</a:t>
+            </a:r>
+            <a:endParaRPr lang="en-GB" dirty="0"/>
+          </a:p>
+        </p:txBody>
+      </p:sp>
+      <p:pic>
+        <p:nvPicPr>
+          <p:cNvPr id="4098" name="Picture 2" descr="Related image"/>
+          <p:cNvPicPr>
+            <a:picLocks noChangeAspect="1" noChangeArrowheads="1"/>
+          </p:cNvPicPr>
+          <p:nvPr/>
+        </p:nvPicPr>
+        <p:blipFill>
+          <a:blip r:embed="rId2">
+            <a:extLst>
+              <a:ext uri="{28A0092B-C50C-407E-A947-70E740481C1C}">
+                <a14:useLocalDpi xmlns:a14="http://schemas.microsoft.com/office/drawing/2010/main" val="0"/>
+              </a:ext>
+            </a:extLst>
+          </a:blip>
+          <a:srcRect/>
+          <a:stretch>
+            <a:fillRect/>
+          </a:stretch>
+        </p:blipFill>
+        <p:spPr bwMode="auto">
+          <a:xfrm>
+            <a:off x="457200" y="1524000"/>
+            <a:ext cx="8175765" cy="3341132"/>
+          </a:xfrm>
+          <a:prstGeom prst="rect">
+            <a:avLst/>
+          </a:prstGeom>
+          <a:noFill/>
+          <a:extLst>
+            <a:ext uri="{909E8E84-426E-40DD-AFC4-6F175D3DCCD1}">
+              <a14:hiddenFill xmlns:a14="http://schemas.microsoft.com/office/drawing/2010/main">
+                <a:solidFill>
+                  <a:srgbClr val="FFFFFF"/>
+                </a:solidFill>
+              </a14:hiddenFill>
+            </a:ext>
+          </a:extLst>
+        </p:spPr>
+      </p:pic>
+      <p:sp>
+        <p:nvSpPr>
+          <p:cNvPr id="9" name="TextBox 8"/>
+          <p:cNvSpPr txBox="1"/>
+          <p:nvPr/>
+        </p:nvSpPr>
+        <p:spPr>
+          <a:xfrm>
+            <a:off x="4981384" y="5428819"/>
+            <a:ext cx="1704313" cy="369332"/>
+          </a:xfrm>
+          <a:prstGeom prst="rect">
+            <a:avLst/>
+          </a:prstGeom>
+          <a:noFill/>
+        </p:spPr>
+        <p:txBody>
+          <a:bodyPr wrap="none" rtlCol="0">
+            <a:spAutoFit/>
+          </a:bodyPr>
+          <a:lstStyle/>
+          <a:p>
+            <a:r>
+              <a:rPr lang="en-US" dirty="0" err="1" smtClean="0"/>
+              <a:t>Kiểu</a:t>
+            </a:r>
+            <a:r>
+              <a:rPr lang="en-US" dirty="0" smtClean="0"/>
+              <a:t> </a:t>
+            </a:r>
+            <a:r>
+              <a:rPr lang="en-US" dirty="0" err="1" smtClean="0"/>
+              <a:t>tham</a:t>
+            </a:r>
+            <a:r>
+              <a:rPr lang="en-US" dirty="0" smtClean="0"/>
+              <a:t> </a:t>
+            </a:r>
+            <a:r>
+              <a:rPr lang="en-US" dirty="0" err="1" smtClean="0"/>
+              <a:t>chiếu</a:t>
+            </a:r>
+            <a:endParaRPr lang="en-GB" dirty="0"/>
+          </a:p>
+        </p:txBody>
+      </p:sp>
+      <p:cxnSp>
+        <p:nvCxnSpPr>
+          <p:cNvPr id="10" name="Straight Arrow Connector 9"/>
+          <p:cNvCxnSpPr/>
+          <p:nvPr/>
+        </p:nvCxnSpPr>
+        <p:spPr>
+          <a:xfrm>
+            <a:off x="1066800" y="3429000"/>
+            <a:ext cx="304800" cy="2184485"/>
+          </a:xfrm>
+          <a:prstGeom prst="straightConnector1">
+            <a:avLst/>
+          </a:prstGeom>
+          <a:ln>
+            <a:tailEnd type="arrow"/>
+          </a:ln>
+        </p:spPr>
+        <p:style>
+          <a:lnRef idx="1">
+            <a:schemeClr val="accent1"/>
+          </a:lnRef>
+          <a:fillRef idx="0">
+            <a:schemeClr val="accent1"/>
+          </a:fillRef>
+          <a:effectRef idx="0">
+            <a:schemeClr val="accent1"/>
+          </a:effectRef>
+          <a:fontRef idx="minor">
+            <a:schemeClr val="tx1"/>
+          </a:fontRef>
+        </p:style>
+      </p:cxnSp>
+      <p:cxnSp>
+        <p:nvCxnSpPr>
+          <p:cNvPr id="13" name="Straight Arrow Connector 12"/>
+          <p:cNvCxnSpPr/>
+          <p:nvPr/>
+        </p:nvCxnSpPr>
+        <p:spPr>
+          <a:xfrm>
+            <a:off x="1066800" y="2590800"/>
+            <a:ext cx="304800" cy="3022685"/>
+          </a:xfrm>
+          <a:prstGeom prst="straightConnector1">
+            <a:avLst/>
+          </a:prstGeom>
+          <a:ln>
+            <a:tailEnd type="arrow"/>
+          </a:ln>
+        </p:spPr>
+        <p:style>
+          <a:lnRef idx="1">
+            <a:schemeClr val="accent1"/>
+          </a:lnRef>
+          <a:fillRef idx="0">
+            <a:schemeClr val="accent1"/>
+          </a:fillRef>
+          <a:effectRef idx="0">
+            <a:schemeClr val="accent1"/>
+          </a:effectRef>
+          <a:fontRef idx="minor">
+            <a:schemeClr val="tx1"/>
+          </a:fontRef>
+        </p:style>
+      </p:cxnSp>
+      <p:cxnSp>
+        <p:nvCxnSpPr>
+          <p:cNvPr id="15" name="Straight Arrow Connector 14"/>
+          <p:cNvCxnSpPr>
+            <a:endCxn id="9" idx="1"/>
+          </p:cNvCxnSpPr>
+          <p:nvPr/>
+        </p:nvCxnSpPr>
+        <p:spPr>
+          <a:xfrm>
+            <a:off x="3334603" y="4469221"/>
+            <a:ext cx="1646781" cy="1144264"/>
+          </a:xfrm>
+          <a:prstGeom prst="straightConnector1">
+            <a:avLst/>
+          </a:prstGeom>
+          <a:ln>
+            <a:tailEnd type="arrow"/>
+          </a:ln>
+        </p:spPr>
+        <p:style>
+          <a:lnRef idx="1">
+            <a:schemeClr val="accent1"/>
+          </a:lnRef>
+          <a:fillRef idx="0">
+            <a:schemeClr val="accent1"/>
+          </a:fillRef>
+          <a:effectRef idx="0">
+            <a:schemeClr val="accent1"/>
+          </a:effectRef>
+          <a:fontRef idx="minor">
+            <a:schemeClr val="tx1"/>
+          </a:fontRef>
+        </p:style>
+      </p:cxnSp>
+      <p:cxnSp>
+        <p:nvCxnSpPr>
+          <p:cNvPr id="17" name="Straight Arrow Connector 16"/>
+          <p:cNvCxnSpPr>
+            <a:endCxn id="9" idx="1"/>
+          </p:cNvCxnSpPr>
+          <p:nvPr/>
+        </p:nvCxnSpPr>
+        <p:spPr>
+          <a:xfrm>
+            <a:off x="2117472" y="3923163"/>
+            <a:ext cx="2863912" cy="1690322"/>
+          </a:xfrm>
+          <a:prstGeom prst="straightConnector1">
+            <a:avLst/>
+          </a:prstGeom>
+          <a:ln>
+            <a:tailEnd type="arrow"/>
+          </a:ln>
+        </p:spPr>
+        <p:style>
+          <a:lnRef idx="1">
+            <a:schemeClr val="accent1"/>
+          </a:lnRef>
+          <a:fillRef idx="0">
+            <a:schemeClr val="accent1"/>
+          </a:fillRef>
+          <a:effectRef idx="0">
+            <a:schemeClr val="accent1"/>
+          </a:effectRef>
+          <a:fontRef idx="minor">
+            <a:schemeClr val="tx1"/>
+          </a:fontRef>
+        </p:style>
+      </p:cxnSp>
+      <p:sp>
+        <p:nvSpPr>
+          <p:cNvPr id="18" name="TextBox 17"/>
+          <p:cNvSpPr txBox="1"/>
+          <p:nvPr/>
+        </p:nvSpPr>
+        <p:spPr>
+          <a:xfrm>
+            <a:off x="851086" y="6053427"/>
+            <a:ext cx="7919156" cy="430887"/>
+          </a:xfrm>
+          <a:prstGeom prst="rect">
+            <a:avLst/>
+          </a:prstGeom>
+          <a:noFill/>
+        </p:spPr>
+        <p:txBody>
+          <a:bodyPr wrap="none" rtlCol="0">
+            <a:spAutoFit/>
+          </a:bodyPr>
+          <a:lstStyle/>
+          <a:p>
+            <a:r>
+              <a:rPr lang="en-US" sz="2200" dirty="0" err="1" smtClean="0"/>
+              <a:t>Những</a:t>
+            </a:r>
+            <a:r>
+              <a:rPr lang="en-US" sz="2200" dirty="0" smtClean="0"/>
+              <a:t> </a:t>
+            </a:r>
+            <a:r>
+              <a:rPr lang="en-US" sz="2200" dirty="0" err="1" smtClean="0"/>
+              <a:t>giá</a:t>
+            </a:r>
+            <a:r>
+              <a:rPr lang="en-US" sz="2200" dirty="0" smtClean="0"/>
+              <a:t> </a:t>
+            </a:r>
+            <a:r>
+              <a:rPr lang="en-US" sz="2200" dirty="0" err="1" smtClean="0"/>
+              <a:t>trị</a:t>
+            </a:r>
+            <a:r>
+              <a:rPr lang="en-US" sz="2200" dirty="0" smtClean="0"/>
+              <a:t> </a:t>
+            </a:r>
+            <a:r>
+              <a:rPr lang="en-US" sz="2200" dirty="0" err="1" smtClean="0"/>
+              <a:t>trong</a:t>
+            </a:r>
+            <a:r>
+              <a:rPr lang="en-US" sz="2200" dirty="0" smtClean="0"/>
+              <a:t> Pool </a:t>
+            </a:r>
+            <a:r>
+              <a:rPr lang="en-US" sz="2200" dirty="0" err="1" smtClean="0"/>
+              <a:t>là</a:t>
+            </a:r>
+            <a:r>
+              <a:rPr lang="en-US" sz="2200" dirty="0" smtClean="0"/>
+              <a:t> </a:t>
+            </a:r>
+            <a:r>
+              <a:rPr lang="en-US" sz="2200" dirty="0" err="1" smtClean="0"/>
+              <a:t>giá</a:t>
+            </a:r>
+            <a:r>
+              <a:rPr lang="en-US" sz="2200" dirty="0" smtClean="0"/>
+              <a:t> </a:t>
+            </a:r>
+            <a:r>
+              <a:rPr lang="en-US" sz="2200" dirty="0" err="1" smtClean="0"/>
+              <a:t>trị</a:t>
+            </a:r>
+            <a:r>
+              <a:rPr lang="en-US" sz="2200" dirty="0" smtClean="0"/>
+              <a:t> </a:t>
+            </a:r>
+            <a:r>
+              <a:rPr lang="en-US" sz="2200" dirty="0" err="1" smtClean="0"/>
+              <a:t>duy</a:t>
+            </a:r>
+            <a:r>
+              <a:rPr lang="en-US" sz="2200" dirty="0" smtClean="0"/>
+              <a:t> </a:t>
+            </a:r>
+            <a:r>
+              <a:rPr lang="en-US" sz="2200" dirty="0" err="1" smtClean="0"/>
+              <a:t>nhất</a:t>
+            </a:r>
+            <a:r>
+              <a:rPr lang="en-US" sz="2200" dirty="0" smtClean="0"/>
+              <a:t> =&gt; s3, s4 </a:t>
+            </a:r>
+            <a:r>
+              <a:rPr lang="en-US" sz="2200" dirty="0" err="1" smtClean="0"/>
+              <a:t>chung</a:t>
+            </a:r>
+            <a:r>
+              <a:rPr lang="en-US" sz="2200" dirty="0" smtClean="0"/>
+              <a:t> </a:t>
+            </a:r>
+            <a:r>
+              <a:rPr lang="en-US" sz="2200" dirty="0" err="1" smtClean="0"/>
+              <a:t>vùng</a:t>
+            </a:r>
+            <a:r>
+              <a:rPr lang="en-US" sz="2200" dirty="0" smtClean="0"/>
+              <a:t> </a:t>
+            </a:r>
+            <a:r>
+              <a:rPr lang="en-US" sz="2200" dirty="0" err="1" smtClean="0"/>
+              <a:t>nhớ</a:t>
+            </a:r>
+            <a:endParaRPr lang="en-GB" sz="2200" dirty="0"/>
+          </a:p>
+        </p:txBody>
+      </p:sp>
+    </p:spTree>
+    <p:extLst>
+      <p:ext uri="{BB962C8B-B14F-4D97-AF65-F5344CB8AC3E}">
+        <p14:creationId xmlns:p14="http://schemas.microsoft.com/office/powerpoint/2010/main" val="2861187674"/>
+      </p:ext>
+    </p:extLst>
+  </p:cSld>
+  <p:clrMapOvr>
+    <a:masterClrMapping/>
+  </p:clrMapOvr>
+</p:sld>
+</file>
+
+<file path=ppt/slides/slide11.xml><?xml version="1.0" encoding="utf-8"?>
+<p:sld xmlns:a="http://schemas.openxmlformats.org/drawingml/2006/main" xmlns:r="http://schemas.openxmlformats.org/officeDocument/2006/relationships" xmlns:p="http://schemas.openxmlformats.org/presentationml/2006/main">
+  <p:cSld>
+    <p:spTree>
+      <p:nvGrpSpPr>
+        <p:cNvPr id="1" name=""/>
+        <p:cNvGrpSpPr/>
+        <p:nvPr/>
+      </p:nvGrpSpPr>
+      <p:grpSpPr>
+        <a:xfrm>
+          <a:off x="0" y="0"/>
+          <a:ext cx="0" cy="0"/>
+          <a:chOff x="0" y="0"/>
+          <a:chExt cx="0" cy="0"/>
+        </a:xfrm>
+      </p:grpSpPr>
+      <p:sp>
+        <p:nvSpPr>
+          <p:cNvPr id="2" name="Title 1"/>
+          <p:cNvSpPr>
+            <a:spLocks noGrp="1"/>
+          </p:cNvSpPr>
+          <p:nvPr>
+            <p:ph type="title"/>
+          </p:nvPr>
+        </p:nvSpPr>
+        <p:spPr/>
+        <p:txBody>
+          <a:bodyPr/>
+          <a:lstStyle/>
+          <a:p>
+            <a:r>
+              <a:rPr lang="en-US" dirty="0" smtClean="0"/>
+              <a:t>String Functions</a:t>
+            </a:r>
+            <a:endParaRPr lang="en-GB" dirty="0"/>
+          </a:p>
+        </p:txBody>
+      </p:sp>
+      <p:sp>
+        <p:nvSpPr>
+          <p:cNvPr id="3" name="Content Placeholder 2"/>
+          <p:cNvSpPr>
+            <a:spLocks noGrp="1"/>
+          </p:cNvSpPr>
+          <p:nvPr>
+            <p:ph idx="1"/>
+          </p:nvPr>
+        </p:nvSpPr>
+        <p:spPr/>
+        <p:txBody>
+          <a:bodyPr>
+            <a:normAutofit/>
+          </a:bodyPr>
+          <a:lstStyle/>
+          <a:p>
+            <a:r>
+              <a:rPr lang="en-GB" b="1" dirty="0" smtClean="0"/>
+              <a:t>length()</a:t>
+            </a:r>
+          </a:p>
+          <a:p>
+            <a:r>
+              <a:rPr lang="en-GB" b="1" dirty="0" err="1" smtClean="0"/>
+              <a:t>concat</a:t>
+            </a:r>
+            <a:r>
+              <a:rPr lang="en-GB" b="1" dirty="0" smtClean="0"/>
+              <a:t>(String</a:t>
+            </a:r>
+            <a:r>
+              <a:rPr lang="en-GB" b="1" dirty="0"/>
+              <a:t>)</a:t>
+            </a:r>
+          </a:p>
+          <a:p>
+            <a:r>
+              <a:rPr lang="en-GB" b="1" dirty="0" err="1" smtClean="0"/>
+              <a:t>indexOf</a:t>
+            </a:r>
+            <a:r>
+              <a:rPr lang="en-GB" b="1" dirty="0" smtClean="0"/>
+              <a:t>(</a:t>
+            </a:r>
+            <a:r>
+              <a:rPr lang="en-GB" b="1" dirty="0" err="1" smtClean="0"/>
+              <a:t>subString</a:t>
+            </a:r>
+            <a:r>
+              <a:rPr lang="en-GB" b="1" dirty="0" smtClean="0"/>
+              <a:t>)</a:t>
+            </a:r>
+            <a:endParaRPr lang="en-GB" b="1" dirty="0"/>
+          </a:p>
+          <a:p>
+            <a:r>
+              <a:rPr lang="en-GB" b="1" dirty="0" smtClean="0"/>
+              <a:t>replace()</a:t>
+            </a:r>
+          </a:p>
+          <a:p>
+            <a:r>
+              <a:rPr lang="en-US" b="1" dirty="0" smtClean="0"/>
+              <a:t>split()</a:t>
+            </a:r>
+            <a:endParaRPr lang="en-GB" b="1" dirty="0"/>
+          </a:p>
+          <a:p>
+            <a:r>
+              <a:rPr lang="en-GB" b="1" dirty="0" smtClean="0"/>
+              <a:t>substring()</a:t>
+            </a:r>
+            <a:r>
+              <a:rPr lang="en-GB" b="1" dirty="0"/>
+              <a:t/>
+            </a:r>
+            <a:br>
+              <a:rPr lang="en-GB" b="1" dirty="0"/>
+            </a:br>
+            <a:r>
+              <a:rPr lang="en-GB" dirty="0"/>
+              <a:t/>
+            </a:r>
+            <a:br>
+              <a:rPr lang="en-GB" dirty="0"/>
+            </a:br>
+            <a:endParaRPr lang="en-GB" b="1" dirty="0"/>
+          </a:p>
+          <a:p>
+            <a:endParaRPr lang="en-GB" b="1" dirty="0"/>
+          </a:p>
+          <a:p>
+            <a:endParaRPr lang="en-US" dirty="0" smtClean="0"/>
+          </a:p>
+          <a:p>
+            <a:endParaRPr lang="en-GB" dirty="0"/>
+          </a:p>
+        </p:txBody>
+      </p:sp>
+    </p:spTree>
+    <p:extLst>
+      <p:ext uri="{BB962C8B-B14F-4D97-AF65-F5344CB8AC3E}">
+        <p14:creationId xmlns:p14="http://schemas.microsoft.com/office/powerpoint/2010/main" val="2170581580"/>
+      </p:ext>
+    </p:extLst>
+  </p:cSld>
+  <p:clrMapOvr>
+    <a:masterClrMapping/>
+  </p:clrMapOvr>
+</p:sld>
+</file>
+
+<file path=ppt/slides/slide12.xml><?xml version="1.0" encoding="utf-8"?>
+<p:sld xmlns:a="http://schemas.openxmlformats.org/drawingml/2006/main" xmlns:r="http://schemas.openxmlformats.org/officeDocument/2006/relationships" xmlns:p="http://schemas.openxmlformats.org/presentationml/2006/main">
+  <p:cSld>
+    <p:spTree>
+      <p:nvGrpSpPr>
+        <p:cNvPr id="1" name=""/>
+        <p:cNvGrpSpPr/>
+        <p:nvPr/>
+      </p:nvGrpSpPr>
+      <p:grpSpPr>
+        <a:xfrm>
+          <a:off x="0" y="0"/>
+          <a:ext cx="0" cy="0"/>
+          <a:chOff x="0" y="0"/>
+          <a:chExt cx="0" cy="0"/>
+        </a:xfrm>
+      </p:grpSpPr>
+      <p:sp>
+        <p:nvSpPr>
+          <p:cNvPr id="2" name="Title 1"/>
+          <p:cNvSpPr>
+            <a:spLocks noGrp="1"/>
+          </p:cNvSpPr>
+          <p:nvPr>
+            <p:ph type="title"/>
+          </p:nvPr>
+        </p:nvSpPr>
+        <p:spPr/>
+        <p:txBody>
+          <a:bodyPr/>
+          <a:lstStyle/>
+          <a:p>
+            <a:r>
+              <a:rPr lang="en-US" dirty="0" err="1" smtClean="0"/>
+              <a:t>indexOf</a:t>
+            </a:r>
+            <a:endParaRPr lang="en-GB" dirty="0"/>
+          </a:p>
+        </p:txBody>
+      </p:sp>
+      <p:pic>
+        <p:nvPicPr>
+          <p:cNvPr id="7170" name="Picture 2"/>
+          <p:cNvPicPr>
+            <a:picLocks noChangeAspect="1" noChangeArrowheads="1"/>
+          </p:cNvPicPr>
+          <p:nvPr/>
+        </p:nvPicPr>
+        <p:blipFill>
+          <a:blip r:embed="rId2">
+            <a:extLst>
+              <a:ext uri="{28A0092B-C50C-407E-A947-70E740481C1C}">
+                <a14:useLocalDpi xmlns:a14="http://schemas.microsoft.com/office/drawing/2010/main" val="0"/>
+              </a:ext>
+            </a:extLst>
+          </a:blip>
+          <a:srcRect/>
+          <a:stretch>
+            <a:fillRect/>
+          </a:stretch>
+        </p:blipFill>
+        <p:spPr bwMode="auto">
+          <a:xfrm>
+            <a:off x="609600" y="2057400"/>
+            <a:ext cx="8418160" cy="1581150"/>
+          </a:xfrm>
+          <a:prstGeom prst="rect">
+            <a:avLst/>
+          </a:prstGeom>
+          <a:ln/>
+        </p:spPr>
+        <p:style>
+          <a:lnRef idx="2">
+            <a:schemeClr val="accent3"/>
+          </a:lnRef>
+          <a:fillRef idx="1">
+            <a:schemeClr val="lt1"/>
+          </a:fillRef>
+          <a:effectRef idx="0">
+            <a:schemeClr val="accent3"/>
+          </a:effectRef>
+          <a:fontRef idx="minor">
+            <a:schemeClr val="dk1"/>
+          </a:fontRef>
+        </p:style>
+      </p:pic>
+      <p:sp>
+        <p:nvSpPr>
+          <p:cNvPr id="6" name="TextBox 5"/>
+          <p:cNvSpPr txBox="1"/>
+          <p:nvPr/>
+        </p:nvSpPr>
+        <p:spPr>
+          <a:xfrm>
+            <a:off x="1905000" y="4979312"/>
+            <a:ext cx="4724400" cy="430887"/>
+          </a:xfrm>
+          <a:prstGeom prst="rect">
+            <a:avLst/>
+          </a:prstGeom>
+          <a:noFill/>
+        </p:spPr>
+        <p:txBody>
+          <a:bodyPr wrap="square" rtlCol="0">
+            <a:spAutoFit/>
+          </a:bodyPr>
+          <a:lstStyle/>
+          <a:p>
+            <a:r>
+              <a:rPr lang="en-US" sz="2200" dirty="0" err="1" smtClean="0"/>
+              <a:t>Trả</a:t>
+            </a:r>
+            <a:r>
+              <a:rPr lang="en-US" sz="2200" dirty="0" smtClean="0"/>
+              <a:t> </a:t>
+            </a:r>
+            <a:r>
+              <a:rPr lang="en-US" sz="2200" dirty="0" err="1" smtClean="0"/>
+              <a:t>về</a:t>
+            </a:r>
+            <a:r>
+              <a:rPr lang="en-US" sz="2200" dirty="0" smtClean="0"/>
+              <a:t> </a:t>
+            </a:r>
+            <a:r>
+              <a:rPr lang="en-US" sz="2200" dirty="0" err="1" smtClean="0"/>
+              <a:t>giá</a:t>
+            </a:r>
+            <a:r>
+              <a:rPr lang="en-US" sz="2200" dirty="0" smtClean="0"/>
+              <a:t> </a:t>
+            </a:r>
+            <a:r>
+              <a:rPr lang="en-US" sz="2200" dirty="0" err="1" smtClean="0"/>
+              <a:t>trị</a:t>
+            </a:r>
+            <a:r>
+              <a:rPr lang="en-US" sz="2200" dirty="0" smtClean="0"/>
+              <a:t> </a:t>
+            </a:r>
+            <a:r>
+              <a:rPr lang="en-US" sz="2200" dirty="0" err="1" smtClean="0"/>
+              <a:t>vị</a:t>
+            </a:r>
+            <a:r>
+              <a:rPr lang="en-US" sz="2200" dirty="0" smtClean="0"/>
+              <a:t> </a:t>
+            </a:r>
+            <a:r>
+              <a:rPr lang="en-US" sz="2200" dirty="0" err="1" smtClean="0"/>
+              <a:t>trí</a:t>
+            </a:r>
+            <a:r>
+              <a:rPr lang="en-US" sz="2200" dirty="0" smtClean="0"/>
+              <a:t> </a:t>
+            </a:r>
+            <a:r>
+              <a:rPr lang="en-US" sz="2200" dirty="0" err="1" smtClean="0"/>
+              <a:t>của</a:t>
+            </a:r>
+            <a:r>
+              <a:rPr lang="en-US" sz="2200" dirty="0" smtClean="0"/>
+              <a:t> </a:t>
+            </a:r>
+            <a:r>
+              <a:rPr lang="en-US" sz="2200" b="1" dirty="0" smtClean="0"/>
+              <a:t>3 </a:t>
+            </a:r>
+            <a:r>
+              <a:rPr lang="en-US" sz="2200" dirty="0" err="1" smtClean="0"/>
+              <a:t>trong</a:t>
+            </a:r>
+            <a:r>
+              <a:rPr lang="en-US" sz="2200" dirty="0" smtClean="0"/>
+              <a:t> “</a:t>
+            </a:r>
+            <a:r>
+              <a:rPr lang="en-US" sz="2200" b="1" dirty="0" smtClean="0"/>
+              <a:t>T3H</a:t>
+            </a:r>
+            <a:r>
+              <a:rPr lang="en-US" sz="2200" dirty="0" smtClean="0"/>
+              <a:t>”</a:t>
+            </a:r>
+            <a:endParaRPr lang="en-GB" sz="2200" b="1" dirty="0"/>
+          </a:p>
+        </p:txBody>
+      </p:sp>
+    </p:spTree>
+    <p:extLst>
+      <p:ext uri="{BB962C8B-B14F-4D97-AF65-F5344CB8AC3E}">
+        <p14:creationId xmlns:p14="http://schemas.microsoft.com/office/powerpoint/2010/main" val="2225877112"/>
+      </p:ext>
+    </p:extLst>
+  </p:cSld>
+  <p:clrMapOvr>
+    <a:masterClrMapping/>
+  </p:clrMapOvr>
+</p:sld>
+</file>
+
+<file path=ppt/slides/slide13.xml><?xml version="1.0" encoding="utf-8"?>
+<p:sld xmlns:a="http://schemas.openxmlformats.org/drawingml/2006/main" xmlns:r="http://schemas.openxmlformats.org/officeDocument/2006/relationships" xmlns:p="http://schemas.openxmlformats.org/presentationml/2006/main">
+  <p:cSld>
+    <p:spTree>
+      <p:nvGrpSpPr>
+        <p:cNvPr id="1" name=""/>
+        <p:cNvGrpSpPr/>
+        <p:nvPr/>
+      </p:nvGrpSpPr>
+      <p:grpSpPr>
+        <a:xfrm>
+          <a:off x="0" y="0"/>
+          <a:ext cx="0" cy="0"/>
+          <a:chOff x="0" y="0"/>
+          <a:chExt cx="0" cy="0"/>
+        </a:xfrm>
+      </p:grpSpPr>
+      <p:sp>
+        <p:nvSpPr>
+          <p:cNvPr id="2" name="Title 1"/>
+          <p:cNvSpPr>
+            <a:spLocks noGrp="1"/>
+          </p:cNvSpPr>
+          <p:nvPr>
+            <p:ph type="title"/>
+          </p:nvPr>
+        </p:nvSpPr>
+        <p:spPr/>
+        <p:txBody>
+          <a:bodyPr/>
+          <a:lstStyle/>
+          <a:p>
+            <a:r>
+              <a:rPr lang="en-US" dirty="0" smtClean="0"/>
+              <a:t>replace</a:t>
+            </a:r>
+            <a:endParaRPr lang="en-GB" dirty="0"/>
+          </a:p>
+        </p:txBody>
+      </p:sp>
+      <p:pic>
+        <p:nvPicPr>
+          <p:cNvPr id="8194" name="Picture 2"/>
+          <p:cNvPicPr>
+            <a:picLocks noChangeAspect="1" noChangeArrowheads="1"/>
+          </p:cNvPicPr>
+          <p:nvPr/>
+        </p:nvPicPr>
+        <p:blipFill>
+          <a:blip r:embed="rId2">
+            <a:extLst>
+              <a:ext uri="{28A0092B-C50C-407E-A947-70E740481C1C}">
+                <a14:useLocalDpi xmlns:a14="http://schemas.microsoft.com/office/drawing/2010/main" val="0"/>
+              </a:ext>
+            </a:extLst>
+          </a:blip>
+          <a:srcRect/>
+          <a:stretch>
+            <a:fillRect/>
+          </a:stretch>
+        </p:blipFill>
+        <p:spPr bwMode="auto">
+          <a:xfrm>
+            <a:off x="762000" y="2057400"/>
+            <a:ext cx="7644621" cy="2214563"/>
+          </a:xfrm>
+          <a:prstGeom prst="rect">
+            <a:avLst/>
+          </a:prstGeom>
+          <a:ln/>
+        </p:spPr>
+        <p:style>
+          <a:lnRef idx="2">
+            <a:schemeClr val="accent3"/>
+          </a:lnRef>
+          <a:fillRef idx="1">
+            <a:schemeClr val="lt1"/>
+          </a:fillRef>
+          <a:effectRef idx="0">
+            <a:schemeClr val="accent3"/>
+          </a:effectRef>
+          <a:fontRef idx="minor">
+            <a:schemeClr val="dk1"/>
+          </a:fontRef>
+        </p:style>
+      </p:pic>
+      <p:sp>
+        <p:nvSpPr>
+          <p:cNvPr id="4" name="TextBox 3"/>
+          <p:cNvSpPr txBox="1"/>
+          <p:nvPr/>
+        </p:nvSpPr>
+        <p:spPr>
+          <a:xfrm>
+            <a:off x="2590800" y="5257800"/>
+            <a:ext cx="3337004" cy="430887"/>
+          </a:xfrm>
+          <a:prstGeom prst="rect">
+            <a:avLst/>
+          </a:prstGeom>
+          <a:noFill/>
+        </p:spPr>
+        <p:txBody>
+          <a:bodyPr wrap="none" rtlCol="0">
+            <a:spAutoFit/>
+          </a:bodyPr>
+          <a:lstStyle/>
+          <a:p>
+            <a:r>
+              <a:rPr lang="en-US" sz="2200" dirty="0" err="1" smtClean="0"/>
+              <a:t>Bỏ</a:t>
+            </a:r>
+            <a:r>
+              <a:rPr lang="en-US" sz="2200" dirty="0" smtClean="0"/>
+              <a:t> </a:t>
+            </a:r>
+            <a:r>
+              <a:rPr lang="en-US" sz="2200" dirty="0" err="1" smtClean="0"/>
+              <a:t>dấu</a:t>
+            </a:r>
+            <a:r>
+              <a:rPr lang="en-US" sz="2200" dirty="0" smtClean="0"/>
+              <a:t> , </a:t>
+            </a:r>
+            <a:r>
+              <a:rPr lang="en-US" sz="2200" dirty="0" err="1" smtClean="0"/>
+              <a:t>thành</a:t>
+            </a:r>
+            <a:r>
+              <a:rPr lang="en-US" sz="2200" dirty="0" smtClean="0"/>
+              <a:t> </a:t>
+            </a:r>
+            <a:r>
+              <a:rPr lang="en-US" sz="2200" dirty="0" err="1" smtClean="0"/>
+              <a:t>khoảng</a:t>
+            </a:r>
+            <a:r>
+              <a:rPr lang="en-US" sz="2200" dirty="0" smtClean="0"/>
+              <a:t> </a:t>
+            </a:r>
+            <a:r>
+              <a:rPr lang="en-US" sz="2200" dirty="0" err="1" smtClean="0"/>
+              <a:t>cách</a:t>
+            </a:r>
+            <a:endParaRPr lang="en-GB" sz="2200" dirty="0"/>
+          </a:p>
+        </p:txBody>
+      </p:sp>
+    </p:spTree>
+    <p:extLst>
+      <p:ext uri="{BB962C8B-B14F-4D97-AF65-F5344CB8AC3E}">
+        <p14:creationId xmlns:p14="http://schemas.microsoft.com/office/powerpoint/2010/main" val="2778436443"/>
+      </p:ext>
+    </p:extLst>
+  </p:cSld>
+  <p:clrMapOvr>
+    <a:masterClrMapping/>
+  </p:clrMapOvr>
+</p:sld>
+</file>
+
+<file path=ppt/slides/slide14.xml><?xml version="1.0" encoding="utf-8"?>
+<p:sld xmlns:a="http://schemas.openxmlformats.org/drawingml/2006/main" xmlns:r="http://schemas.openxmlformats.org/officeDocument/2006/relationships" xmlns:p="http://schemas.openxmlformats.org/presentationml/2006/main">
+  <p:cSld>
+    <p:spTree>
+      <p:nvGrpSpPr>
+        <p:cNvPr id="1" name=""/>
+        <p:cNvGrpSpPr/>
+        <p:nvPr/>
+      </p:nvGrpSpPr>
+      <p:grpSpPr>
+        <a:xfrm>
+          <a:off x="0" y="0"/>
+          <a:ext cx="0" cy="0"/>
+          <a:chOff x="0" y="0"/>
+          <a:chExt cx="0" cy="0"/>
+        </a:xfrm>
+      </p:grpSpPr>
+      <p:sp>
+        <p:nvSpPr>
+          <p:cNvPr id="2" name="Title 1"/>
+          <p:cNvSpPr>
+            <a:spLocks noGrp="1"/>
+          </p:cNvSpPr>
+          <p:nvPr>
+            <p:ph type="title"/>
+          </p:nvPr>
+        </p:nvSpPr>
+        <p:spPr/>
+        <p:txBody>
+          <a:bodyPr/>
+          <a:lstStyle/>
+          <a:p>
+            <a:r>
+              <a:rPr lang="en-US" b="1" dirty="0"/>
+              <a:t>split</a:t>
+            </a:r>
+            <a:endParaRPr lang="en-GB" dirty="0"/>
+          </a:p>
+        </p:txBody>
+      </p:sp>
+      <p:sp>
+        <p:nvSpPr>
+          <p:cNvPr id="3" name="Content Placeholder 2"/>
+          <p:cNvSpPr>
+            <a:spLocks noGrp="1"/>
+          </p:cNvSpPr>
+          <p:nvPr>
+            <p:ph idx="1"/>
+          </p:nvPr>
+        </p:nvSpPr>
+        <p:spPr/>
+        <p:txBody>
+          <a:bodyPr/>
+          <a:lstStyle/>
+          <a:p>
+            <a:r>
+              <a:rPr lang="en-US" dirty="0" err="1" smtClean="0"/>
+              <a:t>Cắt</a:t>
+            </a:r>
+            <a:r>
+              <a:rPr lang="en-US" dirty="0" smtClean="0"/>
+              <a:t> </a:t>
+            </a:r>
+            <a:r>
+              <a:rPr lang="en-US" dirty="0" err="1" smtClean="0"/>
+              <a:t>đoạn</a:t>
+            </a:r>
+            <a:r>
+              <a:rPr lang="en-US" dirty="0" smtClean="0"/>
+              <a:t> string </a:t>
+            </a:r>
+            <a:r>
+              <a:rPr lang="en-US" dirty="0" err="1" smtClean="0"/>
+              <a:t>bởi</a:t>
+            </a:r>
+            <a:r>
+              <a:rPr lang="en-US" dirty="0" smtClean="0"/>
+              <a:t> </a:t>
+            </a:r>
+            <a:r>
+              <a:rPr lang="en-US" dirty="0" err="1" smtClean="0"/>
+              <a:t>kí</a:t>
+            </a:r>
+            <a:r>
+              <a:rPr lang="en-US" dirty="0" smtClean="0"/>
+              <a:t> </a:t>
+            </a:r>
+            <a:r>
+              <a:rPr lang="en-US" dirty="0" err="1" smtClean="0"/>
+              <a:t>tự</a:t>
+            </a:r>
+            <a:r>
+              <a:rPr lang="en-US" dirty="0" smtClean="0"/>
+              <a:t> </a:t>
+            </a:r>
+            <a:r>
+              <a:rPr lang="en-US" dirty="0" err="1" smtClean="0"/>
+              <a:t>xử</a:t>
+            </a:r>
+            <a:r>
+              <a:rPr lang="en-US" dirty="0" smtClean="0"/>
+              <a:t> </a:t>
+            </a:r>
+            <a:r>
+              <a:rPr lang="en-US" dirty="0" err="1" smtClean="0"/>
+              <a:t>lý</a:t>
+            </a:r>
+            <a:r>
+              <a:rPr lang="en-US" dirty="0" smtClean="0"/>
+              <a:t> file </a:t>
+            </a:r>
+            <a:r>
+              <a:rPr lang="en-US" dirty="0" err="1" smtClean="0"/>
+              <a:t>có</a:t>
+            </a:r>
+            <a:r>
+              <a:rPr lang="en-US" dirty="0" smtClean="0"/>
+              <a:t> </a:t>
+            </a:r>
+            <a:r>
+              <a:rPr lang="en-US" dirty="0" err="1" smtClean="0"/>
+              <a:t>cấu</a:t>
+            </a:r>
+            <a:r>
+              <a:rPr lang="en-US" dirty="0" smtClean="0"/>
+              <a:t> </a:t>
+            </a:r>
+            <a:r>
+              <a:rPr lang="en-US" dirty="0" err="1" smtClean="0"/>
+              <a:t>trúc</a:t>
+            </a:r>
+            <a:endParaRPr lang="en-US" dirty="0" smtClean="0"/>
+          </a:p>
+          <a:p>
+            <a:pPr marL="457200" lvl="1" indent="0">
+              <a:buNone/>
+            </a:pPr>
+            <a:r>
+              <a:rPr lang="en-US" dirty="0" err="1" smtClean="0"/>
+              <a:t>Ví</a:t>
+            </a:r>
+            <a:r>
+              <a:rPr lang="en-US" dirty="0" smtClean="0"/>
+              <a:t> </a:t>
+            </a:r>
+            <a:r>
+              <a:rPr lang="en-US" dirty="0" err="1" smtClean="0"/>
+              <a:t>dụ</a:t>
+            </a:r>
+            <a:r>
+              <a:rPr lang="en-US" dirty="0" smtClean="0"/>
+              <a:t>: CSV</a:t>
+            </a:r>
+            <a:endParaRPr lang="en-GB" dirty="0"/>
+          </a:p>
+        </p:txBody>
+      </p:sp>
+      <p:pic>
+        <p:nvPicPr>
+          <p:cNvPr id="9218" name="Picture 2"/>
+          <p:cNvPicPr>
+            <a:picLocks noChangeAspect="1" noChangeArrowheads="1"/>
+          </p:cNvPicPr>
+          <p:nvPr/>
+        </p:nvPicPr>
+        <p:blipFill>
+          <a:blip r:embed="rId2">
+            <a:extLst>
+              <a:ext uri="{28A0092B-C50C-407E-A947-70E740481C1C}">
+                <a14:useLocalDpi xmlns:a14="http://schemas.microsoft.com/office/drawing/2010/main" val="0"/>
+              </a:ext>
+            </a:extLst>
+          </a:blip>
+          <a:srcRect/>
+          <a:stretch>
+            <a:fillRect/>
+          </a:stretch>
+        </p:blipFill>
+        <p:spPr bwMode="auto">
+          <a:xfrm>
+            <a:off x="1676400" y="2819400"/>
+            <a:ext cx="5476875" cy="2105025"/>
+          </a:xfrm>
+          <a:prstGeom prst="rect">
+            <a:avLst/>
+          </a:prstGeom>
+          <a:ln/>
+        </p:spPr>
+        <p:style>
+          <a:lnRef idx="2">
+            <a:schemeClr val="accent3"/>
+          </a:lnRef>
+          <a:fillRef idx="1">
+            <a:schemeClr val="lt1"/>
+          </a:fillRef>
+          <a:effectRef idx="0">
+            <a:schemeClr val="accent3"/>
+          </a:effectRef>
+          <a:fontRef idx="minor">
+            <a:schemeClr val="dk1"/>
+          </a:fontRef>
+        </p:style>
+      </p:pic>
+      <p:sp>
+        <p:nvSpPr>
+          <p:cNvPr id="4" name="TextBox 3"/>
+          <p:cNvSpPr txBox="1"/>
+          <p:nvPr/>
+        </p:nvSpPr>
+        <p:spPr>
+          <a:xfrm>
+            <a:off x="1219200" y="5410200"/>
+            <a:ext cx="7064691" cy="369332"/>
+          </a:xfrm>
+          <a:prstGeom prst="rect">
+            <a:avLst/>
+          </a:prstGeom>
+          <a:noFill/>
+        </p:spPr>
+        <p:txBody>
+          <a:bodyPr wrap="none" rtlCol="0">
+            <a:spAutoFit/>
+          </a:bodyPr>
+          <a:lstStyle/>
+          <a:p>
+            <a:r>
+              <a:rPr lang="en-US" dirty="0" err="1" smtClean="0"/>
+              <a:t>Cắt</a:t>
+            </a:r>
+            <a:r>
+              <a:rPr lang="en-US" dirty="0" smtClean="0"/>
+              <a:t> </a:t>
+            </a:r>
+            <a:r>
+              <a:rPr lang="en-US" dirty="0" err="1" smtClean="0"/>
+              <a:t>đoạn</a:t>
+            </a:r>
+            <a:r>
+              <a:rPr lang="en-US" dirty="0" smtClean="0"/>
+              <a:t> </a:t>
+            </a:r>
+            <a:r>
+              <a:rPr lang="en-US" dirty="0" err="1" smtClean="0"/>
+              <a:t>chuỗi</a:t>
+            </a:r>
+            <a:r>
+              <a:rPr lang="en-US" dirty="0" smtClean="0"/>
+              <a:t> </a:t>
+            </a:r>
+            <a:r>
+              <a:rPr lang="en-US" b="1" dirty="0" smtClean="0"/>
+              <a:t>“abc,123,456”</a:t>
+            </a:r>
+            <a:r>
+              <a:rPr lang="en-US" dirty="0" smtClean="0"/>
+              <a:t> </a:t>
+            </a:r>
+            <a:r>
+              <a:rPr lang="en-US" dirty="0" err="1" smtClean="0"/>
+              <a:t>thành</a:t>
+            </a:r>
+            <a:r>
+              <a:rPr lang="en-US" dirty="0" smtClean="0"/>
+              <a:t> </a:t>
+            </a:r>
+            <a:r>
+              <a:rPr lang="en-US" dirty="0" err="1" smtClean="0"/>
+              <a:t>từng</a:t>
+            </a:r>
+            <a:r>
+              <a:rPr lang="en-US" dirty="0" smtClean="0"/>
+              <a:t> </a:t>
+            </a:r>
+            <a:r>
+              <a:rPr lang="en-US" dirty="0" err="1" smtClean="0"/>
+              <a:t>đoạn</a:t>
+            </a:r>
+            <a:r>
+              <a:rPr lang="en-US" dirty="0" smtClean="0"/>
+              <a:t> </a:t>
+            </a:r>
+            <a:r>
+              <a:rPr lang="en-US" dirty="0" err="1" smtClean="0"/>
+              <a:t>nhỏ</a:t>
+            </a:r>
+            <a:r>
+              <a:rPr lang="en-US" dirty="0" smtClean="0"/>
+              <a:t> </a:t>
+            </a:r>
+            <a:r>
+              <a:rPr lang="en-US" dirty="0" err="1" smtClean="0"/>
+              <a:t>cách</a:t>
+            </a:r>
+            <a:r>
+              <a:rPr lang="en-US" dirty="0" smtClean="0"/>
+              <a:t> </a:t>
+            </a:r>
+            <a:r>
+              <a:rPr lang="en-US" dirty="0" err="1" smtClean="0"/>
+              <a:t>nhau</a:t>
+            </a:r>
+            <a:r>
+              <a:rPr lang="en-US" dirty="0" smtClean="0"/>
+              <a:t> </a:t>
+            </a:r>
+            <a:r>
+              <a:rPr lang="en-US" dirty="0" err="1" smtClean="0"/>
+              <a:t>bởi</a:t>
+            </a:r>
+            <a:r>
+              <a:rPr lang="en-US" dirty="0" smtClean="0"/>
+              <a:t> </a:t>
+            </a:r>
+            <a:r>
+              <a:rPr lang="en-US" dirty="0" err="1" smtClean="0"/>
+              <a:t>dấu</a:t>
+            </a:r>
+            <a:r>
+              <a:rPr lang="en-US" dirty="0" smtClean="0"/>
+              <a:t> “</a:t>
+            </a:r>
+            <a:r>
+              <a:rPr lang="en-US" b="1" dirty="0" smtClean="0"/>
+              <a:t>,”</a:t>
+            </a:r>
+            <a:endParaRPr lang="en-GB" b="1" dirty="0"/>
+          </a:p>
+        </p:txBody>
+      </p:sp>
+    </p:spTree>
+    <p:extLst>
+      <p:ext uri="{BB962C8B-B14F-4D97-AF65-F5344CB8AC3E}">
+        <p14:creationId xmlns:p14="http://schemas.microsoft.com/office/powerpoint/2010/main" val="1034964430"/>
+      </p:ext>
+    </p:extLst>
+  </p:cSld>
+  <p:clrMapOvr>
+    <a:masterClrMapping/>
+  </p:clrMapOvr>
+</p:sld>
+</file>
+
+<file path=ppt/slides/slide15.xml><?xml version="1.0" encoding="utf-8"?>
+<p:sld xmlns:a="http://schemas.openxmlformats.org/drawingml/2006/main" xmlns:r="http://schemas.openxmlformats.org/officeDocument/2006/relationships" xmlns:p="http://schemas.openxmlformats.org/presentationml/2006/main">
+  <p:cSld>
+    <p:spTree>
+      <p:nvGrpSpPr>
+        <p:cNvPr id="1" name=""/>
+        <p:cNvGrpSpPr/>
+        <p:nvPr/>
+      </p:nvGrpSpPr>
+      <p:grpSpPr>
+        <a:xfrm>
+          <a:off x="0" y="0"/>
+          <a:ext cx="0" cy="0"/>
+          <a:chOff x="0" y="0"/>
+          <a:chExt cx="0" cy="0"/>
+        </a:xfrm>
+      </p:grpSpPr>
+      <p:sp>
+        <p:nvSpPr>
+          <p:cNvPr id="3" name="Content Placeholder 2"/>
+          <p:cNvSpPr>
+            <a:spLocks noGrp="1"/>
+          </p:cNvSpPr>
+          <p:nvPr>
+            <p:ph idx="1"/>
+          </p:nvPr>
+        </p:nvSpPr>
+        <p:spPr>
+          <a:xfrm>
+            <a:off x="609600" y="2057400"/>
+            <a:ext cx="8229600" cy="838200"/>
+          </a:xfrm>
+        </p:spPr>
+        <p:txBody>
+          <a:bodyPr>
+            <a:normAutofit/>
+          </a:bodyPr>
+          <a:lstStyle/>
+          <a:p>
+            <a:pPr marL="0" indent="0">
+              <a:buNone/>
+            </a:pPr>
+            <a:r>
+              <a:rPr lang="en-US" sz="4400" dirty="0" smtClean="0"/>
+              <a:t>	</a:t>
+            </a:r>
+            <a:r>
+              <a:rPr lang="en-US" sz="4400" dirty="0" err="1" smtClean="0"/>
+              <a:t>Nhược</a:t>
+            </a:r>
+            <a:r>
+              <a:rPr lang="en-US" sz="4400" dirty="0" smtClean="0"/>
+              <a:t> </a:t>
+            </a:r>
+            <a:r>
+              <a:rPr lang="en-US" sz="4400" dirty="0" err="1" smtClean="0"/>
+              <a:t>điểm</a:t>
+            </a:r>
+            <a:r>
+              <a:rPr lang="en-US" sz="4400" dirty="0" smtClean="0"/>
+              <a:t> </a:t>
+            </a:r>
+            <a:r>
+              <a:rPr lang="en-US" sz="4400" dirty="0" err="1" smtClean="0"/>
+              <a:t>của</a:t>
+            </a:r>
+            <a:r>
+              <a:rPr lang="en-US" sz="4400" dirty="0" smtClean="0"/>
+              <a:t> String </a:t>
+            </a:r>
+            <a:r>
+              <a:rPr lang="en-US" sz="4400" dirty="0" err="1" smtClean="0"/>
+              <a:t>là</a:t>
+            </a:r>
+            <a:r>
+              <a:rPr lang="en-US" sz="4400" dirty="0" smtClean="0"/>
+              <a:t> </a:t>
+            </a:r>
+            <a:r>
+              <a:rPr lang="en-US" sz="4400" dirty="0" err="1" smtClean="0"/>
+              <a:t>gì</a:t>
+            </a:r>
+            <a:r>
+              <a:rPr lang="en-US" sz="4400" dirty="0" smtClean="0"/>
+              <a:t>?</a:t>
+            </a:r>
+            <a:endParaRPr lang="en-GB" sz="4400" dirty="0"/>
+          </a:p>
+        </p:txBody>
+      </p:sp>
+      <p:sp>
+        <p:nvSpPr>
+          <p:cNvPr id="4" name="Down Arrow 3"/>
+          <p:cNvSpPr/>
+          <p:nvPr/>
+        </p:nvSpPr>
+        <p:spPr>
+          <a:xfrm>
+            <a:off x="3886200" y="2895600"/>
+            <a:ext cx="762000" cy="1219200"/>
+          </a:xfrm>
+          <a:prstGeom prst="downArrow">
+            <a:avLst/>
+          </a:prstGeom>
+        </p:spPr>
+        <p:style>
+          <a:lnRef idx="2">
+            <a:schemeClr val="accent1">
+              <a:shade val="50000"/>
+            </a:schemeClr>
+          </a:lnRef>
+          <a:fillRef idx="1">
+            <a:schemeClr val="accent1"/>
+          </a:fillRef>
+          <a:effectRef idx="0">
+            <a:schemeClr val="accent1"/>
+          </a:effectRef>
+          <a:fontRef idx="minor">
+            <a:schemeClr val="lt1"/>
+          </a:fontRef>
+        </p:style>
+        <p:txBody>
+          <a:bodyPr rtlCol="0" anchor="ctr"/>
+          <a:lstStyle/>
+          <a:p>
+            <a:pPr algn="ctr"/>
+            <a:endParaRPr lang="en-GB"/>
+          </a:p>
+        </p:txBody>
+      </p:sp>
+      <p:sp>
+        <p:nvSpPr>
+          <p:cNvPr id="5" name="TextBox 4"/>
+          <p:cNvSpPr txBox="1"/>
+          <p:nvPr/>
+        </p:nvSpPr>
+        <p:spPr>
+          <a:xfrm>
+            <a:off x="3068795" y="4419600"/>
+            <a:ext cx="2396810" cy="738664"/>
+          </a:xfrm>
+          <a:prstGeom prst="rect">
+            <a:avLst/>
+          </a:prstGeom>
+        </p:spPr>
+        <p:style>
+          <a:lnRef idx="2">
+            <a:schemeClr val="accent3"/>
+          </a:lnRef>
+          <a:fillRef idx="1">
+            <a:schemeClr val="lt1"/>
+          </a:fillRef>
+          <a:effectRef idx="0">
+            <a:schemeClr val="accent3"/>
+          </a:effectRef>
+          <a:fontRef idx="minor">
+            <a:schemeClr val="dk1"/>
+          </a:fontRef>
+        </p:style>
+        <p:txBody>
+          <a:bodyPr wrap="none" rtlCol="0">
+            <a:spAutoFit/>
+          </a:bodyPr>
+          <a:lstStyle/>
+          <a:p>
+            <a:r>
+              <a:rPr lang="en-US" sz="4200" dirty="0" err="1" smtClean="0"/>
+              <a:t>Immuable</a:t>
+            </a:r>
+            <a:endParaRPr lang="en-GB" sz="4200" dirty="0"/>
+          </a:p>
+        </p:txBody>
+      </p:sp>
+      <p:sp>
+        <p:nvSpPr>
+          <p:cNvPr id="6" name="TextBox 5"/>
+          <p:cNvSpPr txBox="1"/>
+          <p:nvPr/>
+        </p:nvSpPr>
+        <p:spPr>
+          <a:xfrm>
+            <a:off x="1295400" y="5943600"/>
+            <a:ext cx="6619120" cy="430887"/>
+          </a:xfrm>
+          <a:prstGeom prst="rect">
+            <a:avLst/>
+          </a:prstGeom>
+          <a:noFill/>
+        </p:spPr>
+        <p:txBody>
+          <a:bodyPr wrap="none" rtlCol="0">
+            <a:spAutoFit/>
+          </a:bodyPr>
+          <a:lstStyle/>
+          <a:p>
+            <a:r>
+              <a:rPr lang="en-US" sz="2200" dirty="0" err="1" smtClean="0"/>
+              <a:t>Nếu</a:t>
+            </a:r>
+            <a:r>
+              <a:rPr lang="en-US" sz="2200" dirty="0" smtClean="0"/>
+              <a:t> </a:t>
+            </a:r>
+            <a:r>
+              <a:rPr lang="en-US" sz="2200" dirty="0" err="1" smtClean="0"/>
+              <a:t>muốn</a:t>
+            </a:r>
+            <a:r>
+              <a:rPr lang="en-US" sz="2200" dirty="0" smtClean="0"/>
+              <a:t> </a:t>
+            </a:r>
+            <a:r>
+              <a:rPr lang="en-US" sz="2200" dirty="0" err="1" smtClean="0"/>
+              <a:t>thay</a:t>
+            </a:r>
+            <a:r>
+              <a:rPr lang="en-US" sz="2200" dirty="0" smtClean="0"/>
+              <a:t> </a:t>
+            </a:r>
+            <a:r>
+              <a:rPr lang="en-US" sz="2200" dirty="0" err="1" smtClean="0"/>
+              <a:t>đổi</a:t>
+            </a:r>
+            <a:r>
+              <a:rPr lang="en-US" sz="2200" dirty="0" smtClean="0"/>
+              <a:t> </a:t>
+            </a:r>
+            <a:r>
+              <a:rPr lang="en-US" sz="2200" dirty="0" err="1" smtClean="0"/>
+              <a:t>phải</a:t>
+            </a:r>
+            <a:r>
+              <a:rPr lang="en-US" sz="2200" dirty="0" smtClean="0"/>
+              <a:t> </a:t>
+            </a:r>
+            <a:r>
+              <a:rPr lang="en-US" sz="2200" dirty="0" err="1" smtClean="0"/>
+              <a:t>khởi</a:t>
+            </a:r>
+            <a:r>
+              <a:rPr lang="en-US" sz="2200" dirty="0" smtClean="0"/>
+              <a:t> </a:t>
+            </a:r>
+            <a:r>
+              <a:rPr lang="en-US" sz="2200" dirty="0" err="1" smtClean="0"/>
+              <a:t>tạo</a:t>
+            </a:r>
+            <a:r>
+              <a:rPr lang="en-US" sz="2200" dirty="0" smtClean="0"/>
+              <a:t> </a:t>
+            </a:r>
+            <a:r>
+              <a:rPr lang="en-US" sz="2200" dirty="0" err="1" smtClean="0"/>
+              <a:t>vùng</a:t>
+            </a:r>
+            <a:r>
+              <a:rPr lang="en-US" sz="2200" dirty="0" smtClean="0"/>
+              <a:t> </a:t>
+            </a:r>
+            <a:r>
+              <a:rPr lang="en-US" sz="2200" dirty="0" err="1" smtClean="0"/>
+              <a:t>nhớ</a:t>
+            </a:r>
+            <a:r>
+              <a:rPr lang="en-US" sz="2200" dirty="0" smtClean="0"/>
+              <a:t> </a:t>
+            </a:r>
+            <a:r>
+              <a:rPr lang="en-US" sz="2200" dirty="0" err="1" smtClean="0"/>
+              <a:t>và</a:t>
+            </a:r>
+            <a:r>
+              <a:rPr lang="en-US" sz="2200" dirty="0" smtClean="0"/>
+              <a:t> </a:t>
+            </a:r>
+            <a:r>
+              <a:rPr lang="en-US" sz="2200" dirty="0" err="1" smtClean="0"/>
+              <a:t>đối</a:t>
+            </a:r>
+            <a:r>
+              <a:rPr lang="en-US" sz="2200" dirty="0" smtClean="0"/>
+              <a:t> </a:t>
+            </a:r>
+            <a:r>
+              <a:rPr lang="en-US" sz="2200" dirty="0" err="1" smtClean="0"/>
+              <a:t>tượng</a:t>
+            </a:r>
+            <a:endParaRPr lang="en-GB" sz="2200" dirty="0"/>
+          </a:p>
+        </p:txBody>
+      </p:sp>
+    </p:spTree>
+    <p:extLst>
+      <p:ext uri="{BB962C8B-B14F-4D97-AF65-F5344CB8AC3E}">
+        <p14:creationId xmlns:p14="http://schemas.microsoft.com/office/powerpoint/2010/main" val="1747510982"/>
+      </p:ext>
+    </p:extLst>
+  </p:cSld>
+  <p:clrMapOvr>
+    <a:masterClrMapping/>
+  </p:clrMapOvr>
+  <p:timing>
+    <p:tnLst>
+      <p:par>
+        <p:cTn id="1" dur="indefinite" restart="never" nodeType="tmRoot">
+          <p:childTnLst>
+            <p:seq concurrent="1" nextAc="seek">
+              <p:cTn id="2" dur="indefinite" nodeType="mainSeq">
+                <p:childTnLst>
+                  <p:par>
+                    <p:cTn id="3" fill="hold">
+                      <p:stCondLst>
+                        <p:cond delay="indefinite"/>
+                      </p:stCondLst>
+                      <p:childTnLst>
+                        <p:par>
+                          <p:cTn id="4" fill="hold">
+                            <p:stCondLst>
+                              <p:cond delay="0"/>
+                            </p:stCondLst>
+                            <p:childTnLst>
+                              <p:par>
+                                <p:cTn id="5" presetID="42" presetClass="entr" presetSubtype="0" fill="hold" grpId="0" nodeType="clickEffect">
+                                  <p:stCondLst>
+                                    <p:cond delay="0"/>
+                                  </p:stCondLst>
+                                  <p:childTnLst>
+                                    <p:set>
+                                      <p:cBhvr>
+                                        <p:cTn id="6" dur="1" fill="hold">
+                                          <p:stCondLst>
+                                            <p:cond delay="0"/>
+                                          </p:stCondLst>
+                                        </p:cTn>
+                                        <p:tgtEl>
+                                          <p:spTgt spid="3">
+                                            <p:txEl>
+                                              <p:pRg st="0" end="0"/>
+                                            </p:txEl>
+                                          </p:spTgt>
+                                        </p:tgtEl>
+                                        <p:attrNameLst>
+                                          <p:attrName>style.visibility</p:attrName>
+                                        </p:attrNameLst>
+                                      </p:cBhvr>
+                                      <p:to>
+                                        <p:strVal val="visible"/>
+                                      </p:to>
+                                    </p:set>
+                                    <p:animEffect transition="in" filter="fade">
+                                      <p:cBhvr>
+                                        <p:cTn id="7" dur="1000"/>
+                                        <p:tgtEl>
+                                          <p:spTgt spid="3">
+                                            <p:txEl>
+                                              <p:pRg st="0" end="0"/>
+                                            </p:txEl>
+                                          </p:spTgt>
+                                        </p:tgtEl>
+                                      </p:cBhvr>
+                                    </p:animEffect>
+                                    <p:anim calcmode="lin" valueType="num">
+                                      <p:cBhvr>
+                                        <p:cTn id="8" dur="1000" fill="hold"/>
+                                        <p:tgtEl>
+                                          <p:spTgt spid="3">
+                                            <p:txEl>
+                                              <p:pRg st="0" end="0"/>
+                                            </p:txEl>
+                                          </p:spTgt>
+                                        </p:tgtEl>
+                                        <p:attrNameLst>
+                                          <p:attrName>ppt_x</p:attrName>
+                                        </p:attrNameLst>
+                                      </p:cBhvr>
+                                      <p:tavLst>
+                                        <p:tav tm="0">
+                                          <p:val>
+                                            <p:strVal val="#ppt_x"/>
+                                          </p:val>
+                                        </p:tav>
+                                        <p:tav tm="100000">
+                                          <p:val>
+                                            <p:strVal val="#ppt_x"/>
+                                          </p:val>
+                                        </p:tav>
+                                      </p:tavLst>
+                                    </p:anim>
+                                    <p:anim calcmode="lin" valueType="num">
+                                      <p:cBhvr>
+                                        <p:cTn id="9" dur="1000" fill="hold"/>
+                                        <p:tgtEl>
+                                          <p:spTgt spid="3">
+                                            <p:txEl>
+                                              <p:pRg st="0" end="0"/>
+                                            </p:txEl>
+                                          </p:spTgt>
+                                        </p:tgtEl>
+                                        <p:attrNameLst>
+                                          <p:attrName>ppt_y</p:attrName>
+                                        </p:attrNameLst>
+                                      </p:cBhvr>
+                                      <p:tavLst>
+                                        <p:tav tm="0">
+                                          <p:val>
+                                            <p:strVal val="#ppt_y+.1"/>
+                                          </p:val>
+                                        </p:tav>
+                                        <p:tav tm="100000">
+                                          <p:val>
+                                            <p:strVal val="#ppt_y"/>
+                                          </p:val>
+                                        </p:tav>
+                                      </p:tavLst>
+                                    </p:anim>
+                                  </p:childTnLst>
+                                </p:cTn>
+                              </p:par>
+                            </p:childTnLst>
+                          </p:cTn>
+                        </p:par>
+                      </p:childTnLst>
+                    </p:cTn>
+                  </p:par>
+                  <p:par>
+                    <p:cTn id="10" fill="hold">
+                      <p:stCondLst>
+                        <p:cond delay="indefinite"/>
+                      </p:stCondLst>
+                      <p:childTnLst>
+                        <p:par>
+                          <p:cTn id="11" fill="hold">
+                            <p:stCondLst>
+                              <p:cond delay="0"/>
+                            </p:stCondLst>
+                            <p:childTnLst>
+                              <p:par>
+                                <p:cTn id="12" presetID="42" presetClass="entr" presetSubtype="0" fill="hold" grpId="0" nodeType="clickEffect">
+                                  <p:stCondLst>
+                                    <p:cond delay="0"/>
+                                  </p:stCondLst>
+                                  <p:childTnLst>
+                                    <p:set>
+                                      <p:cBhvr>
+                                        <p:cTn id="13" dur="1" fill="hold">
+                                          <p:stCondLst>
+                                            <p:cond delay="0"/>
+                                          </p:stCondLst>
+                                        </p:cTn>
+                                        <p:tgtEl>
+                                          <p:spTgt spid="4"/>
+                                        </p:tgtEl>
+                                        <p:attrNameLst>
+                                          <p:attrName>style.visibility</p:attrName>
+                                        </p:attrNameLst>
+                                      </p:cBhvr>
+                                      <p:to>
+                                        <p:strVal val="visible"/>
+                                      </p:to>
+                                    </p:set>
+                                    <p:animEffect transition="in" filter="fade">
+                                      <p:cBhvr>
+                                        <p:cTn id="14" dur="1000"/>
+                                        <p:tgtEl>
+                                          <p:spTgt spid="4"/>
+                                        </p:tgtEl>
+                                      </p:cBhvr>
+                                    </p:animEffect>
+                                    <p:anim calcmode="lin" valueType="num">
+                                      <p:cBhvr>
+                                        <p:cTn id="15" dur="1000" fill="hold"/>
+                                        <p:tgtEl>
+                                          <p:spTgt spid="4"/>
+                                        </p:tgtEl>
+                                        <p:attrNameLst>
+                                          <p:attrName>ppt_x</p:attrName>
+                                        </p:attrNameLst>
+                                      </p:cBhvr>
+                                      <p:tavLst>
+                                        <p:tav tm="0">
+                                          <p:val>
+                                            <p:strVal val="#ppt_x"/>
+                                          </p:val>
+                                        </p:tav>
+                                        <p:tav tm="100000">
+                                          <p:val>
+                                            <p:strVal val="#ppt_x"/>
+                                          </p:val>
+                                        </p:tav>
+                                      </p:tavLst>
+                                    </p:anim>
+                                    <p:anim calcmode="lin" valueType="num">
+                                      <p:cBhvr>
+                                        <p:cTn id="16" dur="1000" fill="hold"/>
+                                        <p:tgtEl>
+                                          <p:spTgt spid="4"/>
+                                        </p:tgtEl>
+                                        <p:attrNameLst>
+                                          <p:attrName>ppt_y</p:attrName>
+                                        </p:attrNameLst>
+                                      </p:cBhvr>
+                                      <p:tavLst>
+                                        <p:tav tm="0">
+                                          <p:val>
+                                            <p:strVal val="#ppt_y+.1"/>
+                                          </p:val>
+                                        </p:tav>
+                                        <p:tav tm="100000">
+                                          <p:val>
+                                            <p:strVal val="#ppt_y"/>
+                                          </p:val>
+                                        </p:tav>
+                                      </p:tavLst>
+                                    </p:anim>
+                                  </p:childTnLst>
+                                </p:cTn>
+                              </p:par>
+                              <p:par>
+                                <p:cTn id="17" presetID="42" presetClass="entr" presetSubtype="0" fill="hold" grpId="0" nodeType="withEffect">
+                                  <p:stCondLst>
+                                    <p:cond delay="0"/>
+                                  </p:stCondLst>
+                                  <p:childTnLst>
+                                    <p:set>
+                                      <p:cBhvr>
+                                        <p:cTn id="18" dur="1" fill="hold">
+                                          <p:stCondLst>
+                                            <p:cond delay="0"/>
+                                          </p:stCondLst>
+                                        </p:cTn>
+                                        <p:tgtEl>
+                                          <p:spTgt spid="5"/>
+                                        </p:tgtEl>
+                                        <p:attrNameLst>
+                                          <p:attrName>style.visibility</p:attrName>
+                                        </p:attrNameLst>
+                                      </p:cBhvr>
+                                      <p:to>
+                                        <p:strVal val="visible"/>
+                                      </p:to>
+                                    </p:set>
+                                    <p:animEffect transition="in" filter="fade">
+                                      <p:cBhvr>
+                                        <p:cTn id="19" dur="1000"/>
+                                        <p:tgtEl>
+                                          <p:spTgt spid="5"/>
+                                        </p:tgtEl>
+                                      </p:cBhvr>
+                                    </p:animEffect>
+                                    <p:anim calcmode="lin" valueType="num">
+                                      <p:cBhvr>
+                                        <p:cTn id="20" dur="1000" fill="hold"/>
+                                        <p:tgtEl>
+                                          <p:spTgt spid="5"/>
+                                        </p:tgtEl>
+                                        <p:attrNameLst>
+                                          <p:attrName>ppt_x</p:attrName>
+                                        </p:attrNameLst>
+                                      </p:cBhvr>
+                                      <p:tavLst>
+                                        <p:tav tm="0">
+                                          <p:val>
+                                            <p:strVal val="#ppt_x"/>
+                                          </p:val>
+                                        </p:tav>
+                                        <p:tav tm="100000">
+                                          <p:val>
+                                            <p:strVal val="#ppt_x"/>
+                                          </p:val>
+                                        </p:tav>
+                                      </p:tavLst>
+                                    </p:anim>
+                                    <p:anim calcmode="lin" valueType="num">
+                                      <p:cBhvr>
+                                        <p:cTn id="21" dur="1000" fill="hold"/>
+                                        <p:tgtEl>
+                                          <p:spTgt spid="5"/>
+                                        </p:tgtEl>
+                                        <p:attrNameLst>
+                                          <p:attrName>ppt_y</p:attrName>
+                                        </p:attrNameLst>
+                                      </p:cBhvr>
+                                      <p:tavLst>
+                                        <p:tav tm="0">
+                                          <p:val>
+                                            <p:strVal val="#ppt_y+.1"/>
+                                          </p:val>
+                                        </p:tav>
+                                        <p:tav tm="100000">
+                                          <p:val>
+                                            <p:strVal val="#ppt_y"/>
+                                          </p:val>
+                                        </p:tav>
+                                      </p:tavLst>
+                                    </p:anim>
+                                  </p:childTnLst>
+                                </p:cTn>
+                              </p:par>
+                            </p:childTnLst>
+                          </p:cTn>
+                        </p:par>
+                      </p:childTnLst>
+                    </p:cTn>
+                  </p:par>
+                  <p:par>
+                    <p:cTn id="22" fill="hold">
+                      <p:stCondLst>
+                        <p:cond delay="indefinite"/>
+                      </p:stCondLst>
+                      <p:childTnLst>
+                        <p:par>
+                          <p:cTn id="23" fill="hold">
+                            <p:stCondLst>
+                              <p:cond delay="0"/>
+                            </p:stCondLst>
+                            <p:childTnLst>
+                              <p:par>
+                                <p:cTn id="24" presetID="42" presetClass="entr" presetSubtype="0" fill="hold" grpId="0" nodeType="clickEffect">
+                                  <p:stCondLst>
+                                    <p:cond delay="0"/>
+                                  </p:stCondLst>
+                                  <p:childTnLst>
+                                    <p:set>
+                                      <p:cBhvr>
+                                        <p:cTn id="25" dur="1" fill="hold">
+                                          <p:stCondLst>
+                                            <p:cond delay="0"/>
+                                          </p:stCondLst>
+                                        </p:cTn>
+                                        <p:tgtEl>
+                                          <p:spTgt spid="6"/>
+                                        </p:tgtEl>
+                                        <p:attrNameLst>
+                                          <p:attrName>style.visibility</p:attrName>
+                                        </p:attrNameLst>
+                                      </p:cBhvr>
+                                      <p:to>
+                                        <p:strVal val="visible"/>
+                                      </p:to>
+                                    </p:set>
+                                    <p:animEffect transition="in" filter="fade">
+                                      <p:cBhvr>
+                                        <p:cTn id="26" dur="1000"/>
+                                        <p:tgtEl>
+                                          <p:spTgt spid="6"/>
+                                        </p:tgtEl>
+                                      </p:cBhvr>
+                                    </p:animEffect>
+                                    <p:anim calcmode="lin" valueType="num">
+                                      <p:cBhvr>
+                                        <p:cTn id="27" dur="1000" fill="hold"/>
+                                        <p:tgtEl>
+                                          <p:spTgt spid="6"/>
+                                        </p:tgtEl>
+                                        <p:attrNameLst>
+                                          <p:attrName>ppt_x</p:attrName>
+                                        </p:attrNameLst>
+                                      </p:cBhvr>
+                                      <p:tavLst>
+                                        <p:tav tm="0">
+                                          <p:val>
+                                            <p:strVal val="#ppt_x"/>
+                                          </p:val>
+                                        </p:tav>
+                                        <p:tav tm="100000">
+                                          <p:val>
+                                            <p:strVal val="#ppt_x"/>
+                                          </p:val>
+                                        </p:tav>
+                                      </p:tavLst>
+                                    </p:anim>
+                                    <p:anim calcmode="lin" valueType="num">
+                                      <p:cBhvr>
+                                        <p:cTn id="28" dur="1000" fill="hold"/>
+                                        <p:tgtEl>
+                                          <p:spTgt spid="6"/>
+                                        </p:tgtEl>
+                                        <p:attrNameLst>
+                                          <p:attrName>ppt_y</p:attrName>
+                                        </p:attrNameLst>
+                                      </p:cBhvr>
+                                      <p:tavLst>
+                                        <p:tav tm="0">
+                                          <p:val>
+                                            <p:strVal val="#ppt_y+.1"/>
+                                          </p:val>
+                                        </p:tav>
+                                        <p:tav tm="100000">
+                                          <p:val>
+                                            <p:strVal val="#ppt_y"/>
+                                          </p:val>
+                                        </p:tav>
+                                      </p:tavLst>
+                                    </p:anim>
+                                  </p:childTnLst>
+                                </p:cTn>
+                              </p:par>
+                            </p:childTnLst>
+                          </p:cTn>
+                        </p:par>
+                      </p:childTnLst>
+                    </p:cTn>
+                  </p:par>
+                </p:childTnLst>
+              </p:cTn>
+              <p:prevCondLst>
+                <p:cond evt="onPrev" delay="0">
+                  <p:tgtEl>
+                    <p:sldTgt/>
+                  </p:tgtEl>
+                </p:cond>
+              </p:prevCondLst>
+              <p:nextCondLst>
+                <p:cond evt="onNext" delay="0">
+                  <p:tgtEl>
+                    <p:sldTgt/>
+                  </p:tgtEl>
+                </p:cond>
+              </p:nextCondLst>
+            </p:seq>
+          </p:childTnLst>
+        </p:cTn>
+      </p:par>
+    </p:tnLst>
+    <p:bldLst>
+      <p:bldP spid="3" grpId="0" build="p"/>
+      <p:bldP spid="4" grpId="0" animBg="1"/>
+      <p:bldP spid="5" grpId="0" animBg="1"/>
+      <p:bldP spid="6" grpId="0"/>
+    </p:bldLst>
+  </p:timing>
+</p:sld>
+</file>
+
+<file path=ppt/slides/slide16.xml><?xml version="1.0" encoding="utf-8"?>
+<p:sld xmlns:a="http://schemas.openxmlformats.org/drawingml/2006/main" xmlns:r="http://schemas.openxmlformats.org/officeDocument/2006/relationships" xmlns:p="http://schemas.openxmlformats.org/presentationml/2006/main">
+  <p:cSld>
+    <p:spTree>
+      <p:nvGrpSpPr>
+        <p:cNvPr id="1" name=""/>
+        <p:cNvGrpSpPr/>
+        <p:nvPr/>
+      </p:nvGrpSpPr>
+      <p:grpSpPr>
+        <a:xfrm>
+          <a:off x="0" y="0"/>
+          <a:ext cx="0" cy="0"/>
+          <a:chOff x="0" y="0"/>
+          <a:chExt cx="0" cy="0"/>
+        </a:xfrm>
+      </p:grpSpPr>
+      <p:sp>
+        <p:nvSpPr>
+          <p:cNvPr id="2" name="Title 1"/>
+          <p:cNvSpPr>
+            <a:spLocks noGrp="1"/>
+          </p:cNvSpPr>
+          <p:nvPr>
+            <p:ph type="title"/>
+          </p:nvPr>
+        </p:nvSpPr>
+        <p:spPr/>
+        <p:txBody>
+          <a:bodyPr/>
+          <a:lstStyle/>
+          <a:p>
+            <a:r>
+              <a:rPr lang="en-US" dirty="0" smtClean="0"/>
+              <a:t>Abstract String Builder</a:t>
+            </a:r>
+            <a:endParaRPr lang="en-GB" dirty="0"/>
+          </a:p>
+        </p:txBody>
+      </p:sp>
+      <p:sp>
+        <p:nvSpPr>
+          <p:cNvPr id="4" name="TextBox 3"/>
+          <p:cNvSpPr txBox="1"/>
+          <p:nvPr/>
+        </p:nvSpPr>
+        <p:spPr>
+          <a:xfrm>
+            <a:off x="609600" y="5817512"/>
+            <a:ext cx="7537128" cy="430887"/>
+          </a:xfrm>
+          <a:prstGeom prst="rect">
+            <a:avLst/>
+          </a:prstGeom>
+          <a:noFill/>
+        </p:spPr>
+        <p:txBody>
+          <a:bodyPr wrap="none" rtlCol="0">
+            <a:spAutoFit/>
+          </a:bodyPr>
+          <a:lstStyle/>
+          <a:p>
+            <a:r>
+              <a:rPr lang="en-US" sz="2200" dirty="0" smtClean="0"/>
+              <a:t>String Builder </a:t>
+            </a:r>
+            <a:r>
+              <a:rPr lang="en-US" sz="2200" dirty="0" err="1" smtClean="0"/>
+              <a:t>và</a:t>
+            </a:r>
+            <a:r>
+              <a:rPr lang="en-US" sz="2200" dirty="0" smtClean="0"/>
+              <a:t> String Buffer </a:t>
+            </a:r>
+            <a:r>
+              <a:rPr lang="en-US" sz="2200" dirty="0" err="1" smtClean="0"/>
+              <a:t>đều</a:t>
+            </a:r>
+            <a:r>
+              <a:rPr lang="en-US" sz="2200" dirty="0" smtClean="0"/>
+              <a:t> </a:t>
+            </a:r>
+            <a:r>
+              <a:rPr lang="en-US" sz="2200" dirty="0" err="1" smtClean="0"/>
+              <a:t>có</a:t>
+            </a:r>
+            <a:r>
+              <a:rPr lang="en-US" sz="2200" dirty="0" smtClean="0"/>
+              <a:t> </a:t>
+            </a:r>
+            <a:r>
+              <a:rPr lang="en-US" sz="2200" dirty="0" err="1" smtClean="0"/>
+              <a:t>hàm</a:t>
+            </a:r>
+            <a:r>
+              <a:rPr lang="en-US" sz="2200" dirty="0" smtClean="0"/>
+              <a:t> append </a:t>
+            </a:r>
+            <a:r>
+              <a:rPr lang="en-US" sz="2200" dirty="0" err="1" smtClean="0"/>
+              <a:t>để</a:t>
+            </a:r>
+            <a:r>
+              <a:rPr lang="en-US" sz="2200" dirty="0" smtClean="0"/>
+              <a:t> </a:t>
+            </a:r>
+            <a:r>
+              <a:rPr lang="en-US" sz="2200" dirty="0" err="1" smtClean="0"/>
+              <a:t>tăng</a:t>
+            </a:r>
+            <a:r>
+              <a:rPr lang="en-US" sz="2200" dirty="0" smtClean="0"/>
+              <a:t> </a:t>
+            </a:r>
+            <a:r>
+              <a:rPr lang="en-US" sz="2200" dirty="0" err="1" smtClean="0"/>
+              <a:t>độ</a:t>
+            </a:r>
+            <a:r>
+              <a:rPr lang="en-US" sz="2200" dirty="0" smtClean="0"/>
+              <a:t> </a:t>
+            </a:r>
+            <a:r>
+              <a:rPr lang="en-US" sz="2200" dirty="0" err="1" smtClean="0"/>
+              <a:t>dài</a:t>
+            </a:r>
+            <a:endParaRPr lang="en-GB" sz="2200" dirty="0"/>
+          </a:p>
+        </p:txBody>
+      </p:sp>
+      <p:sp>
+        <p:nvSpPr>
+          <p:cNvPr id="6" name="Rectangle 5"/>
+          <p:cNvSpPr/>
+          <p:nvPr/>
+        </p:nvSpPr>
+        <p:spPr>
+          <a:xfrm>
+            <a:off x="2667000" y="1831074"/>
+            <a:ext cx="2725745" cy="1066800"/>
+          </a:xfrm>
+          <a:prstGeom prst="rect">
+            <a:avLst/>
+          </a:prstGeom>
+        </p:spPr>
+        <p:style>
+          <a:lnRef idx="2">
+            <a:schemeClr val="accent1">
+              <a:shade val="50000"/>
+            </a:schemeClr>
+          </a:lnRef>
+          <a:fillRef idx="1">
+            <a:schemeClr val="accent1"/>
+          </a:fillRef>
+          <a:effectRef idx="0">
+            <a:schemeClr val="accent1"/>
+          </a:effectRef>
+          <a:fontRef idx="minor">
+            <a:schemeClr val="lt1"/>
+          </a:fontRef>
+        </p:style>
+        <p:txBody>
+          <a:bodyPr rtlCol="0" anchor="ctr"/>
+          <a:lstStyle/>
+          <a:p>
+            <a:pPr algn="ctr"/>
+            <a:r>
+              <a:rPr lang="en-US" dirty="0" err="1" smtClean="0"/>
+              <a:t>AbstractStringBuilder</a:t>
+            </a:r>
+            <a:endParaRPr lang="en-GB" dirty="0"/>
+          </a:p>
+        </p:txBody>
+      </p:sp>
+      <p:cxnSp>
+        <p:nvCxnSpPr>
+          <p:cNvPr id="8" name="Straight Arrow Connector 7"/>
+          <p:cNvCxnSpPr>
+            <a:stCxn id="6" idx="2"/>
+            <a:endCxn id="11" idx="0"/>
+          </p:cNvCxnSpPr>
+          <p:nvPr/>
+        </p:nvCxnSpPr>
+        <p:spPr>
+          <a:xfrm flipH="1">
+            <a:off x="3354395" y="2897874"/>
+            <a:ext cx="675478" cy="838200"/>
+          </a:xfrm>
+          <a:prstGeom prst="straightConnector1">
+            <a:avLst/>
+          </a:prstGeom>
+          <a:ln>
+            <a:tailEnd type="arrow"/>
+          </a:ln>
+        </p:spPr>
+        <p:style>
+          <a:lnRef idx="1">
+            <a:schemeClr val="accent1"/>
+          </a:lnRef>
+          <a:fillRef idx="0">
+            <a:schemeClr val="accent1"/>
+          </a:fillRef>
+          <a:effectRef idx="0">
+            <a:schemeClr val="accent1"/>
+          </a:effectRef>
+          <a:fontRef idx="minor">
+            <a:schemeClr val="tx1"/>
+          </a:fontRef>
+        </p:style>
+      </p:cxnSp>
+      <p:cxnSp>
+        <p:nvCxnSpPr>
+          <p:cNvPr id="10" name="Straight Arrow Connector 9"/>
+          <p:cNvCxnSpPr>
+            <a:stCxn id="6" idx="2"/>
+            <a:endCxn id="14" idx="0"/>
+          </p:cNvCxnSpPr>
+          <p:nvPr/>
+        </p:nvCxnSpPr>
+        <p:spPr>
+          <a:xfrm>
+            <a:off x="4029873" y="2897874"/>
+            <a:ext cx="1689281" cy="797257"/>
+          </a:xfrm>
+          <a:prstGeom prst="straightConnector1">
+            <a:avLst/>
+          </a:prstGeom>
+          <a:ln>
+            <a:tailEnd type="arrow"/>
+          </a:ln>
+        </p:spPr>
+        <p:style>
+          <a:lnRef idx="1">
+            <a:schemeClr val="accent1"/>
+          </a:lnRef>
+          <a:fillRef idx="0">
+            <a:schemeClr val="accent1"/>
+          </a:fillRef>
+          <a:effectRef idx="0">
+            <a:schemeClr val="accent1"/>
+          </a:effectRef>
+          <a:fontRef idx="minor">
+            <a:schemeClr val="tx1"/>
+          </a:fontRef>
+        </p:style>
+      </p:cxnSp>
+      <p:sp>
+        <p:nvSpPr>
+          <p:cNvPr id="11" name="Rectangle 10"/>
+          <p:cNvSpPr/>
+          <p:nvPr/>
+        </p:nvSpPr>
+        <p:spPr>
+          <a:xfrm>
+            <a:off x="2420945" y="3736074"/>
+            <a:ext cx="1866900" cy="1143000"/>
+          </a:xfrm>
+          <a:prstGeom prst="rect">
+            <a:avLst/>
+          </a:prstGeom>
+        </p:spPr>
+        <p:style>
+          <a:lnRef idx="2">
+            <a:schemeClr val="accent1">
+              <a:shade val="50000"/>
+            </a:schemeClr>
+          </a:lnRef>
+          <a:fillRef idx="1">
+            <a:schemeClr val="accent1"/>
+          </a:fillRef>
+          <a:effectRef idx="0">
+            <a:schemeClr val="accent1"/>
+          </a:effectRef>
+          <a:fontRef idx="minor">
+            <a:schemeClr val="lt1"/>
+          </a:fontRef>
+        </p:style>
+        <p:txBody>
+          <a:bodyPr rtlCol="0" anchor="ctr"/>
+          <a:lstStyle/>
+          <a:p>
+            <a:pPr algn="ctr"/>
+            <a:r>
+              <a:rPr lang="en-US" dirty="0" err="1" smtClean="0"/>
+              <a:t>StringBuilder</a:t>
+            </a:r>
+            <a:endParaRPr lang="en-GB" dirty="0"/>
+          </a:p>
+        </p:txBody>
+      </p:sp>
+      <p:sp>
+        <p:nvSpPr>
+          <p:cNvPr id="14" name="Rectangle 13"/>
+          <p:cNvSpPr/>
+          <p:nvPr/>
+        </p:nvSpPr>
+        <p:spPr>
+          <a:xfrm>
+            <a:off x="4785704" y="3695131"/>
+            <a:ext cx="1866900" cy="1143000"/>
+          </a:xfrm>
+          <a:prstGeom prst="rect">
+            <a:avLst/>
+          </a:prstGeom>
+        </p:spPr>
+        <p:style>
+          <a:lnRef idx="2">
+            <a:schemeClr val="accent1">
+              <a:shade val="50000"/>
+            </a:schemeClr>
+          </a:lnRef>
+          <a:fillRef idx="1">
+            <a:schemeClr val="accent1"/>
+          </a:fillRef>
+          <a:effectRef idx="0">
+            <a:schemeClr val="accent1"/>
+          </a:effectRef>
+          <a:fontRef idx="minor">
+            <a:schemeClr val="lt1"/>
+          </a:fontRef>
+        </p:style>
+        <p:txBody>
+          <a:bodyPr rtlCol="0" anchor="ctr"/>
+          <a:lstStyle/>
+          <a:p>
+            <a:pPr algn="ctr"/>
+            <a:r>
+              <a:rPr lang="en-US" dirty="0" err="1" smtClean="0"/>
+              <a:t>StringBuffer</a:t>
+            </a:r>
+            <a:endParaRPr lang="en-GB" dirty="0"/>
+          </a:p>
+        </p:txBody>
+      </p:sp>
+      <p:cxnSp>
+        <p:nvCxnSpPr>
+          <p:cNvPr id="16" name="Straight Arrow Connector 15"/>
+          <p:cNvCxnSpPr>
+            <a:stCxn id="6" idx="3"/>
+          </p:cNvCxnSpPr>
+          <p:nvPr/>
+        </p:nvCxnSpPr>
+        <p:spPr>
+          <a:xfrm>
+            <a:off x="5392745" y="2364474"/>
+            <a:ext cx="1084255" cy="0"/>
+          </a:xfrm>
+          <a:prstGeom prst="straightConnector1">
+            <a:avLst/>
+          </a:prstGeom>
+          <a:ln>
+            <a:tailEnd type="arrow"/>
+          </a:ln>
+        </p:spPr>
+        <p:style>
+          <a:lnRef idx="1">
+            <a:schemeClr val="accent1"/>
+          </a:lnRef>
+          <a:fillRef idx="0">
+            <a:schemeClr val="accent1"/>
+          </a:fillRef>
+          <a:effectRef idx="0">
+            <a:schemeClr val="accent1"/>
+          </a:effectRef>
+          <a:fontRef idx="minor">
+            <a:schemeClr val="tx1"/>
+          </a:fontRef>
+        </p:style>
+      </p:cxnSp>
+      <p:sp>
+        <p:nvSpPr>
+          <p:cNvPr id="17" name="Oval 16"/>
+          <p:cNvSpPr/>
+          <p:nvPr/>
+        </p:nvSpPr>
+        <p:spPr>
+          <a:xfrm>
+            <a:off x="6652604" y="1831074"/>
+            <a:ext cx="1500796" cy="1066800"/>
+          </a:xfrm>
+          <a:prstGeom prst="ellipse">
+            <a:avLst/>
+          </a:prstGeom>
+        </p:spPr>
+        <p:style>
+          <a:lnRef idx="2">
+            <a:schemeClr val="accent1">
+              <a:shade val="50000"/>
+            </a:schemeClr>
+          </a:lnRef>
+          <a:fillRef idx="1">
+            <a:schemeClr val="accent1"/>
+          </a:fillRef>
+          <a:effectRef idx="0">
+            <a:schemeClr val="accent1"/>
+          </a:effectRef>
+          <a:fontRef idx="minor">
+            <a:schemeClr val="lt1"/>
+          </a:fontRef>
+        </p:style>
+        <p:txBody>
+          <a:bodyPr rtlCol="0" anchor="ctr"/>
+          <a:lstStyle/>
+          <a:p>
+            <a:pPr algn="ctr"/>
+            <a:r>
+              <a:rPr lang="en-US" dirty="0" smtClean="0"/>
+              <a:t>append value</a:t>
+            </a:r>
+            <a:endParaRPr lang="en-GB" dirty="0"/>
+          </a:p>
+        </p:txBody>
+      </p:sp>
+    </p:spTree>
+    <p:extLst>
+      <p:ext uri="{BB962C8B-B14F-4D97-AF65-F5344CB8AC3E}">
+        <p14:creationId xmlns:p14="http://schemas.microsoft.com/office/powerpoint/2010/main" val="2583423397"/>
+      </p:ext>
+    </p:extLst>
+  </p:cSld>
+  <p:clrMapOvr>
+    <a:masterClrMapping/>
+  </p:clrMapOvr>
+  <p:timing>
+    <p:tnLst>
+      <p:par>
+        <p:cTn id="1" dur="indefinite" restart="never" nodeType="tmRoot"/>
+      </p:par>
+    </p:tnLst>
+  </p:timing>
+</p:sld>
+</file>
+
+<file path=ppt/slides/slide17.xml><?xml version="1.0" encoding="utf-8"?>
+<p:sld xmlns:a="http://schemas.openxmlformats.org/drawingml/2006/main" xmlns:r="http://schemas.openxmlformats.org/officeDocument/2006/relationships" xmlns:p="http://schemas.openxmlformats.org/presentationml/2006/main">
+  <p:cSld>
+    <p:spTree>
+      <p:nvGrpSpPr>
+        <p:cNvPr id="1" name=""/>
+        <p:cNvGrpSpPr/>
+        <p:nvPr/>
+      </p:nvGrpSpPr>
+      <p:grpSpPr>
+        <a:xfrm>
+          <a:off x="0" y="0"/>
+          <a:ext cx="0" cy="0"/>
+          <a:chOff x="0" y="0"/>
+          <a:chExt cx="0" cy="0"/>
+        </a:xfrm>
+      </p:grpSpPr>
+      <p:sp>
+        <p:nvSpPr>
+          <p:cNvPr id="2" name="Title 1"/>
+          <p:cNvSpPr>
+            <a:spLocks noGrp="1"/>
+          </p:cNvSpPr>
+          <p:nvPr>
+            <p:ph type="title"/>
+          </p:nvPr>
+        </p:nvSpPr>
+        <p:spPr/>
+        <p:txBody>
+          <a:bodyPr/>
+          <a:lstStyle/>
+          <a:p>
+            <a:r>
+              <a:rPr lang="en-US" dirty="0" err="1" smtClean="0"/>
+              <a:t>StringBuffer</a:t>
+            </a:r>
+            <a:r>
+              <a:rPr lang="en-US" dirty="0" smtClean="0"/>
+              <a:t> </a:t>
+            </a:r>
+            <a:r>
+              <a:rPr lang="en-US" dirty="0" err="1" smtClean="0"/>
+              <a:t>và</a:t>
+            </a:r>
+            <a:r>
+              <a:rPr lang="en-US" dirty="0" smtClean="0"/>
+              <a:t> </a:t>
+            </a:r>
+            <a:r>
+              <a:rPr lang="en-US" dirty="0" err="1" smtClean="0"/>
+              <a:t>StringBuilder</a:t>
+            </a:r>
+            <a:endParaRPr lang="en-GB" dirty="0"/>
+          </a:p>
+        </p:txBody>
+      </p:sp>
+      <p:sp>
+        <p:nvSpPr>
+          <p:cNvPr id="3" name="Content Placeholder 2"/>
+          <p:cNvSpPr>
+            <a:spLocks noGrp="1"/>
+          </p:cNvSpPr>
+          <p:nvPr>
+            <p:ph idx="1"/>
+          </p:nvPr>
+        </p:nvSpPr>
+        <p:spPr/>
+        <p:txBody>
+          <a:bodyPr>
+            <a:normAutofit lnSpcReduction="10000"/>
+          </a:bodyPr>
+          <a:lstStyle/>
+          <a:p>
+            <a:r>
+              <a:rPr lang="en-US" dirty="0" err="1" smtClean="0"/>
+              <a:t>Hỗ</a:t>
+            </a:r>
+            <a:r>
+              <a:rPr lang="en-US" dirty="0" smtClean="0"/>
+              <a:t> </a:t>
+            </a:r>
+            <a:r>
+              <a:rPr lang="en-US" dirty="0" err="1" smtClean="0"/>
+              <a:t>trợ</a:t>
+            </a:r>
+            <a:r>
+              <a:rPr lang="en-US" dirty="0" smtClean="0"/>
+              <a:t> </a:t>
+            </a:r>
+            <a:r>
+              <a:rPr lang="en-US" dirty="0" err="1" smtClean="0"/>
+              <a:t>đa</a:t>
+            </a:r>
+            <a:r>
+              <a:rPr lang="en-US" dirty="0" smtClean="0"/>
+              <a:t> </a:t>
+            </a:r>
+            <a:r>
+              <a:rPr lang="en-US" dirty="0" err="1" smtClean="0"/>
+              <a:t>luồng</a:t>
+            </a:r>
+            <a:endParaRPr lang="en-US" dirty="0" smtClean="0"/>
+          </a:p>
+          <a:p>
+            <a:r>
+              <a:rPr lang="en-US" dirty="0" err="1" smtClean="0"/>
+              <a:t>Khởi</a:t>
+            </a:r>
+            <a:r>
+              <a:rPr lang="en-US" dirty="0" smtClean="0"/>
+              <a:t> </a:t>
+            </a:r>
+            <a:r>
+              <a:rPr lang="en-US" dirty="0" err="1" smtClean="0"/>
+              <a:t>tạo</a:t>
+            </a:r>
+            <a:r>
+              <a:rPr lang="en-US" dirty="0" smtClean="0"/>
+              <a:t> </a:t>
+            </a:r>
+            <a:r>
+              <a:rPr lang="en-US" dirty="0" err="1" smtClean="0"/>
+              <a:t>bởi</a:t>
+            </a:r>
+            <a:r>
+              <a:rPr lang="en-US" dirty="0" smtClean="0"/>
+              <a:t> new </a:t>
+            </a:r>
+            <a:r>
+              <a:rPr lang="en-US" dirty="0" err="1" smtClean="0"/>
+              <a:t>và</a:t>
+            </a:r>
+            <a:r>
+              <a:rPr lang="en-US" dirty="0" smtClean="0"/>
+              <a:t> </a:t>
+            </a:r>
+            <a:r>
+              <a:rPr lang="en-US" b="1" dirty="0" err="1" smtClean="0"/>
+              <a:t>muable</a:t>
+            </a:r>
+            <a:r>
+              <a:rPr lang="en-US" b="1" dirty="0" smtClean="0"/>
+              <a:t> (</a:t>
+            </a:r>
+            <a:r>
+              <a:rPr lang="en-US" dirty="0" err="1" smtClean="0"/>
+              <a:t>khắc</a:t>
+            </a:r>
+            <a:r>
+              <a:rPr lang="en-US" dirty="0" smtClean="0"/>
+              <a:t> </a:t>
+            </a:r>
+            <a:r>
+              <a:rPr lang="en-US" dirty="0" err="1" smtClean="0"/>
+              <a:t>phục</a:t>
+            </a:r>
+            <a:r>
+              <a:rPr lang="en-US" dirty="0" smtClean="0"/>
+              <a:t> </a:t>
+            </a:r>
+            <a:r>
+              <a:rPr lang="en-US" dirty="0" err="1" smtClean="0"/>
+              <a:t>nhược</a:t>
+            </a:r>
+            <a:r>
+              <a:rPr lang="en-US" dirty="0" smtClean="0"/>
+              <a:t> </a:t>
+            </a:r>
+            <a:r>
+              <a:rPr lang="en-US" dirty="0" err="1" smtClean="0"/>
+              <a:t>điểm</a:t>
+            </a:r>
+            <a:r>
+              <a:rPr lang="en-US" dirty="0" smtClean="0"/>
+              <a:t> </a:t>
+            </a:r>
+            <a:r>
+              <a:rPr lang="en-US" b="1" dirty="0" smtClean="0"/>
+              <a:t>String)</a:t>
+            </a:r>
+          </a:p>
+          <a:p>
+            <a:r>
+              <a:rPr lang="en-US" dirty="0" err="1" smtClean="0"/>
+              <a:t>Các</a:t>
+            </a:r>
+            <a:r>
+              <a:rPr lang="en-US" dirty="0" smtClean="0"/>
+              <a:t> </a:t>
+            </a:r>
+            <a:r>
+              <a:rPr lang="en-US" dirty="0" err="1" smtClean="0"/>
+              <a:t>hàm</a:t>
+            </a:r>
+            <a:r>
+              <a:rPr lang="en-US" dirty="0" smtClean="0"/>
+              <a:t> </a:t>
+            </a:r>
+            <a:r>
+              <a:rPr lang="en-US" dirty="0" err="1" smtClean="0"/>
+              <a:t>giống</a:t>
+            </a:r>
+            <a:r>
+              <a:rPr lang="en-US" dirty="0" smtClean="0"/>
+              <a:t> </a:t>
+            </a:r>
+            <a:r>
+              <a:rPr lang="en-US" dirty="0" err="1" smtClean="0"/>
+              <a:t>hệt</a:t>
+            </a:r>
+            <a:r>
+              <a:rPr lang="en-US" dirty="0" smtClean="0"/>
+              <a:t> </a:t>
+            </a:r>
+            <a:r>
+              <a:rPr lang="en-US" dirty="0" err="1" smtClean="0"/>
+              <a:t>nhau</a:t>
+            </a:r>
+            <a:r>
+              <a:rPr lang="en-US" dirty="0" smtClean="0"/>
+              <a:t> (</a:t>
+            </a:r>
+            <a:r>
+              <a:rPr lang="en-US" dirty="0" err="1" smtClean="0"/>
+              <a:t>vì</a:t>
+            </a:r>
+            <a:r>
+              <a:rPr lang="en-US" dirty="0" smtClean="0"/>
+              <a:t> </a:t>
+            </a:r>
+            <a:r>
+              <a:rPr lang="en-US" dirty="0" err="1" smtClean="0"/>
+              <a:t>kế</a:t>
+            </a:r>
+            <a:r>
+              <a:rPr lang="en-US" dirty="0" smtClean="0"/>
+              <a:t> </a:t>
+            </a:r>
+            <a:r>
+              <a:rPr lang="en-US" dirty="0" err="1" smtClean="0"/>
+              <a:t>thừa</a:t>
+            </a:r>
+            <a:r>
+              <a:rPr lang="en-US" dirty="0" smtClean="0"/>
+              <a:t> </a:t>
+            </a:r>
+            <a:r>
+              <a:rPr lang="en-US" dirty="0" err="1" smtClean="0"/>
+              <a:t>AbstractStringBuilder</a:t>
+            </a:r>
+            <a:r>
+              <a:rPr lang="en-US" dirty="0" smtClean="0"/>
+              <a:t>)</a:t>
+            </a:r>
+          </a:p>
+          <a:p>
+            <a:pPr lvl="1"/>
+            <a:r>
+              <a:rPr lang="en-US" dirty="0" smtClean="0"/>
+              <a:t>append()</a:t>
+            </a:r>
+          </a:p>
+          <a:p>
+            <a:pPr lvl="1"/>
+            <a:r>
+              <a:rPr lang="en-US" dirty="0"/>
+              <a:t>i</a:t>
+            </a:r>
+            <a:r>
+              <a:rPr lang="en-US" dirty="0" smtClean="0"/>
+              <a:t>nsert()</a:t>
+            </a:r>
+          </a:p>
+          <a:p>
+            <a:pPr lvl="1"/>
+            <a:r>
+              <a:rPr lang="en-US" dirty="0"/>
+              <a:t>d</a:t>
+            </a:r>
+            <a:r>
+              <a:rPr lang="en-US" dirty="0" smtClean="0"/>
+              <a:t>elete()</a:t>
+            </a:r>
+          </a:p>
+          <a:p>
+            <a:pPr lvl="1"/>
+            <a:r>
+              <a:rPr lang="en-US" dirty="0"/>
+              <a:t>r</a:t>
+            </a:r>
+            <a:r>
+              <a:rPr lang="en-US" dirty="0" smtClean="0"/>
+              <a:t>eplace()</a:t>
+            </a:r>
+          </a:p>
+          <a:p>
+            <a:pPr lvl="1"/>
+            <a:endParaRPr lang="en-GB" dirty="0"/>
+          </a:p>
+        </p:txBody>
+      </p:sp>
+    </p:spTree>
+    <p:extLst>
+      <p:ext uri="{BB962C8B-B14F-4D97-AF65-F5344CB8AC3E}">
+        <p14:creationId xmlns:p14="http://schemas.microsoft.com/office/powerpoint/2010/main" val="740517035"/>
+      </p:ext>
+    </p:extLst>
+  </p:cSld>
+  <p:clrMapOvr>
+    <a:masterClrMapping/>
+  </p:clrMapOvr>
+  <p:timing>
+    <p:tnLst>
+      <p:par>
+        <p:cTn id="1" dur="indefinite" restart="never" nodeType="tmRoot"/>
+      </p:par>
+    </p:tnLst>
+  </p:timing>
+</p:sld>
+</file>
+
+<file path=ppt/slides/slide18.xml><?xml version="1.0" encoding="utf-8"?>
+<p:sld xmlns:a="http://schemas.openxmlformats.org/drawingml/2006/main" xmlns:r="http://schemas.openxmlformats.org/officeDocument/2006/relationships" xmlns:p="http://schemas.openxmlformats.org/presentationml/2006/main">
+  <p:cSld>
+    <p:spTree>
+      <p:nvGrpSpPr>
+        <p:cNvPr id="1" name=""/>
+        <p:cNvGrpSpPr/>
+        <p:nvPr/>
+      </p:nvGrpSpPr>
+      <p:grpSpPr>
+        <a:xfrm>
+          <a:off x="0" y="0"/>
+          <a:ext cx="0" cy="0"/>
+          <a:chOff x="0" y="0"/>
+          <a:chExt cx="0" cy="0"/>
+        </a:xfrm>
+      </p:grpSpPr>
+      <p:sp>
+        <p:nvSpPr>
+          <p:cNvPr id="2" name="Title 1"/>
+          <p:cNvSpPr>
+            <a:spLocks noGrp="1"/>
+          </p:cNvSpPr>
+          <p:nvPr>
+            <p:ph type="title"/>
+          </p:nvPr>
+        </p:nvSpPr>
+        <p:spPr/>
+        <p:txBody>
+          <a:bodyPr/>
+          <a:lstStyle/>
+          <a:p>
+            <a:r>
+              <a:rPr lang="en-US" dirty="0" smtClean="0"/>
+              <a:t>String Builder </a:t>
+            </a:r>
+            <a:r>
+              <a:rPr lang="en-US" dirty="0" err="1" smtClean="0"/>
+              <a:t>vs</a:t>
+            </a:r>
+            <a:r>
+              <a:rPr lang="en-US" dirty="0" smtClean="0"/>
+              <a:t> String Buffer</a:t>
+            </a:r>
+            <a:endParaRPr lang="en-GB" dirty="0"/>
+          </a:p>
+        </p:txBody>
+      </p:sp>
+      <p:pic>
+        <p:nvPicPr>
+          <p:cNvPr id="1026" name="Picture 2" descr="Image result for stringbuilder vs stringbuffer"/>
+          <p:cNvPicPr>
+            <a:picLocks noChangeAspect="1" noChangeArrowheads="1"/>
+          </p:cNvPicPr>
+          <p:nvPr/>
+        </p:nvPicPr>
+        <p:blipFill>
+          <a:blip r:embed="rId2">
+            <a:extLst>
+              <a:ext uri="{28A0092B-C50C-407E-A947-70E740481C1C}">
+                <a14:useLocalDpi xmlns:a14="http://schemas.microsoft.com/office/drawing/2010/main" val="0"/>
+              </a:ext>
+            </a:extLst>
+          </a:blip>
+          <a:srcRect/>
+          <a:stretch>
+            <a:fillRect/>
+          </a:stretch>
+        </p:blipFill>
+        <p:spPr bwMode="auto">
+          <a:xfrm>
+            <a:off x="990600" y="1981200"/>
+            <a:ext cx="7405054" cy="2743200"/>
+          </a:xfrm>
+          <a:prstGeom prst="rect">
+            <a:avLst/>
+          </a:prstGeom>
+          <a:noFill/>
+          <a:extLst>
+            <a:ext uri="{909E8E84-426E-40DD-AFC4-6F175D3DCCD1}">
+              <a14:hiddenFill xmlns:a14="http://schemas.microsoft.com/office/drawing/2010/main">
+                <a:solidFill>
+                  <a:srgbClr val="FFFFFF"/>
+                </a:solidFill>
+              </a14:hiddenFill>
+            </a:ext>
+          </a:extLst>
+        </p:spPr>
+      </p:pic>
+    </p:spTree>
+    <p:extLst>
+      <p:ext uri="{BB962C8B-B14F-4D97-AF65-F5344CB8AC3E}">
+        <p14:creationId xmlns:p14="http://schemas.microsoft.com/office/powerpoint/2010/main" val="2806370158"/>
+      </p:ext>
+    </p:extLst>
+  </p:cSld>
+  <p:clrMapOvr>
+    <a:masterClrMapping/>
+  </p:clrMapOvr>
+  <p:timing>
+    <p:tnLst>
+      <p:par>
+        <p:cTn id="1" dur="indefinite" restart="never" nodeType="tmRoot"/>
+      </p:par>
+    </p:tnLst>
+  </p:timing>
+</p:sld>
+</file>
+
+<file path=ppt/slides/slide19.xml><?xml version="1.0" encoding="utf-8"?>
+<p:sld xmlns:a="http://schemas.openxmlformats.org/drawingml/2006/main" xmlns:r="http://schemas.openxmlformats.org/officeDocument/2006/relationships" xmlns:p="http://schemas.openxmlformats.org/presentationml/2006/main">
+  <p:cSld>
+    <p:spTree>
+      <p:nvGrpSpPr>
+        <p:cNvPr id="1" name=""/>
+        <p:cNvGrpSpPr/>
+        <p:nvPr/>
+      </p:nvGrpSpPr>
+      <p:grpSpPr>
+        <a:xfrm>
+          <a:off x="0" y="0"/>
+          <a:ext cx="0" cy="0"/>
+          <a:chOff x="0" y="0"/>
+          <a:chExt cx="0" cy="0"/>
+        </a:xfrm>
+      </p:grpSpPr>
+      <p:sp>
+        <p:nvSpPr>
+          <p:cNvPr id="2" name="Title 1"/>
+          <p:cNvSpPr>
+            <a:spLocks noGrp="1"/>
+          </p:cNvSpPr>
+          <p:nvPr>
+            <p:ph type="title"/>
+          </p:nvPr>
+        </p:nvSpPr>
+        <p:spPr/>
+        <p:txBody>
+          <a:bodyPr/>
+          <a:lstStyle/>
+          <a:p>
+            <a:r>
+              <a:rPr lang="en-US" dirty="0" err="1" smtClean="0"/>
+              <a:t>Bảng</a:t>
+            </a:r>
+            <a:r>
+              <a:rPr lang="en-US" dirty="0" smtClean="0"/>
+              <a:t> </a:t>
+            </a:r>
+            <a:r>
+              <a:rPr lang="en-US" dirty="0" err="1"/>
+              <a:t>t</a:t>
+            </a:r>
+            <a:r>
+              <a:rPr lang="en-US" dirty="0" err="1" smtClean="0"/>
+              <a:t>ổng</a:t>
+            </a:r>
+            <a:r>
+              <a:rPr lang="en-US" dirty="0" smtClean="0"/>
+              <a:t> </a:t>
+            </a:r>
+            <a:r>
+              <a:rPr lang="en-US" dirty="0" err="1" smtClean="0"/>
+              <a:t>hợp</a:t>
+            </a:r>
+            <a:endParaRPr lang="en-GB" dirty="0"/>
+          </a:p>
+        </p:txBody>
+      </p:sp>
+      <p:pic>
+        <p:nvPicPr>
+          <p:cNvPr id="1026" name="Picture 2" descr="Image result for String vs StringBuilder"/>
+          <p:cNvPicPr>
+            <a:picLocks noChangeAspect="1" noChangeArrowheads="1"/>
+          </p:cNvPicPr>
+          <p:nvPr/>
+        </p:nvPicPr>
+        <p:blipFill>
+          <a:blip r:embed="rId2">
+            <a:extLst>
+              <a:ext uri="{28A0092B-C50C-407E-A947-70E740481C1C}">
+                <a14:useLocalDpi xmlns:a14="http://schemas.microsoft.com/office/drawing/2010/main" val="0"/>
+              </a:ext>
+            </a:extLst>
+          </a:blip>
+          <a:srcRect/>
+          <a:stretch>
+            <a:fillRect/>
+          </a:stretch>
+        </p:blipFill>
+        <p:spPr bwMode="auto">
+          <a:xfrm>
+            <a:off x="291296" y="1981200"/>
+            <a:ext cx="8827683" cy="3419475"/>
+          </a:xfrm>
+          <a:prstGeom prst="rect">
+            <a:avLst/>
+          </a:prstGeom>
+          <a:noFill/>
+          <a:extLst>
+            <a:ext uri="{909E8E84-426E-40DD-AFC4-6F175D3DCCD1}">
+              <a14:hiddenFill xmlns:a14="http://schemas.microsoft.com/office/drawing/2010/main">
+                <a:solidFill>
+                  <a:srgbClr val="FFFFFF"/>
+                </a:solidFill>
+              </a14:hiddenFill>
+            </a:ext>
+          </a:extLst>
+        </p:spPr>
+      </p:pic>
+    </p:spTree>
+    <p:extLst>
+      <p:ext uri="{BB962C8B-B14F-4D97-AF65-F5344CB8AC3E}">
+        <p14:creationId xmlns:p14="http://schemas.microsoft.com/office/powerpoint/2010/main" val="183416149"/>
       </p:ext>
     </p:extLst>
   </p:cSld>
@@ -3297,53 +6371,33 @@
           <a:p>
             <a:r>
               <a:rPr lang="en-US" dirty="0" smtClean="0"/>
-              <a:t>So </a:t>
-            </a:r>
-            <a:r>
-              <a:rPr lang="en-US" dirty="0" err="1" smtClean="0"/>
-              <a:t>sánh</a:t>
-            </a:r>
-            <a:r>
-              <a:rPr lang="en-US" dirty="0" smtClean="0"/>
-              <a:t> String Builder, String Buffer, String</a:t>
-            </a:r>
-          </a:p>
-          <a:p>
-            <a:r>
-              <a:rPr lang="en-US" dirty="0" err="1" smtClean="0"/>
-              <a:t>Phân</a:t>
-            </a:r>
-            <a:r>
-              <a:rPr lang="en-US" dirty="0" smtClean="0"/>
-              <a:t> </a:t>
-            </a:r>
-            <a:r>
-              <a:rPr lang="en-US" dirty="0" err="1" smtClean="0"/>
-              <a:t>biệt</a:t>
-            </a:r>
-            <a:r>
-              <a:rPr lang="en-US" dirty="0" smtClean="0"/>
-              <a:t> </a:t>
-            </a:r>
-            <a:r>
-              <a:rPr lang="en-US" dirty="0" err="1" smtClean="0"/>
-              <a:t>trường</a:t>
-            </a:r>
-            <a:r>
-              <a:rPr lang="en-US" dirty="0" smtClean="0"/>
-              <a:t> </a:t>
-            </a:r>
-            <a:r>
-              <a:rPr lang="en-US" dirty="0" err="1" smtClean="0"/>
-              <a:t>hợp</a:t>
-            </a:r>
-            <a:r>
-              <a:rPr lang="en-US" dirty="0" smtClean="0"/>
-              <a:t> </a:t>
-            </a:r>
-            <a:r>
-              <a:rPr lang="en-US" dirty="0" err="1" smtClean="0"/>
-              <a:t>sử</a:t>
+              <a:t>String Builder </a:t>
+            </a:r>
+            <a:r>
+              <a:rPr lang="en-US" dirty="0" err="1" smtClean="0"/>
+              <a:t>vs</a:t>
+            </a:r>
+            <a:r>
+              <a:rPr lang="en-US" dirty="0" smtClean="0"/>
+              <a:t> String Buffer </a:t>
+            </a:r>
+            <a:r>
+              <a:rPr lang="en-US" dirty="0" err="1" smtClean="0"/>
+              <a:t>vs</a:t>
+            </a:r>
+            <a:r>
+              <a:rPr lang="en-US" dirty="0"/>
+              <a:t> </a:t>
+            </a:r>
+            <a:r>
+              <a:rPr lang="en-US" dirty="0" smtClean="0"/>
+              <a:t>String</a:t>
+            </a:r>
+          </a:p>
+          <a:p>
+            <a:r>
+              <a:rPr lang="en-US" dirty="0" err="1" smtClean="0"/>
+              <a:t>Sử</a:t>
             </a:r>
             <a:r>
               <a:rPr lang="en-US" dirty="0" smtClean="0"/>
@@ -3353,14 +6407,710 @@
               <a:rPr lang="en-US" dirty="0" err="1" smtClean="0"/>
               <a:t>dụng</a:t>
             </a:r>
-            <a:endParaRPr lang="en-GB" dirty="0"/>
-          </a:p>
-        </p:txBody>
-      </p:sp>
+            <a:r>
+              <a:rPr lang="en-US" dirty="0" smtClean="0"/>
+              <a:t> </a:t>
+            </a:r>
+            <a:r>
+              <a:rPr lang="en-US" dirty="0" err="1" smtClean="0"/>
+              <a:t>khi</a:t>
+            </a:r>
+            <a:r>
+              <a:rPr lang="en-US" dirty="0" smtClean="0"/>
+              <a:t> </a:t>
+            </a:r>
+            <a:r>
+              <a:rPr lang="en-US" dirty="0" err="1" smtClean="0"/>
+              <a:t>nào</a:t>
+            </a:r>
+            <a:r>
+              <a:rPr lang="en-US" dirty="0" smtClean="0"/>
+              <a:t>???</a:t>
+            </a:r>
+          </a:p>
+        </p:txBody>
+      </p:sp>
+      <p:sp>
+        <p:nvSpPr>
+          <p:cNvPr id="4" name="AutoShape 2" descr="Image result for má»¥c tiÃªu"/>
+          <p:cNvSpPr>
+            <a:spLocks noChangeAspect="1" noChangeArrowheads="1"/>
+          </p:cNvSpPr>
+          <p:nvPr/>
+        </p:nvSpPr>
+        <p:spPr bwMode="auto">
+          <a:xfrm>
+            <a:off x="155575" y="-144463"/>
+            <a:ext cx="304800" cy="304801"/>
+          </a:xfrm>
+          <a:prstGeom prst="rect">
+            <a:avLst/>
+          </a:prstGeom>
+          <a:noFill/>
+          <a:extLst>
+            <a:ext uri="{909E8E84-426E-40DD-AFC4-6F175D3DCCD1}">
+              <a14:hiddenFill xmlns:a14="http://schemas.microsoft.com/office/drawing/2010/main">
+                <a:solidFill>
+                  <a:srgbClr val="FFFFFF"/>
+                </a:solidFill>
+              </a14:hiddenFill>
+            </a:ext>
+          </a:extLst>
+        </p:spPr>
+        <p:txBody>
+          <a:bodyPr vert="horz" wrap="square" lIns="91440" tIns="45720" rIns="91440" bIns="45720" numCol="1" anchor="t" anchorCtr="0" compatLnSpc="1">
+            <a:prstTxWarp prst="textNoShape">
+              <a:avLst/>
+            </a:prstTxWarp>
+          </a:bodyPr>
+          <a:lstStyle/>
+          <a:p>
+            <a:endParaRPr lang="en-GB"/>
+          </a:p>
+        </p:txBody>
+      </p:sp>
+      <p:sp>
+        <p:nvSpPr>
+          <p:cNvPr id="5" name="AutoShape 4" descr="Image result for má»¥c tiÃªu"/>
+          <p:cNvSpPr>
+            <a:spLocks noChangeAspect="1" noChangeArrowheads="1"/>
+          </p:cNvSpPr>
+          <p:nvPr/>
+        </p:nvSpPr>
+        <p:spPr bwMode="auto">
+          <a:xfrm>
+            <a:off x="307975" y="7937"/>
+            <a:ext cx="304800" cy="304801"/>
+          </a:xfrm>
+          <a:prstGeom prst="rect">
+            <a:avLst/>
+          </a:prstGeom>
+          <a:noFill/>
+          <a:extLst>
+            <a:ext uri="{909E8E84-426E-40DD-AFC4-6F175D3DCCD1}">
+              <a14:hiddenFill xmlns:a14="http://schemas.microsoft.com/office/drawing/2010/main">
+                <a:solidFill>
+                  <a:srgbClr val="FFFFFF"/>
+                </a:solidFill>
+              </a14:hiddenFill>
+            </a:ext>
+          </a:extLst>
+        </p:spPr>
+        <p:txBody>
+          <a:bodyPr vert="horz" wrap="square" lIns="91440" tIns="45720" rIns="91440" bIns="45720" numCol="1" anchor="t" anchorCtr="0" compatLnSpc="1">
+            <a:prstTxWarp prst="textNoShape">
+              <a:avLst/>
+            </a:prstTxWarp>
+          </a:bodyPr>
+          <a:lstStyle/>
+          <a:p>
+            <a:endParaRPr lang="en-GB"/>
+          </a:p>
+        </p:txBody>
+      </p:sp>
+      <p:pic>
+        <p:nvPicPr>
+          <p:cNvPr id="6" name="Picture 4" descr="Image result for má»¥c tiÃªu"/>
+          <p:cNvPicPr>
+            <a:picLocks noChangeAspect="1" noChangeArrowheads="1"/>
+          </p:cNvPicPr>
+          <p:nvPr/>
+        </p:nvPicPr>
+        <p:blipFill>
+          <a:blip r:embed="rId2">
+            <a:extLst>
+              <a:ext uri="{28A0092B-C50C-407E-A947-70E740481C1C}">
+                <a14:useLocalDpi xmlns:a14="http://schemas.microsoft.com/office/drawing/2010/main" val="0"/>
+              </a:ext>
+            </a:extLst>
+          </a:blip>
+          <a:srcRect/>
+          <a:stretch>
+            <a:fillRect/>
+          </a:stretch>
+        </p:blipFill>
+        <p:spPr bwMode="auto">
+          <a:xfrm>
+            <a:off x="5181600" y="4800600"/>
+            <a:ext cx="2908282" cy="1552575"/>
+          </a:xfrm>
+          <a:prstGeom prst="rect">
+            <a:avLst/>
+          </a:prstGeom>
+          <a:noFill/>
+          <a:extLst>
+            <a:ext uri="{909E8E84-426E-40DD-AFC4-6F175D3DCCD1}">
+              <a14:hiddenFill xmlns:a14="http://schemas.microsoft.com/office/drawing/2010/main">
+                <a:solidFill>
+                  <a:srgbClr val="FFFFFF"/>
+                </a:solidFill>
+              </a14:hiddenFill>
+            </a:ext>
+          </a:extLst>
+        </p:spPr>
+      </p:pic>
     </p:spTree>
     <p:extLst>
       <p:ext uri="{BB962C8B-B14F-4D97-AF65-F5344CB8AC3E}">
         <p14:creationId xmlns:p14="http://schemas.microsoft.com/office/powerpoint/2010/main" val="1187692698"/>
+      </p:ext>
+    </p:extLst>
+  </p:cSld>
+  <p:clrMapOvr>
+    <a:masterClrMapping/>
+  </p:clrMapOvr>
+</p:sld>
+</file>
+
+<file path=ppt/slides/slide20.xml><?xml version="1.0" encoding="utf-8"?>
+<p:sld xmlns:a="http://schemas.openxmlformats.org/drawingml/2006/main" xmlns:r="http://schemas.openxmlformats.org/officeDocument/2006/relationships" xmlns:p="http://schemas.openxmlformats.org/presentationml/2006/main">
+  <p:cSld>
+    <p:spTree>
+      <p:nvGrpSpPr>
+        <p:cNvPr id="1" name=""/>
+        <p:cNvGrpSpPr/>
+        <p:nvPr/>
+      </p:nvGrpSpPr>
+      <p:grpSpPr>
+        <a:xfrm>
+          <a:off x="0" y="0"/>
+          <a:ext cx="0" cy="0"/>
+          <a:chOff x="0" y="0"/>
+          <a:chExt cx="0" cy="0"/>
+        </a:xfrm>
+      </p:grpSpPr>
+      <p:sp>
+        <p:nvSpPr>
+          <p:cNvPr id="2" name="Title 1"/>
+          <p:cNvSpPr>
+            <a:spLocks noGrp="1"/>
+          </p:cNvSpPr>
+          <p:nvPr>
+            <p:ph type="title"/>
+          </p:nvPr>
+        </p:nvSpPr>
+        <p:spPr/>
+        <p:txBody>
+          <a:bodyPr/>
+          <a:lstStyle/>
+          <a:p>
+            <a:r>
+              <a:rPr lang="en-US" dirty="0" err="1" smtClean="0"/>
+              <a:t>Kết</a:t>
+            </a:r>
+            <a:r>
+              <a:rPr lang="en-US" dirty="0" smtClean="0"/>
+              <a:t> </a:t>
+            </a:r>
+            <a:r>
+              <a:rPr lang="en-US" dirty="0" err="1" smtClean="0"/>
+              <a:t>luận</a:t>
+            </a:r>
+            <a:endParaRPr lang="en-GB" dirty="0"/>
+          </a:p>
+        </p:txBody>
+      </p:sp>
+      <p:sp>
+        <p:nvSpPr>
+          <p:cNvPr id="3" name="Content Placeholder 2"/>
+          <p:cNvSpPr>
+            <a:spLocks noGrp="1"/>
+          </p:cNvSpPr>
+          <p:nvPr>
+            <p:ph idx="1"/>
+          </p:nvPr>
+        </p:nvSpPr>
+        <p:spPr/>
+        <p:txBody>
+          <a:bodyPr/>
+          <a:lstStyle/>
+          <a:p>
+            <a:r>
+              <a:rPr lang="en-US" dirty="0" err="1" smtClean="0"/>
+              <a:t>Hiểu</a:t>
+            </a:r>
+            <a:r>
+              <a:rPr lang="en-US" dirty="0" smtClean="0"/>
+              <a:t> </a:t>
+            </a:r>
+            <a:r>
+              <a:rPr lang="en-US" dirty="0" err="1" smtClean="0"/>
+              <a:t>rõ</a:t>
+            </a:r>
+            <a:r>
+              <a:rPr lang="en-US" dirty="0" smtClean="0"/>
+              <a:t> </a:t>
+            </a:r>
+            <a:r>
+              <a:rPr lang="en-US" dirty="0" err="1" smtClean="0"/>
+              <a:t>về</a:t>
+            </a:r>
+            <a:r>
+              <a:rPr lang="en-US" dirty="0" smtClean="0"/>
+              <a:t> String </a:t>
+            </a:r>
+            <a:r>
+              <a:rPr lang="en-US" dirty="0" err="1" smtClean="0"/>
+              <a:t>trong</a:t>
+            </a:r>
+            <a:r>
+              <a:rPr lang="en-US" dirty="0" smtClean="0"/>
+              <a:t> java</a:t>
+            </a:r>
+          </a:p>
+          <a:p>
+            <a:r>
+              <a:rPr lang="en-US" dirty="0" err="1" smtClean="0"/>
+              <a:t>StringBuffer</a:t>
+            </a:r>
+            <a:r>
+              <a:rPr lang="en-US" dirty="0" smtClean="0"/>
+              <a:t> </a:t>
+            </a:r>
+            <a:r>
+              <a:rPr lang="en-US" dirty="0" err="1" smtClean="0"/>
+              <a:t>vs</a:t>
+            </a:r>
+            <a:r>
+              <a:rPr lang="en-US" dirty="0" smtClean="0"/>
+              <a:t> String Builder</a:t>
+            </a:r>
+          </a:p>
+          <a:p>
+            <a:r>
+              <a:rPr lang="en-US" dirty="0" err="1" smtClean="0"/>
+              <a:t>Biết</a:t>
+            </a:r>
+            <a:r>
+              <a:rPr lang="en-US" dirty="0" smtClean="0"/>
+              <a:t> </a:t>
+            </a:r>
+            <a:r>
+              <a:rPr lang="en-US" dirty="0" err="1" smtClean="0"/>
+              <a:t>vận</a:t>
+            </a:r>
+            <a:r>
+              <a:rPr lang="en-US" dirty="0" smtClean="0"/>
+              <a:t> </a:t>
+            </a:r>
+            <a:r>
+              <a:rPr lang="en-US" dirty="0" err="1" smtClean="0"/>
+              <a:t>dụng</a:t>
+            </a:r>
+            <a:r>
+              <a:rPr lang="en-US" dirty="0" smtClean="0"/>
+              <a:t> String, </a:t>
+            </a:r>
+            <a:r>
+              <a:rPr lang="en-US" dirty="0" err="1" smtClean="0"/>
+              <a:t>StringBuilder</a:t>
+            </a:r>
+            <a:r>
+              <a:rPr lang="en-US" dirty="0" smtClean="0"/>
+              <a:t>, </a:t>
+            </a:r>
+            <a:r>
+              <a:rPr lang="en-US" dirty="0" err="1" smtClean="0"/>
+              <a:t>StringBuffer</a:t>
+            </a:r>
+            <a:r>
+              <a:rPr lang="en-US" dirty="0" smtClean="0"/>
+              <a:t> </a:t>
+            </a:r>
+            <a:r>
+              <a:rPr lang="en-US" dirty="0" err="1" smtClean="0"/>
+              <a:t>trong</a:t>
+            </a:r>
+            <a:r>
+              <a:rPr lang="en-US" dirty="0" smtClean="0"/>
+              <a:t> </a:t>
+            </a:r>
+            <a:r>
+              <a:rPr lang="en-US" dirty="0" err="1" smtClean="0"/>
+              <a:t>bài</a:t>
+            </a:r>
+            <a:r>
+              <a:rPr lang="en-US" dirty="0" smtClean="0"/>
+              <a:t> </a:t>
+            </a:r>
+            <a:r>
+              <a:rPr lang="en-US" dirty="0" err="1" smtClean="0"/>
+              <a:t>toán</a:t>
+            </a:r>
+            <a:endParaRPr lang="en-US" dirty="0" smtClean="0"/>
+          </a:p>
+          <a:p>
+            <a:r>
+              <a:rPr lang="en-US" dirty="0" err="1" smtClean="0"/>
+              <a:t>Nắm</a:t>
+            </a:r>
+            <a:r>
+              <a:rPr lang="en-US" dirty="0" smtClean="0"/>
+              <a:t> </a:t>
+            </a:r>
+            <a:r>
+              <a:rPr lang="en-US" dirty="0" err="1" smtClean="0"/>
+              <a:t>được</a:t>
+            </a:r>
+            <a:r>
+              <a:rPr lang="en-US" dirty="0" smtClean="0"/>
+              <a:t> </a:t>
+            </a:r>
+            <a:r>
+              <a:rPr lang="en-US" dirty="0" err="1" smtClean="0"/>
+              <a:t>các</a:t>
+            </a:r>
+            <a:r>
+              <a:rPr lang="en-US" dirty="0" smtClean="0"/>
+              <a:t> </a:t>
+            </a:r>
+            <a:r>
+              <a:rPr lang="en-US" dirty="0" err="1" smtClean="0"/>
+              <a:t>hàm</a:t>
+            </a:r>
+            <a:r>
+              <a:rPr lang="en-US" dirty="0" smtClean="0"/>
+              <a:t> </a:t>
+            </a:r>
+            <a:r>
+              <a:rPr lang="en-US" dirty="0" err="1" smtClean="0"/>
+              <a:t>xử</a:t>
+            </a:r>
+            <a:r>
+              <a:rPr lang="en-US" dirty="0" smtClean="0"/>
+              <a:t> </a:t>
+            </a:r>
+            <a:r>
+              <a:rPr lang="en-US" dirty="0" err="1" smtClean="0"/>
+              <a:t>lý</a:t>
+            </a:r>
+            <a:r>
+              <a:rPr lang="en-US" dirty="0" smtClean="0"/>
+              <a:t> </a:t>
+            </a:r>
+            <a:r>
+              <a:rPr lang="en-US" dirty="0" err="1" smtClean="0"/>
+              <a:t>chuỗi</a:t>
+            </a:r>
+            <a:endParaRPr lang="en-US" dirty="0" smtClean="0"/>
+          </a:p>
+          <a:p>
+            <a:endParaRPr lang="en-GB" dirty="0"/>
+          </a:p>
+        </p:txBody>
+      </p:sp>
+    </p:spTree>
+    <p:extLst>
+      <p:ext uri="{BB962C8B-B14F-4D97-AF65-F5344CB8AC3E}">
+        <p14:creationId xmlns:p14="http://schemas.microsoft.com/office/powerpoint/2010/main" val="4027510311"/>
+      </p:ext>
+    </p:extLst>
+  </p:cSld>
+  <p:clrMapOvr>
+    <a:masterClrMapping/>
+  </p:clrMapOvr>
+  <p:timing>
+    <p:tnLst>
+      <p:par>
+        <p:cTn id="1" dur="indefinite" restart="never" nodeType="tmRoot"/>
+      </p:par>
+    </p:tnLst>
+  </p:timing>
+</p:sld>
+</file>
+
+<file path=ppt/slides/slide21.xml><?xml version="1.0" encoding="utf-8"?>
+<p:sld xmlns:a="http://schemas.openxmlformats.org/drawingml/2006/main" xmlns:r="http://schemas.openxmlformats.org/officeDocument/2006/relationships" xmlns:p="http://schemas.openxmlformats.org/presentationml/2006/main">
+  <p:cSld>
+    <p:spTree>
+      <p:nvGrpSpPr>
+        <p:cNvPr id="1" name=""/>
+        <p:cNvGrpSpPr/>
+        <p:nvPr/>
+      </p:nvGrpSpPr>
+      <p:grpSpPr>
+        <a:xfrm>
+          <a:off x="0" y="0"/>
+          <a:ext cx="0" cy="0"/>
+          <a:chOff x="0" y="0"/>
+          <a:chExt cx="0" cy="0"/>
+        </a:xfrm>
+      </p:grpSpPr>
+      <p:sp>
+        <p:nvSpPr>
+          <p:cNvPr id="2" name="Title 1"/>
+          <p:cNvSpPr>
+            <a:spLocks noGrp="1"/>
+          </p:cNvSpPr>
+          <p:nvPr>
+            <p:ph type="title"/>
+          </p:nvPr>
+        </p:nvSpPr>
+        <p:spPr/>
+        <p:txBody>
+          <a:bodyPr/>
+          <a:lstStyle/>
+          <a:p>
+            <a:r>
+              <a:rPr lang="en-US" dirty="0" smtClean="0"/>
+              <a:t>Demo</a:t>
+            </a:r>
+            <a:endParaRPr lang="en-GB" dirty="0"/>
+          </a:p>
+        </p:txBody>
+      </p:sp>
+      <p:sp>
+        <p:nvSpPr>
+          <p:cNvPr id="3" name="Content Placeholder 2"/>
+          <p:cNvSpPr>
+            <a:spLocks noGrp="1"/>
+          </p:cNvSpPr>
+          <p:nvPr>
+            <p:ph idx="1"/>
+          </p:nvPr>
+        </p:nvSpPr>
+        <p:spPr/>
+        <p:txBody>
+          <a:bodyPr/>
+          <a:lstStyle/>
+          <a:p>
+            <a:r>
+              <a:rPr lang="en-US" dirty="0" err="1" smtClean="0"/>
+              <a:t>Sử</a:t>
+            </a:r>
+            <a:r>
+              <a:rPr lang="en-US" dirty="0" smtClean="0"/>
+              <a:t> </a:t>
+            </a:r>
+            <a:r>
+              <a:rPr lang="en-US" dirty="0" err="1" smtClean="0"/>
+              <a:t>dụng</a:t>
+            </a:r>
+            <a:r>
+              <a:rPr lang="en-US" dirty="0" smtClean="0"/>
+              <a:t> </a:t>
+            </a:r>
+            <a:r>
+              <a:rPr lang="en-US" dirty="0" err="1" smtClean="0"/>
+              <a:t>chuỗi</a:t>
+            </a:r>
+            <a:r>
+              <a:rPr lang="en-US" dirty="0" smtClean="0"/>
+              <a:t> </a:t>
+            </a:r>
+            <a:r>
+              <a:rPr lang="en-US" dirty="0" err="1" smtClean="0"/>
+              <a:t>với</a:t>
+            </a:r>
+            <a:r>
+              <a:rPr lang="en-US" dirty="0" smtClean="0"/>
+              <a:t> </a:t>
+            </a:r>
+            <a:r>
+              <a:rPr lang="en-US" dirty="0" err="1" smtClean="0"/>
+              <a:t>StringBuilder</a:t>
+            </a:r>
+            <a:r>
+              <a:rPr lang="en-US" dirty="0" smtClean="0"/>
+              <a:t> </a:t>
+            </a:r>
+            <a:r>
+              <a:rPr lang="en-US" dirty="0" err="1" smtClean="0"/>
+              <a:t>và</a:t>
+            </a:r>
+            <a:r>
+              <a:rPr lang="en-US" dirty="0" smtClean="0"/>
+              <a:t> </a:t>
+            </a:r>
+            <a:r>
+              <a:rPr lang="en-US" dirty="0" err="1" smtClean="0"/>
+              <a:t>StringBuffer</a:t>
+            </a:r>
+            <a:endParaRPr lang="en-US" dirty="0" smtClean="0"/>
+          </a:p>
+          <a:p>
+            <a:r>
+              <a:rPr lang="en-US" dirty="0" err="1" smtClean="0"/>
+              <a:t>Đọc</a:t>
+            </a:r>
+            <a:r>
+              <a:rPr lang="en-US" dirty="0" smtClean="0"/>
+              <a:t> file </a:t>
+            </a:r>
+            <a:r>
+              <a:rPr lang="en-US" dirty="0" err="1" smtClean="0"/>
+              <a:t>và</a:t>
+            </a:r>
+            <a:r>
+              <a:rPr lang="en-US" dirty="0" smtClean="0"/>
+              <a:t> </a:t>
+            </a:r>
+            <a:r>
+              <a:rPr lang="en-US" dirty="0" err="1" smtClean="0"/>
+              <a:t>xử</a:t>
+            </a:r>
+            <a:r>
+              <a:rPr lang="en-US" dirty="0" smtClean="0"/>
+              <a:t> </a:t>
+            </a:r>
+            <a:r>
+              <a:rPr lang="en-US" dirty="0" err="1" smtClean="0"/>
+              <a:t>lý</a:t>
+            </a:r>
+            <a:r>
+              <a:rPr lang="en-US" dirty="0" smtClean="0"/>
+              <a:t> File CSV</a:t>
+            </a:r>
+            <a:endParaRPr lang="en-GB" dirty="0"/>
+          </a:p>
+        </p:txBody>
+      </p:sp>
+    </p:spTree>
+    <p:extLst>
+      <p:ext uri="{BB962C8B-B14F-4D97-AF65-F5344CB8AC3E}">
+        <p14:creationId xmlns:p14="http://schemas.microsoft.com/office/powerpoint/2010/main" val="1170359812"/>
+      </p:ext>
+    </p:extLst>
+  </p:cSld>
+  <p:clrMapOvr>
+    <a:masterClrMapping/>
+  </p:clrMapOvr>
+  <p:timing>
+    <p:tnLst>
+      <p:par>
+        <p:cTn id="1" dur="indefinite" restart="never" nodeType="tmRoot"/>
+      </p:par>
+    </p:tnLst>
+  </p:timing>
+</p:sld>
+</file>
+
+<file path=ppt/slides/slide22.xml><?xml version="1.0" encoding="utf-8"?>
+<p:sld xmlns:a="http://schemas.openxmlformats.org/drawingml/2006/main" xmlns:r="http://schemas.openxmlformats.org/officeDocument/2006/relationships" xmlns:p="http://schemas.openxmlformats.org/presentationml/2006/main">
+  <p:cSld>
+    <p:spTree>
+      <p:nvGrpSpPr>
+        <p:cNvPr id="1" name=""/>
+        <p:cNvGrpSpPr/>
+        <p:nvPr/>
+      </p:nvGrpSpPr>
+      <p:grpSpPr>
+        <a:xfrm>
+          <a:off x="0" y="0"/>
+          <a:ext cx="0" cy="0"/>
+          <a:chOff x="0" y="0"/>
+          <a:chExt cx="0" cy="0"/>
+        </a:xfrm>
+      </p:grpSpPr>
+      <p:sp>
+        <p:nvSpPr>
+          <p:cNvPr id="2" name="Title 1"/>
+          <p:cNvSpPr>
+            <a:spLocks noGrp="1"/>
+          </p:cNvSpPr>
+          <p:nvPr>
+            <p:ph type="title"/>
+          </p:nvPr>
+        </p:nvSpPr>
+        <p:spPr/>
+        <p:txBody>
+          <a:bodyPr/>
+          <a:lstStyle/>
+          <a:p>
+            <a:r>
+              <a:rPr lang="en-US" dirty="0" smtClean="0"/>
+              <a:t>Thank you!</a:t>
+            </a:r>
+            <a:endParaRPr lang="en-GB" dirty="0"/>
+          </a:p>
+        </p:txBody>
+      </p:sp>
+      <p:sp>
+        <p:nvSpPr>
+          <p:cNvPr id="6" name="AutoShape 2" descr="Image result for q&amp;a"/>
+          <p:cNvSpPr>
+            <a:spLocks noChangeAspect="1" noChangeArrowheads="1"/>
+          </p:cNvSpPr>
+          <p:nvPr/>
+        </p:nvSpPr>
+        <p:spPr bwMode="auto">
+          <a:xfrm>
+            <a:off x="155575" y="-144463"/>
+            <a:ext cx="304800" cy="304801"/>
+          </a:xfrm>
+          <a:prstGeom prst="rect">
+            <a:avLst/>
+          </a:prstGeom>
+          <a:noFill/>
+          <a:extLst>
+            <a:ext uri="{909E8E84-426E-40DD-AFC4-6F175D3DCCD1}">
+              <a14:hiddenFill xmlns:a14="http://schemas.microsoft.com/office/drawing/2010/main">
+                <a:solidFill>
+                  <a:srgbClr val="FFFFFF"/>
+                </a:solidFill>
+              </a14:hiddenFill>
+            </a:ext>
+          </a:extLst>
+        </p:spPr>
+        <p:txBody>
+          <a:bodyPr vert="horz" wrap="square" lIns="91440" tIns="45720" rIns="91440" bIns="45720" numCol="1" anchor="t" anchorCtr="0" compatLnSpc="1">
+            <a:prstTxWarp prst="textNoShape">
+              <a:avLst/>
+            </a:prstTxWarp>
+          </a:bodyPr>
+          <a:lstStyle/>
+          <a:p>
+            <a:endParaRPr lang="en-GB"/>
+          </a:p>
+        </p:txBody>
+      </p:sp>
+      <p:pic>
+        <p:nvPicPr>
+          <p:cNvPr id="10244" name="Picture 4" descr="Image result for q&amp;a"/>
+          <p:cNvPicPr>
+            <a:picLocks noGrp="1" noChangeAspect="1" noChangeArrowheads="1"/>
+          </p:cNvPicPr>
+          <p:nvPr>
+            <p:ph idx="1"/>
+          </p:nvPr>
+        </p:nvPicPr>
+        <p:blipFill>
+          <a:blip r:embed="rId2" cstate="print">
+            <a:extLst>
+              <a:ext uri="{28A0092B-C50C-407E-A947-70E740481C1C}">
+                <a14:useLocalDpi xmlns:a14="http://schemas.microsoft.com/office/drawing/2010/main" val="0"/>
+              </a:ext>
+            </a:extLst>
+          </a:blip>
+          <a:srcRect/>
+          <a:stretch>
+            <a:fillRect/>
+          </a:stretch>
+        </p:blipFill>
+        <p:spPr bwMode="auto">
+          <a:xfrm>
+            <a:off x="3011421" y="2968591"/>
+            <a:ext cx="3121158" cy="1789180"/>
+          </a:xfrm>
+          <a:prstGeom prst="rect">
+            <a:avLst/>
+          </a:prstGeom>
+          <a:noFill/>
+          <a:extLst>
+            <a:ext uri="{909E8E84-426E-40DD-AFC4-6F175D3DCCD1}">
+              <a14:hiddenFill xmlns:a14="http://schemas.microsoft.com/office/drawing/2010/main">
+                <a:solidFill>
+                  <a:srgbClr val="FFFFFF"/>
+                </a:solidFill>
+              </a14:hiddenFill>
+            </a:ext>
+          </a:extLst>
+        </p:spPr>
+      </p:pic>
+    </p:spTree>
+    <p:extLst>
+      <p:ext uri="{BB962C8B-B14F-4D97-AF65-F5344CB8AC3E}">
+        <p14:creationId xmlns:p14="http://schemas.microsoft.com/office/powerpoint/2010/main" val="335830162"/>
       </p:ext>
     </p:extLst>
   </p:cSld>
@@ -4058,70 +7808,194 @@
               <a:rPr lang="en-US" dirty="0" err="1" smtClean="0"/>
               <a:t>ReferenceType</a:t>
             </a:r>
+            <a:r>
+              <a:rPr lang="en-US" dirty="0" smtClean="0"/>
+              <a:t> </a:t>
+            </a:r>
+            <a:r>
+              <a:rPr lang="en-US" dirty="0" err="1" smtClean="0"/>
+              <a:t>và</a:t>
+            </a:r>
+            <a:r>
+              <a:rPr lang="en-US" dirty="0" smtClean="0"/>
+              <a:t> Primitive Type – </a:t>
+            </a:r>
+            <a:r>
+              <a:rPr lang="en-US" dirty="0" err="1" smtClean="0"/>
+              <a:t>đặc</a:t>
+            </a:r>
+            <a:r>
+              <a:rPr lang="en-US" dirty="0" smtClean="0"/>
+              <a:t> </a:t>
+            </a:r>
+            <a:r>
+              <a:rPr lang="en-US" dirty="0" err="1" smtClean="0"/>
+              <a:t>biệt</a:t>
+            </a:r>
+            <a:r>
+              <a:rPr lang="en-US" dirty="0" smtClean="0"/>
+              <a:t> </a:t>
+            </a:r>
+            <a:r>
+              <a:rPr lang="en-US" dirty="0" err="1" smtClean="0"/>
+              <a:t>nhất</a:t>
+            </a:r>
+            <a:r>
+              <a:rPr lang="en-US" dirty="0" smtClean="0"/>
+              <a:t> Java</a:t>
+            </a:r>
+          </a:p>
+          <a:p>
+            <a:r>
+              <a:rPr lang="en-US" dirty="0" smtClean="0"/>
+              <a:t>String </a:t>
+            </a:r>
+            <a:r>
+              <a:rPr lang="en-US" dirty="0" err="1" smtClean="0"/>
+              <a:t>là</a:t>
+            </a:r>
+            <a:r>
+              <a:rPr lang="en-US" dirty="0" smtClean="0"/>
+              <a:t> </a:t>
+            </a:r>
+            <a:r>
+              <a:rPr lang="en-US" dirty="0" err="1" smtClean="0"/>
+              <a:t>biểu</a:t>
+            </a:r>
+            <a:r>
+              <a:rPr lang="en-US" dirty="0" smtClean="0"/>
+              <a:t> </a:t>
+            </a:r>
+            <a:r>
+              <a:rPr lang="en-US" dirty="0" err="1" smtClean="0"/>
+              <a:t>diễn</a:t>
+            </a:r>
+            <a:r>
+              <a:rPr lang="en-US" dirty="0" smtClean="0"/>
+              <a:t> </a:t>
+            </a:r>
+            <a:r>
+              <a:rPr lang="en-US" dirty="0" err="1" smtClean="0"/>
+              <a:t>cho</a:t>
+            </a:r>
+            <a:r>
+              <a:rPr lang="en-US" dirty="0" smtClean="0"/>
+              <a:t> </a:t>
+            </a:r>
+            <a:r>
+              <a:rPr lang="en-US" dirty="0" err="1" smtClean="0"/>
+              <a:t>một</a:t>
+            </a:r>
+            <a:r>
+              <a:rPr lang="en-US" dirty="0" smtClean="0"/>
+              <a:t> </a:t>
+            </a:r>
+            <a:r>
+              <a:rPr lang="en-US" dirty="0" err="1" smtClean="0"/>
+              <a:t>chuỗi</a:t>
+            </a:r>
+            <a:r>
+              <a:rPr lang="en-US" dirty="0" smtClean="0"/>
+              <a:t> </a:t>
+            </a:r>
+            <a:r>
+              <a:rPr lang="en-US" dirty="0" err="1" smtClean="0"/>
+              <a:t>kí</a:t>
+            </a:r>
+            <a:r>
+              <a:rPr lang="en-US" dirty="0" smtClean="0"/>
+              <a:t> </a:t>
+            </a:r>
+            <a:r>
+              <a:rPr lang="en-US" dirty="0" err="1" smtClean="0"/>
+              <a:t>tự</a:t>
+            </a:r>
+            <a:r>
+              <a:rPr lang="en-US" dirty="0"/>
+              <a:t>.</a:t>
+            </a:r>
             <a:endParaRPr lang="en-US" dirty="0" smtClean="0"/>
           </a:p>
           <a:p>
             <a:r>
-              <a:rPr lang="en-US" dirty="0" smtClean="0"/>
-              <a:t>String </a:t>
-            </a:r>
-            <a:r>
-              <a:rPr lang="en-US" dirty="0" err="1" smtClean="0"/>
-              <a:t>là</a:t>
-            </a:r>
-            <a:r>
-              <a:rPr lang="en-US" dirty="0" smtClean="0"/>
-              <a:t> </a:t>
-            </a:r>
-            <a:r>
-              <a:rPr lang="en-US" dirty="0" err="1" smtClean="0"/>
-              <a:t>biểu</a:t>
-            </a:r>
-            <a:r>
-              <a:rPr lang="en-US" dirty="0" smtClean="0"/>
-              <a:t> </a:t>
-            </a:r>
-            <a:r>
-              <a:rPr lang="en-US" dirty="0" err="1" smtClean="0"/>
-              <a:t>diễn</a:t>
-            </a:r>
-            <a:r>
-              <a:rPr lang="en-US" dirty="0" smtClean="0"/>
-              <a:t> </a:t>
-            </a:r>
-            <a:r>
-              <a:rPr lang="en-US" dirty="0" err="1" smtClean="0"/>
-              <a:t>cho</a:t>
-            </a:r>
-            <a:r>
-              <a:rPr lang="en-US" dirty="0" smtClean="0"/>
-              <a:t> </a:t>
-            </a:r>
-            <a:r>
-              <a:rPr lang="en-US" dirty="0" err="1" smtClean="0"/>
-              <a:t>một</a:t>
-            </a:r>
-            <a:r>
-              <a:rPr lang="en-US" dirty="0" smtClean="0"/>
-              <a:t> </a:t>
-            </a:r>
-            <a:r>
-              <a:rPr lang="en-US" dirty="0" err="1" smtClean="0"/>
-              <a:t>chuỗi</a:t>
-            </a:r>
-            <a:r>
-              <a:rPr lang="en-US" dirty="0" smtClean="0"/>
-              <a:t> </a:t>
-            </a:r>
-            <a:r>
-              <a:rPr lang="en-US" b="1" dirty="0" smtClean="0"/>
-              <a:t>char</a:t>
-            </a:r>
-          </a:p>
-          <a:p>
-            <a:r>
-              <a:rPr lang="en-US" dirty="0" smtClean="0"/>
-              <a:t>(</a:t>
+              <a:rPr lang="en-US" dirty="0" err="1" smtClean="0"/>
+              <a:t>Biến</a:t>
+            </a:r>
+            <a:r>
+              <a:rPr lang="en-US" dirty="0" smtClean="0"/>
+              <a:t> </a:t>
+            </a:r>
+            <a:r>
+              <a:rPr lang="en-US" dirty="0" err="1" smtClean="0"/>
+              <a:t>đã</a:t>
+            </a:r>
+            <a:r>
+              <a:rPr lang="en-US" dirty="0" smtClean="0"/>
+              <a:t> </a:t>
+            </a:r>
+            <a:r>
+              <a:rPr lang="en-US" dirty="0" err="1" smtClean="0"/>
+              <a:t>khởi</a:t>
+            </a:r>
+            <a:r>
+              <a:rPr lang="en-US" dirty="0" smtClean="0"/>
+              <a:t> </a:t>
+            </a:r>
+            <a:r>
+              <a:rPr lang="en-US" dirty="0" err="1" smtClean="0"/>
+              <a:t>tạo</a:t>
+            </a:r>
+            <a:r>
+              <a:rPr lang="en-US" dirty="0" smtClean="0"/>
+              <a:t> </a:t>
+            </a:r>
+            <a:r>
+              <a:rPr lang="en-US" dirty="0" err="1" smtClean="0"/>
+              <a:t>giá</a:t>
+            </a:r>
+            <a:r>
+              <a:rPr lang="en-US" dirty="0" smtClean="0"/>
+              <a:t> </a:t>
+            </a:r>
+            <a:r>
+              <a:rPr lang="en-US" dirty="0" err="1" smtClean="0"/>
+              <a:t>trị</a:t>
+            </a:r>
+            <a:r>
+              <a:rPr lang="en-US" dirty="0" smtClean="0"/>
+              <a:t> </a:t>
+            </a:r>
+            <a:r>
+              <a:rPr lang="en-US" dirty="0" err="1"/>
+              <a:t>không</a:t>
+            </a:r>
+            <a:r>
+              <a:rPr lang="en-US" dirty="0"/>
+              <a:t> </a:t>
+            </a:r>
+            <a:r>
+              <a:rPr lang="en-US" dirty="0" err="1"/>
+              <a:t>thể</a:t>
+            </a:r>
+            <a:r>
+              <a:rPr lang="en-US" dirty="0"/>
+              <a:t> </a:t>
+            </a:r>
+            <a:r>
+              <a:rPr lang="en-US" dirty="0" err="1"/>
+              <a:t>thay</a:t>
+            </a:r>
+            <a:r>
+              <a:rPr lang="en-US" dirty="0"/>
+              <a:t> </a:t>
+            </a:r>
+            <a:r>
+              <a:rPr lang="en-US" dirty="0" err="1" smtClean="0"/>
+              <a:t>đổi</a:t>
+            </a:r>
+            <a:r>
+              <a:rPr lang="en-US" dirty="0" smtClean="0"/>
+              <a:t> - (</a:t>
             </a:r>
             <a:r>
               <a:rPr lang="en-US" dirty="0"/>
@@ -4129,77 +8003,8 @@
             </a:r>
             <a:r>
               <a:rPr lang="en-US" dirty="0" smtClean="0"/>
-              <a:t>) – </a:t>
-            </a:r>
-            <a:r>
-              <a:rPr lang="en-US" dirty="0" err="1" smtClean="0"/>
-              <a:t>biến</a:t>
-            </a:r>
-            <a:r>
-              <a:rPr lang="en-US" dirty="0" smtClean="0"/>
-              <a:t> </a:t>
-            </a:r>
-            <a:r>
-              <a:rPr lang="en-US" dirty="0" err="1" smtClean="0"/>
-              <a:t>khởi</a:t>
-            </a:r>
-            <a:r>
-              <a:rPr lang="en-US" dirty="0" smtClean="0"/>
-              <a:t> </a:t>
-            </a:r>
-            <a:r>
-              <a:rPr lang="en-US" dirty="0" err="1" smtClean="0"/>
-              <a:t>tạo</a:t>
-            </a:r>
-            <a:r>
-              <a:rPr lang="en-US" dirty="0"/>
-              <a:t> </a:t>
-            </a:r>
-            <a:r>
-              <a:rPr lang="en-US" dirty="0" err="1" smtClean="0"/>
-              <a:t>giá</a:t>
-            </a:r>
-            <a:r>
-              <a:rPr lang="en-US" dirty="0" smtClean="0"/>
-              <a:t> </a:t>
-            </a:r>
-            <a:r>
-              <a:rPr lang="en-US" dirty="0" err="1" smtClean="0"/>
-              <a:t>trị</a:t>
-            </a:r>
-            <a:r>
-              <a:rPr lang="en-US" dirty="0" smtClean="0"/>
-              <a:t> </a:t>
-            </a:r>
-            <a:r>
-              <a:rPr lang="en-US" dirty="0" err="1" smtClean="0"/>
-              <a:t>không</a:t>
-            </a:r>
-            <a:r>
-              <a:rPr lang="en-US" dirty="0" smtClean="0"/>
-              <a:t> </a:t>
-            </a:r>
-            <a:r>
-              <a:rPr lang="en-US" dirty="0" err="1" smtClean="0"/>
-              <a:t>thể</a:t>
-            </a:r>
-            <a:r>
-              <a:rPr lang="en-US" dirty="0" smtClean="0"/>
-              <a:t> </a:t>
-            </a:r>
-            <a:r>
-              <a:rPr lang="en-US" dirty="0" err="1" smtClean="0"/>
-              <a:t>thay</a:t>
-            </a:r>
-            <a:r>
-              <a:rPr lang="en-US" dirty="0" smtClean="0"/>
-              <a:t> </a:t>
-            </a:r>
-            <a:r>
-              <a:rPr lang="en-US" dirty="0" err="1" smtClean="0"/>
-              <a:t>đổi</a:t>
-            </a:r>
-            <a:endParaRPr lang="en-US" dirty="0" smtClean="0"/>
+              <a:t>) </a:t>
+            </a:r>
           </a:p>
           <a:p>
             <a:r>
@@ -4319,63 +8124,76 @@
           <a:lstStyle/>
           <a:p>
             <a:r>
-              <a:rPr lang="en-US" dirty="0" err="1"/>
-              <a:t>Cách</a:t>
+              <a:rPr lang="en-US" dirty="0" err="1" smtClean="0"/>
+              <a:t>Hai</a:t>
+            </a:r>
+            <a:r>
+              <a:rPr lang="en-US" dirty="0" smtClean="0"/>
+              <a:t> </a:t>
+            </a:r>
+            <a:r>
+              <a:rPr lang="en-US" dirty="0" err="1" smtClean="0"/>
+              <a:t>cách</a:t>
+            </a:r>
+            <a:r>
+              <a:rPr lang="en-US" dirty="0" smtClean="0"/>
+              <a:t> </a:t>
+            </a:r>
+            <a:r>
+              <a:rPr lang="en-US" dirty="0" err="1" smtClean="0"/>
+              <a:t>khởi</a:t>
+            </a:r>
+            <a:r>
+              <a:rPr lang="en-US" dirty="0" smtClean="0"/>
+              <a:t> </a:t>
+            </a:r>
+            <a:r>
+              <a:rPr lang="en-US" dirty="0" err="1" smtClean="0"/>
+              <a:t>tại</a:t>
+            </a:r>
+            <a:r>
+              <a:rPr lang="en-US" dirty="0" smtClean="0"/>
+              <a:t> </a:t>
+            </a:r>
+            <a:r>
+              <a:rPr lang="en-US" dirty="0" err="1" smtClean="0"/>
+              <a:t>biến</a:t>
+            </a:r>
+            <a:r>
+              <a:rPr lang="en-US" dirty="0" smtClean="0"/>
+              <a:t> String</a:t>
+            </a:r>
+            <a:endParaRPr lang="en-US" dirty="0"/>
+          </a:p>
+          <a:p>
+            <a:pPr lvl="1"/>
+            <a:r>
+              <a:rPr lang="en-US" dirty="0" smtClean="0"/>
+              <a:t>String </a:t>
             </a:r>
             <a:r>
               <a:rPr lang="en-US" dirty="0"/>
-              <a:t> </a:t>
-            </a:r>
-            <a:r>
-              <a:rPr lang="en-US" dirty="0" err="1"/>
-              <a:t>khởi</a:t>
-            </a:r>
-            <a:r>
-              <a:rPr lang="en-US" dirty="0"/>
-              <a:t> </a:t>
-            </a:r>
-            <a:r>
-              <a:rPr lang="en-US" dirty="0" err="1"/>
-              <a:t>tạo</a:t>
-            </a:r>
-            <a:endParaRPr lang="en-US" dirty="0"/>
-          </a:p>
-          <a:p>
-            <a:pPr lvl="1"/>
-            <a:r>
-              <a:rPr lang="en-US" dirty="0" err="1"/>
-              <a:t>Từ</a:t>
-            </a:r>
-            <a:r>
-              <a:rPr lang="en-US" dirty="0"/>
-              <a:t> </a:t>
-            </a:r>
-            <a:r>
-              <a:rPr lang="en-US" dirty="0" err="1"/>
-              <a:t>một</a:t>
-            </a:r>
-            <a:r>
-              <a:rPr lang="en-US" dirty="0"/>
-              <a:t> </a:t>
-            </a:r>
-            <a:r>
-              <a:rPr lang="en-US" dirty="0" err="1"/>
-              <a:t>mảng</a:t>
-            </a:r>
-            <a:r>
-              <a:rPr lang="en-US" dirty="0"/>
-              <a:t> char[]</a:t>
-            </a:r>
-          </a:p>
-          <a:p>
-            <a:pPr lvl="1"/>
-            <a:r>
-              <a:rPr lang="en-US" dirty="0"/>
-              <a:t>String name = “T3H</a:t>
-            </a:r>
-            <a:r>
-              <a:rPr lang="en-US" dirty="0" smtClean="0"/>
-              <a:t>” (String </a:t>
+              <a:t>name = “T3H</a:t>
+            </a:r>
+            <a:r>
+              <a:rPr lang="en-US" dirty="0" smtClean="0"/>
+              <a:t>” (</a:t>
+            </a:r>
+            <a:r>
+              <a:rPr lang="en-US" dirty="0" err="1" smtClean="0"/>
+              <a:t>gọi</a:t>
+            </a:r>
+            <a:r>
+              <a:rPr lang="en-US" dirty="0" smtClean="0"/>
+              <a:t> </a:t>
+            </a:r>
+            <a:r>
+              <a:rPr lang="en-US" dirty="0" err="1" smtClean="0"/>
+              <a:t>là</a:t>
+            </a:r>
+            <a:r>
+              <a:rPr lang="en-US" dirty="0" smtClean="0"/>
+              <a:t> String </a:t>
             </a:r>
             <a:r>
               <a:rPr lang="en-GB" dirty="0" smtClean="0"/>
@@ -4399,28 +8217,20 @@
             </a:r>
           </a:p>
           <a:p>
-            <a:pPr lvl="1"/>
-            <a:r>
-              <a:rPr lang="en-US" dirty="0" smtClean="0"/>
-              <a:t>String x = name; </a:t>
-            </a:r>
-            <a:endParaRPr lang="en-US" dirty="0"/>
-          </a:p>
-          <a:p>
             <a:endParaRPr lang="en-GB" dirty="0"/>
           </a:p>
         </p:txBody>
       </p:sp>
       <p:sp>
         <p:nvSpPr>
-          <p:cNvPr id="4" name="TextBox 3"/>
+          <p:cNvPr id="5" name="TextBox 4"/>
           <p:cNvSpPr txBox="1"/>
           <p:nvPr/>
         </p:nvSpPr>
         <p:spPr>
           <a:xfrm>
-            <a:off x="1066800" y="5029200"/>
-            <a:ext cx="7248716" cy="769441"/>
+            <a:off x="1066800" y="5207603"/>
+            <a:ext cx="7401450" cy="430887"/>
           </a:xfrm>
           <a:prstGeom prst="rect">
             <a:avLst/>
@@ -4434,16 +8244,20 @@
           <a:lstStyle/>
           <a:p>
             <a:r>
+              <a:rPr lang="en-US" sz="2200" dirty="0" smtClean="0"/>
+              <a:t>String </a:t>
+            </a:r>
+            <a:r>
               <a:rPr lang="en-US" sz="2200" dirty="0" err="1" smtClean="0"/>
-              <a:t>Biến</a:t>
+              <a:t>là</a:t>
             </a:r>
             <a:r>
               <a:rPr lang="en-US" sz="2200" dirty="0" smtClean="0"/>
-              <a:t> x </a:t>
+              <a:t> object </a:t>
             </a:r>
             <a:r>
               <a:rPr lang="en-US" sz="2200" dirty="0" err="1" smtClean="0"/>
-              <a:t>phải</a:t>
+              <a:t>vừa</a:t>
             </a:r>
             <a:r>
               <a:rPr lang="en-US" sz="2200" dirty="0" smtClean="0"/>
@@ -4451,95 +8265,310 @@
             </a:r>
             <a:r>
               <a:rPr lang="en-US" sz="2200" dirty="0" err="1" smtClean="0"/>
-              <a:t>khởi</a:t>
+              <a:t>là</a:t>
             </a:r>
             <a:r>
               <a:rPr lang="en-US" sz="2200" dirty="0" smtClean="0"/>
               <a:t> </a:t>
             </a:r>
             <a:r>
+              <a:rPr lang="en-US" sz="2200" b="1" dirty="0" err="1" smtClean="0"/>
+              <a:t>tính</a:t>
+            </a:r>
+            <a:r>
+              <a:rPr lang="en-US" sz="2200" b="1" dirty="0" smtClean="0"/>
+              <a:t> </a:t>
+            </a:r>
+            <a:r>
+              <a:rPr lang="en-US" sz="2200" b="1" dirty="0" err="1" smtClean="0"/>
+              <a:t>nguyên</a:t>
+            </a:r>
+            <a:r>
+              <a:rPr lang="en-US" sz="2200" b="1" dirty="0" smtClean="0"/>
+              <a:t> </a:t>
+            </a:r>
+            <a:r>
+              <a:rPr lang="en-US" sz="2200" b="1" dirty="0" err="1" smtClean="0"/>
+              <a:t>thủy</a:t>
+            </a:r>
+            <a:r>
+              <a:rPr lang="en-US" sz="2200" b="1" dirty="0" smtClean="0"/>
+              <a:t> </a:t>
+            </a:r>
+            <a:r>
               <a:rPr lang="en-US" sz="2200" dirty="0" err="1" smtClean="0"/>
-              <a:t>tạo</a:t>
+              <a:t>vừa</a:t>
             </a:r>
             <a:r>
               <a:rPr lang="en-US" sz="2200" dirty="0" smtClean="0"/>
-              <a:t> Instance </a:t>
+              <a:t> </a:t>
             </a:r>
             <a:r>
               <a:rPr lang="en-US" sz="2200" dirty="0" err="1" smtClean="0"/>
-              <a:t>mới</a:t>
-            </a:r>
-            <a:r>
-              <a:rPr lang="en-US" sz="2200" dirty="0" smtClean="0"/>
-              <a:t> (new String) – </a:t>
-            </a:r>
-            <a:r>
-              <a:rPr lang="en-US" sz="2200" dirty="0" err="1" smtClean="0"/>
-              <a:t>Vì</a:t>
-            </a:r>
-            <a:r>
-              <a:rPr lang="en-US" sz="2200" dirty="0" smtClean="0"/>
-              <a:t> Immutable</a:t>
-            </a:r>
-          </a:p>
-          <a:p>
-            <a:r>
-              <a:rPr lang="en-US" sz="2200" dirty="0" err="1" smtClean="0"/>
-              <a:t>Biễn</a:t>
-            </a:r>
-            <a:r>
-              <a:rPr lang="en-US" sz="2200" dirty="0" smtClean="0"/>
-              <a:t> x </a:t>
-            </a:r>
-            <a:r>
-              <a:rPr lang="en-US" sz="2200" dirty="0" err="1" smtClean="0"/>
-              <a:t>lấy</a:t>
-            </a:r>
-            <a:r>
-              <a:rPr lang="en-US" sz="2200" dirty="0" smtClean="0"/>
-              <a:t> </a:t>
-            </a:r>
-            <a:r>
-              <a:rPr lang="en-US" sz="2200" dirty="0" err="1" smtClean="0"/>
-              <a:t>giá</a:t>
-            </a:r>
-            <a:r>
-              <a:rPr lang="en-US" sz="2200" dirty="0" smtClean="0"/>
-              <a:t> </a:t>
-            </a:r>
-            <a:r>
-              <a:rPr lang="en-US" sz="2200" dirty="0" err="1" smtClean="0"/>
-              <a:t>trị</a:t>
-            </a:r>
-            <a:r>
-              <a:rPr lang="en-US" sz="2200" dirty="0" smtClean="0"/>
-              <a:t> </a:t>
-            </a:r>
-            <a:r>
-              <a:rPr lang="en-US" sz="2200" dirty="0" err="1" smtClean="0"/>
-              <a:t>thông</a:t>
-            </a:r>
-            <a:r>
-              <a:rPr lang="en-US" sz="2200" dirty="0" smtClean="0"/>
-              <a:t> qua </a:t>
-            </a:r>
-            <a:r>
-              <a:rPr lang="en-US" sz="2200" dirty="0" err="1" smtClean="0"/>
+              <a:t>là</a:t>
+            </a:r>
+            <a:r>
+              <a:rPr lang="en-US" sz="2200" b="1" dirty="0" smtClean="0"/>
+              <a:t> </a:t>
+            </a:r>
+            <a:r>
+              <a:rPr lang="en-US" sz="2200" b="1" dirty="0" err="1" smtClean="0"/>
+              <a:t>kiểu</a:t>
+            </a:r>
+            <a:r>
+              <a:rPr lang="en-US" sz="2200" b="1" dirty="0" smtClean="0"/>
+              <a:t> </a:t>
+            </a:r>
+            <a:r>
+              <a:rPr lang="en-US" sz="2200" b="1" dirty="0" err="1" smtClean="0"/>
               <a:t>tham</a:t>
             </a:r>
             <a:r>
-              <a:rPr lang="en-US" sz="2200" dirty="0" smtClean="0"/>
-              <a:t> </a:t>
-            </a:r>
-            <a:r>
-              <a:rPr lang="en-US" sz="2200" dirty="0" err="1" smtClean="0"/>
+              <a:rPr lang="en-US" sz="2200" b="1" dirty="0" smtClean="0"/>
+              <a:t> </a:t>
+            </a:r>
+            <a:r>
+              <a:rPr lang="en-US" sz="2200" b="1" dirty="0" err="1" smtClean="0"/>
               <a:t>chiếu</a:t>
             </a:r>
-            <a:r>
-              <a:rPr lang="en-US" sz="2200" dirty="0" smtClean="0"/>
-              <a:t> qua name</a:t>
-            </a:r>
-            <a:endParaRPr lang="en-GB" sz="2200" dirty="0"/>
+            <a:endParaRPr lang="en-GB" sz="2200" b="1" dirty="0"/>
+          </a:p>
+        </p:txBody>
+      </p:sp>
+      <p:grpSp>
+        <p:nvGrpSpPr>
+          <p:cNvPr id="9" name="Group 8"/>
+          <p:cNvGrpSpPr/>
+          <p:nvPr/>
+        </p:nvGrpSpPr>
+        <p:grpSpPr>
+          <a:xfrm>
+            <a:off x="3161162" y="4114800"/>
+            <a:ext cx="2207525" cy="609600"/>
+            <a:chOff x="2667000" y="3733800"/>
+            <a:chExt cx="2207525" cy="609600"/>
+          </a:xfrm>
+        </p:grpSpPr>
+        <p:sp>
+          <p:nvSpPr>
+            <p:cNvPr id="6" name="Rectangle 5"/>
+            <p:cNvSpPr/>
+            <p:nvPr/>
+          </p:nvSpPr>
+          <p:spPr>
+            <a:xfrm>
+              <a:off x="2667000" y="3733800"/>
+              <a:ext cx="609600" cy="609600"/>
+            </a:xfrm>
+            <a:prstGeom prst="rect">
+              <a:avLst/>
+            </a:prstGeom>
+          </p:spPr>
+          <p:style>
+            <a:lnRef idx="2">
+              <a:schemeClr val="accent1">
+                <a:shade val="50000"/>
+              </a:schemeClr>
+            </a:lnRef>
+            <a:fillRef idx="1">
+              <a:schemeClr val="accent1"/>
+            </a:fillRef>
+            <a:effectRef idx="0">
+              <a:schemeClr val="accent1"/>
+            </a:effectRef>
+            <a:fontRef idx="minor">
+              <a:schemeClr val="lt1"/>
+            </a:fontRef>
+          </p:style>
+          <p:txBody>
+            <a:bodyPr rtlCol="0" anchor="ctr"/>
+            <a:lstStyle/>
+            <a:p>
+              <a:pPr algn="ctr"/>
+              <a:r>
+                <a:rPr lang="en-US" sz="2800" dirty="0" smtClean="0"/>
+                <a:t>T</a:t>
+              </a:r>
+              <a:endParaRPr lang="en-GB" sz="2800" dirty="0"/>
+            </a:p>
+          </p:txBody>
+        </p:sp>
+        <p:sp>
+          <p:nvSpPr>
+            <p:cNvPr id="7" name="Rectangle 6"/>
+            <p:cNvSpPr/>
+            <p:nvPr/>
+          </p:nvSpPr>
+          <p:spPr>
+            <a:xfrm>
+              <a:off x="3505200" y="3733800"/>
+              <a:ext cx="609600" cy="609600"/>
+            </a:xfrm>
+            <a:prstGeom prst="rect">
+              <a:avLst/>
+            </a:prstGeom>
+          </p:spPr>
+          <p:style>
+            <a:lnRef idx="2">
+              <a:schemeClr val="accent1">
+                <a:shade val="50000"/>
+              </a:schemeClr>
+            </a:lnRef>
+            <a:fillRef idx="1">
+              <a:schemeClr val="accent1"/>
+            </a:fillRef>
+            <a:effectRef idx="0">
+              <a:schemeClr val="accent1"/>
+            </a:effectRef>
+            <a:fontRef idx="minor">
+              <a:schemeClr val="lt1"/>
+            </a:fontRef>
+          </p:style>
+          <p:txBody>
+            <a:bodyPr rtlCol="0" anchor="ctr"/>
+            <a:lstStyle/>
+            <a:p>
+              <a:pPr algn="ctr"/>
+              <a:r>
+                <a:rPr lang="en-US" sz="2800" dirty="0" smtClean="0"/>
+                <a:t>3</a:t>
+              </a:r>
+              <a:endParaRPr lang="en-GB" sz="2800" dirty="0"/>
+            </a:p>
+          </p:txBody>
+        </p:sp>
+        <p:sp>
+          <p:nvSpPr>
+            <p:cNvPr id="8" name="Rectangle 7"/>
+            <p:cNvSpPr/>
+            <p:nvPr/>
+          </p:nvSpPr>
+          <p:spPr>
+            <a:xfrm>
+              <a:off x="4264925" y="3733800"/>
+              <a:ext cx="609600" cy="609600"/>
+            </a:xfrm>
+            <a:prstGeom prst="rect">
+              <a:avLst/>
+            </a:prstGeom>
+          </p:spPr>
+          <p:style>
+            <a:lnRef idx="2">
+              <a:schemeClr val="accent1">
+                <a:shade val="50000"/>
+              </a:schemeClr>
+            </a:lnRef>
+            <a:fillRef idx="1">
+              <a:schemeClr val="accent1"/>
+            </a:fillRef>
+            <a:effectRef idx="0">
+              <a:schemeClr val="accent1"/>
+            </a:effectRef>
+            <a:fontRef idx="minor">
+              <a:schemeClr val="lt1"/>
+            </a:fontRef>
+          </p:style>
+          <p:txBody>
+            <a:bodyPr rtlCol="0" anchor="ctr"/>
+            <a:lstStyle/>
+            <a:p>
+              <a:pPr algn="ctr"/>
+              <a:r>
+                <a:rPr lang="en-US" sz="2800" dirty="0" smtClean="0"/>
+                <a:t>H</a:t>
+              </a:r>
+              <a:endParaRPr lang="en-GB" sz="2800" dirty="0"/>
+            </a:p>
+          </p:txBody>
+        </p:sp>
+      </p:grpSp>
+      <p:sp>
+        <p:nvSpPr>
+          <p:cNvPr id="10" name="TextBox 9"/>
+          <p:cNvSpPr txBox="1"/>
+          <p:nvPr/>
+        </p:nvSpPr>
+        <p:spPr>
+          <a:xfrm>
+            <a:off x="3315119" y="3682200"/>
+            <a:ext cx="301686" cy="369332"/>
+          </a:xfrm>
+          <a:prstGeom prst="rect">
+            <a:avLst/>
+          </a:prstGeom>
+          <a:noFill/>
+        </p:spPr>
+        <p:txBody>
+          <a:bodyPr wrap="none" rtlCol="0">
+            <a:spAutoFit/>
+          </a:bodyPr>
+          <a:lstStyle/>
+          <a:p>
+            <a:r>
+              <a:rPr lang="en-US" dirty="0" smtClean="0"/>
+              <a:t>0</a:t>
+            </a:r>
+            <a:endParaRPr lang="en-GB" dirty="0"/>
+          </a:p>
+        </p:txBody>
+      </p:sp>
+      <p:sp>
+        <p:nvSpPr>
+          <p:cNvPr id="12" name="TextBox 11"/>
+          <p:cNvSpPr txBox="1"/>
+          <p:nvPr/>
+        </p:nvSpPr>
+        <p:spPr>
+          <a:xfrm>
+            <a:off x="4153319" y="3682200"/>
+            <a:ext cx="301686" cy="369332"/>
+          </a:xfrm>
+          <a:prstGeom prst="rect">
+            <a:avLst/>
+          </a:prstGeom>
+          <a:noFill/>
+        </p:spPr>
+        <p:txBody>
+          <a:bodyPr wrap="none" rtlCol="0">
+            <a:spAutoFit/>
+          </a:bodyPr>
+          <a:lstStyle/>
+          <a:p>
+            <a:r>
+              <a:rPr lang="en-US" dirty="0"/>
+              <a:t>1</a:t>
+            </a:r>
+            <a:endParaRPr lang="en-GB" dirty="0"/>
+          </a:p>
+        </p:txBody>
+      </p:sp>
+      <p:sp>
+        <p:nvSpPr>
+          <p:cNvPr id="13" name="TextBox 12"/>
+          <p:cNvSpPr txBox="1"/>
+          <p:nvPr/>
+        </p:nvSpPr>
+        <p:spPr>
+          <a:xfrm>
+            <a:off x="4913044" y="3682200"/>
+            <a:ext cx="301686" cy="369332"/>
+          </a:xfrm>
+          <a:prstGeom prst="rect">
+            <a:avLst/>
+          </a:prstGeom>
+          <a:noFill/>
+        </p:spPr>
+        <p:txBody>
+          <a:bodyPr wrap="none" rtlCol="0">
+            <a:spAutoFit/>
+          </a:bodyPr>
+          <a:lstStyle/>
+          <a:p>
+            <a:r>
+              <a:rPr lang="en-US" dirty="0"/>
+              <a:t>2</a:t>
+            </a:r>
+            <a:endParaRPr lang="en-GB" dirty="0"/>
           </a:p>
         </p:txBody>
       </p:sp>
@@ -4589,6 +8618,430 @@
           <a:lstStyle/>
           <a:p>
             <a:r>
+              <a:rPr lang="en-US" dirty="0" smtClean="0"/>
+              <a:t>String - Immutable</a:t>
+            </a:r>
+            <a:endParaRPr lang="en-GB" dirty="0"/>
+          </a:p>
+        </p:txBody>
+      </p:sp>
+      <p:sp>
+        <p:nvSpPr>
+          <p:cNvPr id="3" name="Content Placeholder 2"/>
+          <p:cNvSpPr>
+            <a:spLocks noGrp="1"/>
+          </p:cNvSpPr>
+          <p:nvPr>
+            <p:ph idx="1"/>
+          </p:nvPr>
+        </p:nvSpPr>
+        <p:spPr>
+          <a:xfrm>
+            <a:off x="567619" y="3936526"/>
+            <a:ext cx="8229600" cy="868363"/>
+          </a:xfrm>
+        </p:spPr>
+        <p:txBody>
+          <a:bodyPr>
+            <a:normAutofit/>
+          </a:bodyPr>
+          <a:lstStyle/>
+          <a:p>
+            <a:pPr marL="0" indent="0">
+              <a:buNone/>
+            </a:pPr>
+            <a:r>
+              <a:rPr lang="en-US" sz="2200" dirty="0" smtClean="0"/>
+              <a:t>Java </a:t>
+            </a:r>
+            <a:r>
+              <a:rPr lang="en-US" sz="2200" b="1" dirty="0" err="1" smtClean="0"/>
+              <a:t>tạo</a:t>
+            </a:r>
+            <a:r>
+              <a:rPr lang="en-US" sz="2200" b="1" dirty="0" smtClean="0"/>
+              <a:t> </a:t>
+            </a:r>
+            <a:r>
+              <a:rPr lang="en-US" sz="2200" b="1" dirty="0" err="1" smtClean="0"/>
+              <a:t>một</a:t>
+            </a:r>
+            <a:r>
+              <a:rPr lang="en-US" sz="2200" b="1" dirty="0" smtClean="0"/>
+              <a:t> </a:t>
+            </a:r>
+            <a:r>
+              <a:rPr lang="en-US" sz="2200" b="1" dirty="0" err="1" smtClean="0"/>
+              <a:t>vùng</a:t>
+            </a:r>
+            <a:r>
+              <a:rPr lang="en-US" sz="2200" b="1" dirty="0" smtClean="0"/>
+              <a:t> </a:t>
+            </a:r>
+            <a:r>
+              <a:rPr lang="en-US" sz="2200" b="1" dirty="0" err="1" smtClean="0"/>
+              <a:t>nhớ</a:t>
+            </a:r>
+            <a:r>
+              <a:rPr lang="en-US" sz="2200" b="1" dirty="0" smtClean="0"/>
+              <a:t> </a:t>
+            </a:r>
+            <a:r>
+              <a:rPr lang="en-US" sz="2200" b="1" dirty="0" err="1" smtClean="0"/>
+              <a:t>mới</a:t>
+            </a:r>
+            <a:r>
+              <a:rPr lang="en-US" sz="2200" b="1" dirty="0" smtClean="0"/>
+              <a:t> </a:t>
+            </a:r>
+            <a:r>
+              <a:rPr lang="en-US" sz="2200" dirty="0" smtClean="0"/>
+              <a:t>“123”, </a:t>
+            </a:r>
+            <a:r>
+              <a:rPr lang="en-US" sz="2200" dirty="0" err="1" smtClean="0"/>
+              <a:t>chứ</a:t>
+            </a:r>
+            <a:r>
+              <a:rPr lang="en-US" sz="2200" dirty="0" smtClean="0"/>
+              <a:t> </a:t>
+            </a:r>
+            <a:r>
+              <a:rPr lang="en-US" sz="2200" dirty="0" err="1" smtClean="0"/>
+              <a:t>không</a:t>
+            </a:r>
+            <a:r>
+              <a:rPr lang="en-US" sz="2200" dirty="0" smtClean="0"/>
+              <a:t> </a:t>
+            </a:r>
+            <a:r>
+              <a:rPr lang="en-US" sz="2200" dirty="0" err="1" smtClean="0"/>
+              <a:t>hề</a:t>
+            </a:r>
+            <a:r>
+              <a:rPr lang="en-US" sz="2200" dirty="0" smtClean="0"/>
+              <a:t> </a:t>
+            </a:r>
+            <a:r>
+              <a:rPr lang="en-US" sz="2200" dirty="0" err="1" smtClean="0"/>
+              <a:t>thay</a:t>
+            </a:r>
+            <a:r>
+              <a:rPr lang="en-US" sz="2200" dirty="0" smtClean="0"/>
+              <a:t> </a:t>
+            </a:r>
+            <a:r>
+              <a:rPr lang="en-US" sz="2200" dirty="0" err="1" smtClean="0"/>
+              <a:t>thế</a:t>
+            </a:r>
+            <a:r>
+              <a:rPr lang="en-US" sz="2200" dirty="0" smtClean="0"/>
+              <a:t> </a:t>
+            </a:r>
+            <a:r>
+              <a:rPr lang="en-US" sz="2200" dirty="0" err="1" smtClean="0"/>
+              <a:t>vùng</a:t>
+            </a:r>
+            <a:r>
+              <a:rPr lang="en-US" sz="2200" dirty="0" smtClean="0"/>
+              <a:t> </a:t>
+            </a:r>
+            <a:r>
+              <a:rPr lang="en-US" sz="2200" dirty="0" err="1" smtClean="0"/>
+              <a:t>nhớ</a:t>
+            </a:r>
+            <a:r>
+              <a:rPr lang="en-US" sz="2200" dirty="0" smtClean="0"/>
+              <a:t> “</a:t>
+            </a:r>
+            <a:r>
+              <a:rPr lang="en-US" sz="2200" dirty="0" err="1" smtClean="0"/>
+              <a:t>abc</a:t>
+            </a:r>
+            <a:r>
+              <a:rPr lang="en-US" sz="2200" dirty="0" smtClean="0"/>
+              <a:t>”</a:t>
+            </a:r>
+            <a:endParaRPr lang="en-GB" sz="2200" dirty="0"/>
+          </a:p>
+        </p:txBody>
+      </p:sp>
+      <p:pic>
+        <p:nvPicPr>
+          <p:cNvPr id="11266" name="Picture 2"/>
+          <p:cNvPicPr>
+            <a:picLocks noChangeAspect="1" noChangeArrowheads="1"/>
+          </p:cNvPicPr>
+          <p:nvPr/>
+        </p:nvPicPr>
+        <p:blipFill>
+          <a:blip r:embed="rId2">
+            <a:extLst>
+              <a:ext uri="{28A0092B-C50C-407E-A947-70E740481C1C}">
+                <a14:useLocalDpi xmlns:a14="http://schemas.microsoft.com/office/drawing/2010/main" val="0"/>
+              </a:ext>
+            </a:extLst>
+          </a:blip>
+          <a:srcRect/>
+          <a:stretch>
+            <a:fillRect/>
+          </a:stretch>
+        </p:blipFill>
+        <p:spPr bwMode="auto">
+          <a:xfrm>
+            <a:off x="990600" y="1715069"/>
+            <a:ext cx="7383639" cy="2190750"/>
+          </a:xfrm>
+          <a:prstGeom prst="rect">
+            <a:avLst/>
+          </a:prstGeom>
+          <a:noFill/>
+          <a:ln>
+            <a:noFill/>
+          </a:ln>
+          <a:effectLst/>
+          <a:extLst>
+            <a:ext uri="{909E8E84-426E-40DD-AFC4-6F175D3DCCD1}">
+              <a14:hiddenFill xmlns:a14="http://schemas.microsoft.com/office/drawing/2010/main">
+                <a:solidFill>
+                  <a:schemeClr val="accent1"/>
+                </a:solidFill>
+              </a14:hiddenFill>
+            </a:ext>
+            <a:ext uri="{91240B29-F687-4F45-9708-019B960494DF}">
+              <a14:hiddenLine xmlns:a14="http://schemas.microsoft.com/office/drawing/2010/main" w="9525">
+                <a:solidFill>
+                  <a:schemeClr val="tx1"/>
+                </a:solidFill>
+                <a:miter lim="800000"/>
+                <a:headEnd/>
+                <a:tailEnd/>
+              </a14:hiddenLine>
+            </a:ext>
+            <a:ext uri="{AF507438-7753-43E0-B8FC-AC1667EBCBE1}">
+              <a14:hiddenEffects xmlns:a14="http://schemas.microsoft.com/office/drawing/2010/main">
+                <a:effectLst>
+                  <a:outerShdw dist="35921" dir="2700000" algn="ctr" rotWithShape="0">
+                    <a:schemeClr val="bg2"/>
+                  </a:outerShdw>
+                </a:effectLst>
+              </a14:hiddenEffects>
+            </a:ext>
+          </a:extLst>
+        </p:spPr>
+      </p:pic>
+      <p:sp>
+        <p:nvSpPr>
+          <p:cNvPr id="5" name="Down Arrow 4"/>
+          <p:cNvSpPr/>
+          <p:nvPr/>
+        </p:nvSpPr>
+        <p:spPr>
+          <a:xfrm>
+            <a:off x="3886200" y="4648200"/>
+            <a:ext cx="796219" cy="685800"/>
+          </a:xfrm>
+          <a:prstGeom prst="downArrow">
+            <a:avLst/>
+          </a:prstGeom>
+        </p:spPr>
+        <p:style>
+          <a:lnRef idx="2">
+            <a:schemeClr val="accent1">
+              <a:shade val="50000"/>
+            </a:schemeClr>
+          </a:lnRef>
+          <a:fillRef idx="1">
+            <a:schemeClr val="accent1"/>
+          </a:fillRef>
+          <a:effectRef idx="0">
+            <a:schemeClr val="accent1"/>
+          </a:effectRef>
+          <a:fontRef idx="minor">
+            <a:schemeClr val="lt1"/>
+          </a:fontRef>
+        </p:style>
+        <p:txBody>
+          <a:bodyPr rtlCol="0" anchor="ctr"/>
+          <a:lstStyle/>
+          <a:p>
+            <a:pPr algn="ctr"/>
+            <a:endParaRPr lang="en-GB"/>
+          </a:p>
+        </p:txBody>
+      </p:sp>
+      <p:sp>
+        <p:nvSpPr>
+          <p:cNvPr id="6" name="TextBox 5"/>
+          <p:cNvSpPr txBox="1"/>
+          <p:nvPr/>
+        </p:nvSpPr>
+        <p:spPr>
+          <a:xfrm>
+            <a:off x="1063199" y="5638798"/>
+            <a:ext cx="7311040" cy="461665"/>
+          </a:xfrm>
+          <a:prstGeom prst="rect">
+            <a:avLst/>
+          </a:prstGeom>
+          <a:noFill/>
+        </p:spPr>
+        <p:txBody>
+          <a:bodyPr wrap="none" rtlCol="0">
+            <a:spAutoFit/>
+          </a:bodyPr>
+          <a:lstStyle/>
+          <a:p>
+            <a:r>
+              <a:rPr lang="en-US" sz="2400" dirty="0" err="1" smtClean="0"/>
+              <a:t>Gía</a:t>
+            </a:r>
+            <a:r>
+              <a:rPr lang="en-US" sz="2400" dirty="0" smtClean="0"/>
+              <a:t> </a:t>
+            </a:r>
+            <a:r>
+              <a:rPr lang="en-US" sz="2400" dirty="0" err="1" smtClean="0"/>
+              <a:t>trị</a:t>
+            </a:r>
+            <a:r>
+              <a:rPr lang="en-US" sz="2400" dirty="0" smtClean="0"/>
+              <a:t> </a:t>
+            </a:r>
+            <a:r>
+              <a:rPr lang="en-US" sz="2400" dirty="0" err="1" smtClean="0"/>
+              <a:t>không</a:t>
+            </a:r>
+            <a:r>
+              <a:rPr lang="en-US" sz="2400" dirty="0" smtClean="0"/>
+              <a:t> </a:t>
+            </a:r>
+            <a:r>
+              <a:rPr lang="en-US" sz="2400" dirty="0" err="1" smtClean="0"/>
+              <a:t>thể</a:t>
+            </a:r>
+            <a:r>
+              <a:rPr lang="en-US" sz="2400" dirty="0" smtClean="0"/>
+              <a:t> </a:t>
+            </a:r>
+            <a:r>
+              <a:rPr lang="en-US" sz="2400" dirty="0" err="1" smtClean="0"/>
+              <a:t>đổi</a:t>
+            </a:r>
+            <a:r>
+              <a:rPr lang="en-US" sz="2400" dirty="0" smtClean="0"/>
+              <a:t>, </a:t>
+            </a:r>
+            <a:r>
+              <a:rPr lang="en-US" sz="2400" dirty="0" err="1" smtClean="0"/>
+              <a:t>nếu</a:t>
+            </a:r>
+            <a:r>
+              <a:rPr lang="en-US" sz="2400" dirty="0" smtClean="0"/>
+              <a:t> </a:t>
+            </a:r>
+            <a:r>
+              <a:rPr lang="en-US" sz="2400" dirty="0" err="1" smtClean="0"/>
+              <a:t>muốn</a:t>
+            </a:r>
+            <a:r>
+              <a:rPr lang="en-US" sz="2400" dirty="0" smtClean="0"/>
+              <a:t> </a:t>
+            </a:r>
+            <a:r>
+              <a:rPr lang="en-US" sz="2400" dirty="0" err="1" smtClean="0"/>
+              <a:t>đổi</a:t>
+            </a:r>
+            <a:r>
+              <a:rPr lang="en-US" sz="2400" dirty="0" smtClean="0"/>
+              <a:t> </a:t>
+            </a:r>
+            <a:r>
+              <a:rPr lang="en-US" sz="2400" dirty="0" err="1" smtClean="0"/>
+              <a:t>thì</a:t>
+            </a:r>
+            <a:r>
+              <a:rPr lang="en-US" sz="2400" dirty="0" smtClean="0"/>
+              <a:t> </a:t>
+            </a:r>
+            <a:r>
+              <a:rPr lang="en-US" sz="2400" dirty="0" err="1" smtClean="0"/>
+              <a:t>phải</a:t>
+            </a:r>
+            <a:r>
+              <a:rPr lang="en-US" sz="2400" dirty="0" smtClean="0"/>
+              <a:t> </a:t>
+            </a:r>
+            <a:r>
+              <a:rPr lang="en-US" sz="2400" dirty="0" err="1" smtClean="0"/>
+              <a:t>khởi</a:t>
+            </a:r>
+            <a:r>
+              <a:rPr lang="en-US" sz="2400" dirty="0" smtClean="0"/>
+              <a:t> </a:t>
+            </a:r>
+            <a:r>
+              <a:rPr lang="en-US" sz="2400" dirty="0" err="1" smtClean="0"/>
+              <a:t>tạo</a:t>
+            </a:r>
+            <a:r>
+              <a:rPr lang="en-US" sz="2400" dirty="0" smtClean="0"/>
+              <a:t> </a:t>
+            </a:r>
+            <a:r>
+              <a:rPr lang="en-US" sz="2400" dirty="0" err="1" smtClean="0"/>
+              <a:t>mới</a:t>
+            </a:r>
+            <a:endParaRPr lang="en-GB" sz="2400" dirty="0"/>
+          </a:p>
+        </p:txBody>
+      </p:sp>
+    </p:spTree>
+    <p:extLst>
+      <p:ext uri="{BB962C8B-B14F-4D97-AF65-F5344CB8AC3E}">
+        <p14:creationId xmlns:p14="http://schemas.microsoft.com/office/powerpoint/2010/main" val="3740458585"/>
+      </p:ext>
+    </p:extLst>
+  </p:cSld>
+  <p:clrMapOvr>
+    <a:masterClrMapping/>
+  </p:clrMapOvr>
+</p:sld>
+</file>
+
+<file path=ppt/slides/slide8.xml><?xml version="1.0" encoding="utf-8"?>
+<p:sld xmlns:a="http://schemas.openxmlformats.org/drawingml/2006/main" xmlns:r="http://schemas.openxmlformats.org/officeDocument/2006/relationships" xmlns:p="http://schemas.openxmlformats.org/presentationml/2006/main">
+  <p:cSld>
+    <p:spTree>
+      <p:nvGrpSpPr>
+        <p:cNvPr id="1" name=""/>
+        <p:cNvGrpSpPr/>
+        <p:nvPr/>
+      </p:nvGrpSpPr>
+      <p:grpSpPr>
+        <a:xfrm>
+          <a:off x="0" y="0"/>
+          <a:ext cx="0" cy="0"/>
+          <a:chOff x="0" y="0"/>
+          <a:chExt cx="0" cy="0"/>
+        </a:xfrm>
+      </p:grpSpPr>
+      <p:sp>
+        <p:nvSpPr>
+          <p:cNvPr id="2" name="Title 1"/>
+          <p:cNvSpPr>
+            <a:spLocks noGrp="1"/>
+          </p:cNvSpPr>
+          <p:nvPr>
+            <p:ph type="title"/>
+          </p:nvPr>
+        </p:nvSpPr>
+        <p:spPr/>
+        <p:txBody>
+          <a:bodyPr/>
+          <a:lstStyle/>
+          <a:p>
+            <a:r>
               <a:rPr lang="en-US" dirty="0" err="1"/>
               <a:t>Khởi</a:t>
             </a:r>
@@ -4616,7 +9069,6 @@
               <a:rPr lang="en-GB" dirty="0"/>
               <a:t>literal </a:t>
             </a:r>
-            <a:endParaRPr lang="en-GB" dirty="0"/>
           </a:p>
         </p:txBody>
       </p:sp>
@@ -4674,7 +9126,7 @@
         <p:spPr>
           <a:xfrm>
             <a:off x="427154" y="5257800"/>
-            <a:ext cx="8486939" cy="1138773"/>
+            <a:ext cx="8412046" cy="1446550"/>
           </a:xfrm>
           <a:prstGeom prst="rect">
             <a:avLst/>
@@ -4682,7 +9134,7 @@
           <a:noFill/>
         </p:spPr>
         <p:txBody>
-          <a:bodyPr wrap="none" rtlCol="0">
+          <a:bodyPr wrap="square" rtlCol="0">
             <a:spAutoFit/>
           </a:bodyPr>
           <a:lstStyle/>
@@ -4898,6 +9350,14 @@
             </a:r>
             <a:r>
               <a:rPr lang="en-US" sz="2200" dirty="0" err="1" smtClean="0"/>
+              <a:t>chung</a:t>
+            </a:r>
+            <a:r>
+              <a:rPr lang="en-US" sz="2200" dirty="0" smtClean="0"/>
+              <a:t> </a:t>
+            </a:r>
+            <a:r>
+              <a:rPr lang="en-US" sz="2200" dirty="0" err="1" smtClean="0"/>
               <a:t>vùng</a:t>
             </a:r>
             <a:r>
@@ -4956,6 +9416,219 @@
     <p:extLst>
       <p:ext uri="{BB962C8B-B14F-4D97-AF65-F5344CB8AC3E}">
         <p14:creationId xmlns:p14="http://schemas.microsoft.com/office/powerpoint/2010/main" val="3869572982"/>
+      </p:ext>
+    </p:extLst>
+  </p:cSld>
+  <p:clrMapOvr>
+    <a:masterClrMapping/>
+  </p:clrMapOvr>
+</p:sld>
+</file>
+
+<file path=ppt/slides/slide9.xml><?xml version="1.0" encoding="utf-8"?>
+<p:sld xmlns:a="http://schemas.openxmlformats.org/drawingml/2006/main" xmlns:r="http://schemas.openxmlformats.org/officeDocument/2006/relationships" xmlns:p="http://schemas.openxmlformats.org/presentationml/2006/main">
+  <p:cSld>
+    <p:spTree>
+      <p:nvGrpSpPr>
+        <p:cNvPr id="1" name=""/>
+        <p:cNvGrpSpPr/>
+        <p:nvPr/>
+      </p:nvGrpSpPr>
+      <p:grpSpPr>
+        <a:xfrm>
+          <a:off x="0" y="0"/>
+          <a:ext cx="0" cy="0"/>
+          <a:chOff x="0" y="0"/>
+          <a:chExt cx="0" cy="0"/>
+        </a:xfrm>
+      </p:grpSpPr>
+      <p:sp>
+        <p:nvSpPr>
+          <p:cNvPr id="2" name="Title 1"/>
+          <p:cNvSpPr>
+            <a:spLocks noGrp="1"/>
+          </p:cNvSpPr>
+          <p:nvPr>
+            <p:ph type="title"/>
+          </p:nvPr>
+        </p:nvSpPr>
+        <p:spPr/>
+        <p:txBody>
+          <a:bodyPr/>
+          <a:lstStyle/>
+          <a:p>
+            <a:r>
+              <a:rPr lang="en-US" dirty="0" smtClean="0"/>
+              <a:t>String - new </a:t>
+            </a:r>
+            <a:r>
+              <a:rPr lang="en-US" dirty="0" err="1" smtClean="0"/>
+              <a:t>vs</a:t>
+            </a:r>
+            <a:r>
+              <a:rPr lang="en-US" dirty="0" smtClean="0"/>
+              <a:t> literal(1)</a:t>
+            </a:r>
+            <a:endParaRPr lang="en-GB" dirty="0"/>
+          </a:p>
+        </p:txBody>
+      </p:sp>
+      <p:pic>
+        <p:nvPicPr>
+          <p:cNvPr id="3075" name="Picture 3"/>
+          <p:cNvPicPr>
+            <a:picLocks noChangeAspect="1" noChangeArrowheads="1"/>
+          </p:cNvPicPr>
+          <p:nvPr/>
+        </p:nvPicPr>
+        <p:blipFill>
+          <a:blip r:embed="rId2">
+            <a:extLst>
+              <a:ext uri="{28A0092B-C50C-407E-A947-70E740481C1C}">
+                <a14:useLocalDpi xmlns:a14="http://schemas.microsoft.com/office/drawing/2010/main" val="0"/>
+              </a:ext>
+            </a:extLst>
+          </a:blip>
+          <a:srcRect/>
+          <a:stretch>
+            <a:fillRect/>
+          </a:stretch>
+        </p:blipFill>
+        <p:spPr bwMode="auto">
+          <a:xfrm>
+            <a:off x="914400" y="1783306"/>
+            <a:ext cx="7375035" cy="2590799"/>
+          </a:xfrm>
+          <a:prstGeom prst="rect">
+            <a:avLst/>
+          </a:prstGeom>
+          <a:ln/>
+        </p:spPr>
+        <p:style>
+          <a:lnRef idx="2">
+            <a:schemeClr val="accent3"/>
+          </a:lnRef>
+          <a:fillRef idx="1">
+            <a:schemeClr val="lt1"/>
+          </a:fillRef>
+          <a:effectRef idx="0">
+            <a:schemeClr val="accent3"/>
+          </a:effectRef>
+          <a:fontRef idx="minor">
+            <a:schemeClr val="dk1"/>
+          </a:fontRef>
+        </p:style>
+      </p:pic>
+      <p:sp>
+        <p:nvSpPr>
+          <p:cNvPr id="4" name="TextBox 3"/>
+          <p:cNvSpPr txBox="1"/>
+          <p:nvPr/>
+        </p:nvSpPr>
+        <p:spPr>
+          <a:xfrm>
+            <a:off x="1905000" y="5181599"/>
+            <a:ext cx="5142818" cy="430887"/>
+          </a:xfrm>
+          <a:prstGeom prst="rect">
+            <a:avLst/>
+          </a:prstGeom>
+          <a:noFill/>
+        </p:spPr>
+        <p:txBody>
+          <a:bodyPr wrap="none" rtlCol="0">
+            <a:spAutoFit/>
+          </a:bodyPr>
+          <a:lstStyle/>
+          <a:p>
+            <a:r>
+              <a:rPr lang="en-US" sz="2200" dirty="0" err="1" smtClean="0"/>
+              <a:t>Có</a:t>
+            </a:r>
+            <a:r>
+              <a:rPr lang="en-US" sz="2200" dirty="0" smtClean="0"/>
+              <a:t> </a:t>
+            </a:r>
+            <a:r>
+              <a:rPr lang="en-US" sz="2200" dirty="0" err="1" smtClean="0"/>
+              <a:t>sự</a:t>
+            </a:r>
+            <a:r>
+              <a:rPr lang="en-US" sz="2200" dirty="0" smtClean="0"/>
+              <a:t> </a:t>
+            </a:r>
+            <a:r>
+              <a:rPr lang="en-US" sz="2200" dirty="0" err="1" smtClean="0"/>
+              <a:t>khác</a:t>
+            </a:r>
+            <a:r>
+              <a:rPr lang="en-US" sz="2200" dirty="0" smtClean="0"/>
+              <a:t> </a:t>
+            </a:r>
+            <a:r>
+              <a:rPr lang="en-US" sz="2200" dirty="0" err="1" smtClean="0"/>
+              <a:t>biệt</a:t>
+            </a:r>
+            <a:r>
+              <a:rPr lang="en-US" sz="2200" dirty="0" smtClean="0"/>
+              <a:t> </a:t>
+            </a:r>
+            <a:r>
+              <a:rPr lang="en-US" sz="2200" dirty="0" err="1" smtClean="0"/>
+              <a:t>gì</a:t>
+            </a:r>
+            <a:r>
+              <a:rPr lang="en-US" sz="2200" dirty="0" smtClean="0"/>
+              <a:t> </a:t>
+            </a:r>
+            <a:r>
+              <a:rPr lang="en-US" sz="2200" dirty="0" err="1" smtClean="0"/>
+              <a:t>giữa</a:t>
+            </a:r>
+            <a:r>
+              <a:rPr lang="en-US" sz="2200" dirty="0" smtClean="0"/>
+              <a:t> </a:t>
+            </a:r>
+            <a:r>
+              <a:rPr lang="en-US" sz="2200" dirty="0" err="1" smtClean="0"/>
+              <a:t>hai</a:t>
+            </a:r>
+            <a:r>
+              <a:rPr lang="en-US" sz="2200" dirty="0" smtClean="0"/>
+              <a:t> </a:t>
+            </a:r>
+            <a:r>
+              <a:rPr lang="en-US" sz="2200" dirty="0" err="1" smtClean="0"/>
+              <a:t>kiểu</a:t>
+            </a:r>
+            <a:r>
+              <a:rPr lang="en-US" sz="2200" dirty="0" smtClean="0"/>
+              <a:t> </a:t>
+            </a:r>
+            <a:r>
+              <a:rPr lang="en-US" sz="2200" dirty="0" err="1" smtClean="0"/>
+              <a:t>khai</a:t>
+            </a:r>
+            <a:r>
+              <a:rPr lang="en-US" sz="2200" dirty="0" smtClean="0"/>
+              <a:t> </a:t>
+            </a:r>
+            <a:r>
+              <a:rPr lang="en-US" sz="2200" dirty="0" err="1" smtClean="0"/>
+              <a:t>báo</a:t>
+            </a:r>
+            <a:r>
+              <a:rPr lang="en-US" sz="2200" dirty="0" smtClean="0"/>
+              <a:t>???</a:t>
+            </a:r>
+            <a:endParaRPr lang="en-GB" sz="2200" dirty="0"/>
+          </a:p>
+        </p:txBody>
+      </p:sp>
+    </p:spTree>
+    <p:extLst>
+      <p:ext uri="{BB962C8B-B14F-4D97-AF65-F5344CB8AC3E}">
+        <p14:creationId xmlns:p14="http://schemas.microsoft.com/office/powerpoint/2010/main" val="695988554"/>
       </p:ext>
     </p:extLst>
   </p:cSld>
